--- a/Documentations/structure_diagrams.pptx
+++ b/Documentations/structure_diagrams.pptx
@@ -5,14 +5,15 @@
     <p:sldMasterId id="2147483648" r:id="rId1"/>
   </p:sldMasterIdLst>
   <p:notesMasterIdLst>
-    <p:notesMasterId r:id="rId7"/>
+    <p:notesMasterId r:id="rId8"/>
   </p:notesMasterIdLst>
   <p:sldIdLst>
     <p:sldId id="257" r:id="rId2"/>
     <p:sldId id="256" r:id="rId3"/>
     <p:sldId id="260" r:id="rId4"/>
     <p:sldId id="261" r:id="rId5"/>
-    <p:sldId id="258" r:id="rId6"/>
+    <p:sldId id="262" r:id="rId6"/>
+    <p:sldId id="258" r:id="rId7"/>
   </p:sldIdLst>
   <p:sldSz cx="12192000" cy="6858000"/>
   <p:notesSz cx="6858000" cy="9144000"/>
@@ -1303,6 +1304,13 @@
         </dgm:presLayoutVars>
       </dgm:prSet>
       <dgm:spPr/>
+      <dgm:t>
+        <a:bodyPr/>
+        <a:lstStyle/>
+        <a:p>
+          <a:endParaRPr lang="en-US"/>
+        </a:p>
+      </dgm:t>
     </dgm:pt>
     <dgm:pt modelId="{EB9198BE-AD56-4A3B-A7FE-2E9EE4CB55EC}" type="pres">
       <dgm:prSet presAssocID="{61FC1FDD-51A6-41B8-BB41-8C903FB3558A}" presName="aSpace" presStyleCnt="0"/>
@@ -1329,15 +1337,15 @@
     </dgm:pt>
   </dgm:ptLst>
   <dgm:cxnLst>
+    <dgm:cxn modelId="{FF700286-27FE-4FEF-A1CF-DAD754C04B6D}" srcId="{9FE20A2D-0907-48A1-BF98-DB441747CC91}" destId="{61FC1FDD-51A6-41B8-BB41-8C903FB3558A}" srcOrd="2" destOrd="0" parTransId="{C554140D-F03A-4847-B0F8-63961DAA0327}" sibTransId="{9F1B2948-CA1E-4CF2-A439-505F5FB9B0E5}"/>
+    <dgm:cxn modelId="{43A55AC3-C439-4EE5-8E29-BCE787458414}" type="presOf" srcId="{B89791A3-2956-4E0F-8B4E-8DB12C97749F}" destId="{4500FFEA-39E4-47B0-80BD-7B2265F9C85A}" srcOrd="0" destOrd="0" presId="urn:microsoft.com/office/officeart/2005/8/layout/pyramid2"/>
+    <dgm:cxn modelId="{D23A0E9D-DDA3-46B6-9123-B2F88B3752BD}" srcId="{9FE20A2D-0907-48A1-BF98-DB441747CC91}" destId="{A7B516AB-972E-4A65-A153-97E226051D44}" srcOrd="3" destOrd="0" parTransId="{8CBD4DA6-1DB0-4A52-A73F-DAF11FF724F1}" sibTransId="{7D4CEAE4-31B3-48B6-B210-7C8D1C2F4EAF}"/>
+    <dgm:cxn modelId="{A075354A-4D02-4D77-AFA6-0953591687C1}" type="presOf" srcId="{61FC1FDD-51A6-41B8-BB41-8C903FB3558A}" destId="{2D7298D4-25DF-4940-A8E7-A25BB383073A}" srcOrd="0" destOrd="0" presId="urn:microsoft.com/office/officeart/2005/8/layout/pyramid2"/>
     <dgm:cxn modelId="{7BF23947-2385-4131-B4D8-DA77CCFEDE9D}" srcId="{9FE20A2D-0907-48A1-BF98-DB441747CC91}" destId="{B89791A3-2956-4E0F-8B4E-8DB12C97749F}" srcOrd="0" destOrd="0" parTransId="{B961D503-A241-4FC0-8C57-CBC3119C626F}" sibTransId="{35524C04-03A3-477E-8E81-277EC63AE607}"/>
+    <dgm:cxn modelId="{2BAEC16A-8FFF-441D-A063-1A78448CC17A}" type="presOf" srcId="{8A0BB1FF-CBDD-49DE-A969-90EAFBCDE51F}" destId="{C65B1A9E-3164-4E3A-8279-E78064FB1D24}" srcOrd="0" destOrd="0" presId="urn:microsoft.com/office/officeart/2005/8/layout/pyramid2"/>
+    <dgm:cxn modelId="{C77F2545-FCB7-4F69-968B-94E02423823B}" type="presOf" srcId="{A7B516AB-972E-4A65-A153-97E226051D44}" destId="{0C191B19-51D2-4448-9FAD-49E583E44C72}" srcOrd="0" destOrd="0" presId="urn:microsoft.com/office/officeart/2005/8/layout/pyramid2"/>
+    <dgm:cxn modelId="{7DCF29C8-91E7-41F3-934F-E5DF9D20FEB2}" type="presOf" srcId="{9FE20A2D-0907-48A1-BF98-DB441747CC91}" destId="{F6BA5EEB-8BBE-4193-829C-F5725772CD2E}" srcOrd="0" destOrd="0" presId="urn:microsoft.com/office/officeart/2005/8/layout/pyramid2"/>
     <dgm:cxn modelId="{D4E2CB49-9966-4BF7-85A8-B28AA57BD191}" srcId="{9FE20A2D-0907-48A1-BF98-DB441747CC91}" destId="{8A0BB1FF-CBDD-49DE-A969-90EAFBCDE51F}" srcOrd="1" destOrd="0" parTransId="{61A229CD-28FF-4BA0-8DBA-742DBF696942}" sibTransId="{BB65CD57-BC92-4FDF-BE1C-99896876FCA2}"/>
-    <dgm:cxn modelId="{2BAEC16A-8FFF-441D-A063-1A78448CC17A}" type="presOf" srcId="{8A0BB1FF-CBDD-49DE-A969-90EAFBCDE51F}" destId="{C65B1A9E-3164-4E3A-8279-E78064FB1D24}" srcOrd="0" destOrd="0" presId="urn:microsoft.com/office/officeart/2005/8/layout/pyramid2"/>
-    <dgm:cxn modelId="{43A55AC3-C439-4EE5-8E29-BCE787458414}" type="presOf" srcId="{B89791A3-2956-4E0F-8B4E-8DB12C97749F}" destId="{4500FFEA-39E4-47B0-80BD-7B2265F9C85A}" srcOrd="0" destOrd="0" presId="urn:microsoft.com/office/officeart/2005/8/layout/pyramid2"/>
-    <dgm:cxn modelId="{C77F2545-FCB7-4F69-968B-94E02423823B}" type="presOf" srcId="{A7B516AB-972E-4A65-A153-97E226051D44}" destId="{0C191B19-51D2-4448-9FAD-49E583E44C72}" srcOrd="0" destOrd="0" presId="urn:microsoft.com/office/officeart/2005/8/layout/pyramid2"/>
-    <dgm:cxn modelId="{FF700286-27FE-4FEF-A1CF-DAD754C04B6D}" srcId="{9FE20A2D-0907-48A1-BF98-DB441747CC91}" destId="{61FC1FDD-51A6-41B8-BB41-8C903FB3558A}" srcOrd="2" destOrd="0" parTransId="{C554140D-F03A-4847-B0F8-63961DAA0327}" sibTransId="{9F1B2948-CA1E-4CF2-A439-505F5FB9B0E5}"/>
-    <dgm:cxn modelId="{7DCF29C8-91E7-41F3-934F-E5DF9D20FEB2}" type="presOf" srcId="{9FE20A2D-0907-48A1-BF98-DB441747CC91}" destId="{F6BA5EEB-8BBE-4193-829C-F5725772CD2E}" srcOrd="0" destOrd="0" presId="urn:microsoft.com/office/officeart/2005/8/layout/pyramid2"/>
-    <dgm:cxn modelId="{A075354A-4D02-4D77-AFA6-0953591687C1}" type="presOf" srcId="{61FC1FDD-51A6-41B8-BB41-8C903FB3558A}" destId="{2D7298D4-25DF-4940-A8E7-A25BB383073A}" srcOrd="0" destOrd="0" presId="urn:microsoft.com/office/officeart/2005/8/layout/pyramid2"/>
-    <dgm:cxn modelId="{D23A0E9D-DDA3-46B6-9123-B2F88B3752BD}" srcId="{9FE20A2D-0907-48A1-BF98-DB441747CC91}" destId="{A7B516AB-972E-4A65-A153-97E226051D44}" srcOrd="3" destOrd="0" parTransId="{8CBD4DA6-1DB0-4A52-A73F-DAF11FF724F1}" sibTransId="{7D4CEAE4-31B3-48B6-B210-7C8D1C2F4EAF}"/>
     <dgm:cxn modelId="{590E0957-DF0E-488E-88E4-D350DCC71916}" type="presParOf" srcId="{F6BA5EEB-8BBE-4193-829C-F5725772CD2E}" destId="{CB7FCF08-F9CA-4786-9014-C41B1D66134F}" srcOrd="0" destOrd="0" presId="urn:microsoft.com/office/officeart/2005/8/layout/pyramid2"/>
     <dgm:cxn modelId="{6A7CB6F3-1F72-4580-80CC-546D13A29DCB}" type="presParOf" srcId="{F6BA5EEB-8BBE-4193-829C-F5725772CD2E}" destId="{A567002C-0276-4475-9B14-78C49F883F1E}" srcOrd="1" destOrd="0" presId="urn:microsoft.com/office/officeart/2005/8/layout/pyramid2"/>
     <dgm:cxn modelId="{A13994C6-5F64-427C-BD71-F77C05EAD77C}" type="presParOf" srcId="{A567002C-0276-4475-9B14-78C49F883F1E}" destId="{4500FFEA-39E4-47B0-80BD-7B2265F9C85A}" srcOrd="0" destOrd="0" presId="urn:microsoft.com/office/officeart/2005/8/layout/pyramid2"/>
@@ -3022,7 +3030,7 @@
           <a:p>
             <a:fld id="{BD9E72BA-B64C-481F-93A8-E4D26CDED7CB}" type="datetimeFigureOut">
               <a:rPr lang="en-SG" smtClean="0"/>
-              <a:t>27/12/2018</a:t>
+              <a:t>7/1/2019</a:t>
             </a:fld>
             <a:endParaRPr lang="en-SG"/>
           </a:p>
@@ -3505,7 +3513,7 @@
           <a:p>
             <a:fld id="{E6B29F7E-10B4-4321-AA2C-B0E4C26EEF29}" type="datetimeFigureOut">
               <a:rPr lang="en-SG" smtClean="0"/>
-              <a:t>26/12/2018</a:t>
+              <a:t>7/1/2019</a:t>
             </a:fld>
             <a:endParaRPr lang="en-SG"/>
           </a:p>
@@ -3675,7 +3683,7 @@
           <a:p>
             <a:fld id="{E6B29F7E-10B4-4321-AA2C-B0E4C26EEF29}" type="datetimeFigureOut">
               <a:rPr lang="en-SG" smtClean="0"/>
-              <a:t>26/12/2018</a:t>
+              <a:t>7/1/2019</a:t>
             </a:fld>
             <a:endParaRPr lang="en-SG"/>
           </a:p>
@@ -3855,7 +3863,7 @@
           <a:p>
             <a:fld id="{E6B29F7E-10B4-4321-AA2C-B0E4C26EEF29}" type="datetimeFigureOut">
               <a:rPr lang="en-SG" smtClean="0"/>
-              <a:t>26/12/2018</a:t>
+              <a:t>7/1/2019</a:t>
             </a:fld>
             <a:endParaRPr lang="en-SG"/>
           </a:p>
@@ -4025,7 +4033,7 @@
           <a:p>
             <a:fld id="{E6B29F7E-10B4-4321-AA2C-B0E4C26EEF29}" type="datetimeFigureOut">
               <a:rPr lang="en-SG" smtClean="0"/>
-              <a:t>26/12/2018</a:t>
+              <a:t>7/1/2019</a:t>
             </a:fld>
             <a:endParaRPr lang="en-SG"/>
           </a:p>
@@ -4271,7 +4279,7 @@
           <a:p>
             <a:fld id="{E6B29F7E-10B4-4321-AA2C-B0E4C26EEF29}" type="datetimeFigureOut">
               <a:rPr lang="en-SG" smtClean="0"/>
-              <a:t>26/12/2018</a:t>
+              <a:t>7/1/2019</a:t>
             </a:fld>
             <a:endParaRPr lang="en-SG"/>
           </a:p>
@@ -4503,7 +4511,7 @@
           <a:p>
             <a:fld id="{E6B29F7E-10B4-4321-AA2C-B0E4C26EEF29}" type="datetimeFigureOut">
               <a:rPr lang="en-SG" smtClean="0"/>
-              <a:t>26/12/2018</a:t>
+              <a:t>7/1/2019</a:t>
             </a:fld>
             <a:endParaRPr lang="en-SG"/>
           </a:p>
@@ -4870,7 +4878,7 @@
           <a:p>
             <a:fld id="{E6B29F7E-10B4-4321-AA2C-B0E4C26EEF29}" type="datetimeFigureOut">
               <a:rPr lang="en-SG" smtClean="0"/>
-              <a:t>26/12/2018</a:t>
+              <a:t>7/1/2019</a:t>
             </a:fld>
             <a:endParaRPr lang="en-SG"/>
           </a:p>
@@ -4988,7 +4996,7 @@
           <a:p>
             <a:fld id="{E6B29F7E-10B4-4321-AA2C-B0E4C26EEF29}" type="datetimeFigureOut">
               <a:rPr lang="en-SG" smtClean="0"/>
-              <a:t>26/12/2018</a:t>
+              <a:t>7/1/2019</a:t>
             </a:fld>
             <a:endParaRPr lang="en-SG"/>
           </a:p>
@@ -5083,7 +5091,7 @@
           <a:p>
             <a:fld id="{E6B29F7E-10B4-4321-AA2C-B0E4C26EEF29}" type="datetimeFigureOut">
               <a:rPr lang="en-SG" smtClean="0"/>
-              <a:t>26/12/2018</a:t>
+              <a:t>7/1/2019</a:t>
             </a:fld>
             <a:endParaRPr lang="en-SG"/>
           </a:p>
@@ -5360,7 +5368,7 @@
           <a:p>
             <a:fld id="{E6B29F7E-10B4-4321-AA2C-B0E4C26EEF29}" type="datetimeFigureOut">
               <a:rPr lang="en-SG" smtClean="0"/>
-              <a:t>26/12/2018</a:t>
+              <a:t>7/1/2019</a:t>
             </a:fld>
             <a:endParaRPr lang="en-SG"/>
           </a:p>
@@ -5613,7 +5621,7 @@
           <a:p>
             <a:fld id="{E6B29F7E-10B4-4321-AA2C-B0E4C26EEF29}" type="datetimeFigureOut">
               <a:rPr lang="en-SG" smtClean="0"/>
-              <a:t>26/12/2018</a:t>
+              <a:t>7/1/2019</a:t>
             </a:fld>
             <a:endParaRPr lang="en-SG"/>
           </a:p>
@@ -5826,7 +5834,7 @@
           <a:p>
             <a:fld id="{E6B29F7E-10B4-4321-AA2C-B0E4C26EEF29}" type="datetimeFigureOut">
               <a:rPr lang="en-SG" smtClean="0"/>
-              <a:t>26/12/2018</a:t>
+              <a:t>7/1/2019</a:t>
             </a:fld>
             <a:endParaRPr lang="en-SG"/>
           </a:p>
@@ -6555,7 +6563,6 @@
               <a:rPr lang="en-SG" dirty="0" smtClean="0"/>
               <a:t>Dashboard</a:t>
             </a:r>
-            <a:endParaRPr lang="en-SG" dirty="0" smtClean="0"/>
           </a:p>
         </p:txBody>
       </p:sp>
@@ -7058,7 +7065,7 @@
         </p:nvSpPr>
         <p:spPr>
           <a:xfrm>
-            <a:off x="9504602" y="5514975"/>
+            <a:off x="8990007" y="5491266"/>
             <a:ext cx="2290878" cy="1234972"/>
           </a:xfrm>
           <a:prstGeom prst="cloud">
@@ -7148,7 +7155,7 @@
             <a:pPr algn="ctr"/>
             <a:r>
               <a:rPr lang="en-SG" dirty="0" smtClean="0"/>
-              <a:t>Bluetooth Server</a:t>
+              <a:t>Bluetooth Service</a:t>
             </a:r>
             <a:endParaRPr lang="en-SG" dirty="0"/>
           </a:p>
@@ -7196,7 +7203,7 @@
             <a:pPr algn="ctr"/>
             <a:r>
               <a:rPr lang="en-SG" dirty="0" smtClean="0"/>
-              <a:t>Sensor Server</a:t>
+              <a:t>Sensor Service</a:t>
             </a:r>
             <a:endParaRPr lang="en-SG" dirty="0"/>
           </a:p>
@@ -7291,7 +7298,7 @@
             <a:pPr algn="ctr"/>
             <a:r>
               <a:rPr lang="en-SG" dirty="0" smtClean="0"/>
-              <a:t>[SQL Statements]</a:t>
+              <a:t>[historical data]</a:t>
             </a:r>
             <a:endParaRPr lang="en-SG" dirty="0"/>
           </a:p>
@@ -7389,11 +7396,23 @@
             </a:fontRef>
           </p:style>
           <p:txBody>
-            <a:bodyPr rtlCol="0" anchor="ctr"/>
+            <a:bodyPr rtlCol="0" anchor="b"/>
             <a:lstStyle/>
             <a:p>
               <a:pPr algn="ctr"/>
-              <a:endParaRPr lang="en-SG"/>
+              <a:r>
+                <a:rPr lang="en-SG" dirty="0" smtClean="0"/>
+                <a:t>[</a:t>
+              </a:r>
+              <a:r>
+                <a:rPr lang="en-SG" dirty="0" err="1" smtClean="0"/>
+                <a:t>Realtime</a:t>
+              </a:r>
+              <a:r>
+                <a:rPr lang="en-SG" dirty="0" smtClean="0"/>
+                <a:t> data]</a:t>
+              </a:r>
+              <a:endParaRPr lang="en-SG" dirty="0"/>
             </a:p>
           </p:txBody>
         </p:sp>
@@ -7420,13 +7439,19 @@
           </p:blipFill>
           <p:spPr bwMode="auto">
             <a:xfrm>
-              <a:off x="2675364" y="2604011"/>
-              <a:ext cx="1819314" cy="609426"/>
+              <a:off x="2739548" y="2316348"/>
+              <a:ext cx="1756461" cy="588371"/>
             </a:xfrm>
             <a:prstGeom prst="rect">
               <a:avLst/>
             </a:prstGeom>
-            <a:noFill/>
+            <a:effectLst>
+              <a:outerShdw blurRad="76200" dir="13500000" sy="23000" kx="1200000" algn="br" rotWithShape="0">
+                <a:prstClr val="black">
+                  <a:alpha val="20000"/>
+                </a:prstClr>
+              </a:outerShdw>
+            </a:effectLst>
             <a:extLst>
               <a:ext uri="{909E8E84-426E-40DD-AFC4-6F175D3DCCD1}">
                 <a14:hiddenFill xmlns:a14="http://schemas.microsoft.com/office/drawing/2010/main">
@@ -7701,7 +7726,6 @@
               <a:rPr lang="en-SG" dirty="0"/>
               <a:t>IOT Communication Layer</a:t>
             </a:r>
-            <a:endParaRPr lang="en-SG" dirty="0"/>
           </a:p>
         </p:txBody>
       </p:sp>
@@ -7752,8 +7776,8 @@
         </p:nvSpPr>
         <p:spPr>
           <a:xfrm>
-            <a:off x="9591676" y="3777335"/>
-            <a:ext cx="2142800" cy="819497"/>
+            <a:off x="8449460" y="3777335"/>
+            <a:ext cx="3285016" cy="819497"/>
           </a:xfrm>
           <a:prstGeom prst="flowChartPreparation">
             <a:avLst/>
@@ -7797,7 +7821,7 @@
         </p:nvSpPr>
         <p:spPr>
           <a:xfrm>
-            <a:off x="10375107" y="4575741"/>
+            <a:off x="9847477" y="4523931"/>
             <a:ext cx="575938" cy="939234"/>
           </a:xfrm>
           <a:prstGeom prst="upDownArrow">
@@ -8821,7 +8845,6 @@
               <a:rPr lang="en-SG" dirty="0" smtClean="0"/>
               <a:t>Services Layer</a:t>
             </a:r>
-            <a:endParaRPr lang="en-SG" dirty="0" smtClean="0"/>
           </a:p>
         </p:txBody>
       </p:sp>
@@ -10692,6 +10715,3086 @@
 </file>
 
 <file path=ppt/slides/slide5.xml><?xml version="1.0" encoding="utf-8"?>
+<p:sld xmlns:a="http://schemas.openxmlformats.org/drawingml/2006/main" xmlns:r="http://schemas.openxmlformats.org/officeDocument/2006/relationships" xmlns:p="http://schemas.openxmlformats.org/presentationml/2006/main">
+  <p:cSld>
+    <p:spTree>
+      <p:nvGrpSpPr>
+        <p:cNvPr id="1" name=""/>
+        <p:cNvGrpSpPr/>
+        <p:nvPr/>
+      </p:nvGrpSpPr>
+      <p:grpSpPr>
+        <a:xfrm>
+          <a:off x="0" y="0"/>
+          <a:ext cx="0" cy="0"/>
+          <a:chOff x="0" y="0"/>
+          <a:chExt cx="0" cy="0"/>
+        </a:xfrm>
+      </p:grpSpPr>
+      <p:sp>
+        <p:nvSpPr>
+          <p:cNvPr id="2" name="Rectangle 1"/>
+          <p:cNvSpPr/>
+          <p:nvPr/>
+        </p:nvSpPr>
+        <p:spPr>
+          <a:xfrm>
+            <a:off x="5603132" y="180568"/>
+            <a:ext cx="6303523" cy="6284662"/>
+          </a:xfrm>
+          <a:prstGeom prst="rect">
+            <a:avLst/>
+          </a:prstGeom>
+          <a:solidFill>
+            <a:schemeClr val="accent5"/>
+          </a:solidFill>
+        </p:spPr>
+        <p:style>
+          <a:lnRef idx="3">
+            <a:schemeClr val="lt1"/>
+          </a:lnRef>
+          <a:fillRef idx="1">
+            <a:schemeClr val="accent6"/>
+          </a:fillRef>
+          <a:effectRef idx="1">
+            <a:schemeClr val="accent6"/>
+          </a:effectRef>
+          <a:fontRef idx="minor">
+            <a:schemeClr val="lt1"/>
+          </a:fontRef>
+        </p:style>
+        <p:txBody>
+          <a:bodyPr rtlCol="0" anchor="t"/>
+          <a:lstStyle/>
+          <a:p>
+            <a:pPr algn="ctr"/>
+            <a:r>
+              <a:rPr lang="en-SG" dirty="0" smtClean="0"/>
+              <a:t>Machine Learning</a:t>
+            </a:r>
+          </a:p>
+        </p:txBody>
+      </p:sp>
+      <p:sp>
+        <p:nvSpPr>
+          <p:cNvPr id="3" name="Can 2"/>
+          <p:cNvSpPr/>
+          <p:nvPr/>
+        </p:nvSpPr>
+        <p:spPr>
+          <a:xfrm>
+            <a:off x="206494" y="4501782"/>
+            <a:ext cx="1573668" cy="1963448"/>
+          </a:xfrm>
+          <a:prstGeom prst="can">
+            <a:avLst/>
+          </a:prstGeom>
+        </p:spPr>
+        <p:style>
+          <a:lnRef idx="3">
+            <a:schemeClr val="lt1"/>
+          </a:lnRef>
+          <a:fillRef idx="1">
+            <a:schemeClr val="accent6"/>
+          </a:fillRef>
+          <a:effectRef idx="1">
+            <a:schemeClr val="accent6"/>
+          </a:effectRef>
+          <a:fontRef idx="minor">
+            <a:schemeClr val="lt1"/>
+          </a:fontRef>
+        </p:style>
+        <p:txBody>
+          <a:bodyPr rtlCol="0" anchor="ctr"/>
+          <a:lstStyle/>
+          <a:p>
+            <a:pPr algn="ctr"/>
+            <a:r>
+              <a:rPr lang="en-SG" dirty="0" smtClean="0"/>
+              <a:t>SAP HANA </a:t>
+            </a:r>
+          </a:p>
+          <a:p>
+            <a:pPr algn="ctr"/>
+            <a:r>
+              <a:rPr lang="en-SG" dirty="0" smtClean="0"/>
+              <a:t>DB</a:t>
+            </a:r>
+          </a:p>
+        </p:txBody>
+      </p:sp>
+      <p:sp>
+        <p:nvSpPr>
+          <p:cNvPr id="4" name="Bent-Up Arrow 3"/>
+          <p:cNvSpPr/>
+          <p:nvPr/>
+        </p:nvSpPr>
+        <p:spPr>
+          <a:xfrm rot="16200000" flipV="1">
+            <a:off x="474763" y="3056379"/>
+            <a:ext cx="1686669" cy="924128"/>
+          </a:xfrm>
+          <a:prstGeom prst="bentUpArrow">
+            <a:avLst>
+              <a:gd name="adj1" fmla="val 33889"/>
+              <a:gd name="adj2" fmla="val 35556"/>
+              <a:gd name="adj3" fmla="val 35585"/>
+            </a:avLst>
+          </a:prstGeom>
+        </p:spPr>
+        <p:style>
+          <a:lnRef idx="2">
+            <a:schemeClr val="dk1">
+              <a:shade val="50000"/>
+            </a:schemeClr>
+          </a:lnRef>
+          <a:fillRef idx="1">
+            <a:schemeClr val="dk1"/>
+          </a:fillRef>
+          <a:effectRef idx="0">
+            <a:schemeClr val="dk1"/>
+          </a:effectRef>
+          <a:fontRef idx="minor">
+            <a:schemeClr val="lt1"/>
+          </a:fontRef>
+        </p:style>
+        <p:txBody>
+          <a:bodyPr rtlCol="0" anchor="ctr"/>
+          <a:lstStyle/>
+          <a:p>
+            <a:pPr algn="ctr"/>
+            <a:endParaRPr lang="en-SG"/>
+          </a:p>
+        </p:txBody>
+      </p:sp>
+      <p:sp>
+        <p:nvSpPr>
+          <p:cNvPr id="5" name="Rectangle 4"/>
+          <p:cNvSpPr/>
+          <p:nvPr/>
+        </p:nvSpPr>
+        <p:spPr>
+          <a:xfrm>
+            <a:off x="2039566" y="180568"/>
+            <a:ext cx="2726987" cy="6284662"/>
+          </a:xfrm>
+          <a:prstGeom prst="rect">
+            <a:avLst/>
+          </a:prstGeom>
+        </p:spPr>
+        <p:style>
+          <a:lnRef idx="2">
+            <a:schemeClr val="accent2">
+              <a:shade val="50000"/>
+            </a:schemeClr>
+          </a:lnRef>
+          <a:fillRef idx="1">
+            <a:schemeClr val="accent2"/>
+          </a:fillRef>
+          <a:effectRef idx="0">
+            <a:schemeClr val="accent2"/>
+          </a:effectRef>
+          <a:fontRef idx="minor">
+            <a:schemeClr val="lt1"/>
+          </a:fontRef>
+        </p:style>
+        <p:txBody>
+          <a:bodyPr rtlCol="0" anchor="t"/>
+          <a:lstStyle/>
+          <a:p>
+            <a:pPr algn="ctr"/>
+            <a:r>
+              <a:rPr lang="en-SG" dirty="0" smtClean="0"/>
+              <a:t>Training Dataset Sample</a:t>
+            </a:r>
+          </a:p>
+        </p:txBody>
+      </p:sp>
+      <mc:AlternateContent xmlns:mc="http://schemas.openxmlformats.org/markup-compatibility/2006" xmlns:a14="http://schemas.microsoft.com/office/drawing/2010/main">
+        <mc:Choice Requires="a14">
+          <p:sp>
+            <p:nvSpPr>
+              <p:cNvPr id="6" name="Rectangle 5"/>
+              <p:cNvSpPr/>
+              <p:nvPr/>
+            </p:nvSpPr>
+            <p:spPr>
+              <a:xfrm>
+                <a:off x="2247089" y="729573"/>
+                <a:ext cx="2324911" cy="4609479"/>
+              </a:xfrm>
+              <a:prstGeom prst="rect">
+                <a:avLst/>
+              </a:prstGeom>
+            </p:spPr>
+            <p:style>
+              <a:lnRef idx="2">
+                <a:schemeClr val="accent3"/>
+              </a:lnRef>
+              <a:fillRef idx="1">
+                <a:schemeClr val="lt1"/>
+              </a:fillRef>
+              <a:effectRef idx="0">
+                <a:schemeClr val="accent3"/>
+              </a:effectRef>
+              <a:fontRef idx="minor">
+                <a:schemeClr val="dk1"/>
+              </a:fontRef>
+            </p:style>
+            <p:txBody>
+              <a:bodyPr rtlCol="0" anchor="t"/>
+              <a:lstStyle/>
+              <a:p>
+                <a:pPr algn="ctr"/>
+                <a:r>
+                  <a:rPr lang="en-SG" dirty="0" smtClean="0">
+                    <a:solidFill>
+                      <a:schemeClr val="bg1">
+                        <a:lumMod val="50000"/>
+                      </a:schemeClr>
+                    </a:solidFill>
+                  </a:rPr>
+                  <a:t>Input features</a:t>
+                </a:r>
+              </a:p>
+              <a:p>
+                <a:pPr algn="ctr"/>
+                <a:endParaRPr lang="en-SG" dirty="0"/>
+              </a:p>
+              <a:p>
+                <a:pPr algn="ctr"/>
+                <a:r>
+                  <a:rPr lang="en-SG" b="1" dirty="0" smtClean="0"/>
+                  <a:t>User Profile</a:t>
+                </a:r>
+              </a:p>
+              <a:p>
+                <a:pPr algn="ctr"/>
+                <a14:m>
+                  <m:oMath xmlns:m="http://schemas.openxmlformats.org/officeDocument/2006/math">
+                    <m:sSub>
+                      <m:sSubPr>
+                        <m:ctrlPr>
+                          <a:rPr lang="en-SG" i="1">
+                            <a:latin typeface="Cambria Math" panose="02040503050406030204" pitchFamily="18" charset="0"/>
+                          </a:rPr>
+                        </m:ctrlPr>
+                      </m:sSubPr>
+                      <m:e>
+                        <m:r>
+                          <a:rPr lang="en-SG" i="1">
+                            <a:latin typeface="Cambria Math" panose="02040503050406030204" pitchFamily="18" charset="0"/>
+                          </a:rPr>
+                          <m:t>𝑥</m:t>
+                        </m:r>
+                      </m:e>
+                      <m:sub>
+                        <m:r>
+                          <a:rPr lang="en-SG" i="1">
+                            <a:latin typeface="Cambria Math" panose="02040503050406030204" pitchFamily="18" charset="0"/>
+                          </a:rPr>
+                          <m:t>1</m:t>
+                        </m:r>
+                      </m:sub>
+                    </m:sSub>
+                  </m:oMath>
+                </a14:m>
+                <a:r>
+                  <a:rPr lang="en-SG" b="0" dirty="0" smtClean="0"/>
+                  <a:t> = age</a:t>
+                </a:r>
+              </a:p>
+              <a:p>
+                <a:pPr algn="ctr"/>
+                <a14:m>
+                  <m:oMath xmlns:m="http://schemas.openxmlformats.org/officeDocument/2006/math">
+                    <m:sSub>
+                      <m:sSubPr>
+                        <m:ctrlPr>
+                          <a:rPr lang="en-SG" i="1">
+                            <a:latin typeface="Cambria Math" panose="02040503050406030204" pitchFamily="18" charset="0"/>
+                          </a:rPr>
+                        </m:ctrlPr>
+                      </m:sSubPr>
+                      <m:e>
+                        <m:r>
+                          <a:rPr lang="en-SG" i="1">
+                            <a:latin typeface="Cambria Math" panose="02040503050406030204" pitchFamily="18" charset="0"/>
+                          </a:rPr>
+                          <m:t>𝑥</m:t>
+                        </m:r>
+                      </m:e>
+                      <m:sub>
+                        <m:r>
+                          <a:rPr lang="en-SG" b="0" i="1" smtClean="0">
+                            <a:latin typeface="Cambria Math" panose="02040503050406030204" pitchFamily="18" charset="0"/>
+                          </a:rPr>
+                          <m:t>2</m:t>
+                        </m:r>
+                      </m:sub>
+                    </m:sSub>
+                  </m:oMath>
+                </a14:m>
+                <a:r>
+                  <a:rPr lang="en-SG" dirty="0"/>
+                  <a:t> = </a:t>
+                </a:r>
+                <a:r>
+                  <a:rPr lang="en-SG" dirty="0" smtClean="0"/>
+                  <a:t>race</a:t>
+                </a:r>
+                <a:endParaRPr lang="en-SG" dirty="0"/>
+              </a:p>
+              <a:p>
+                <a:pPr algn="ctr"/>
+                <a14:m>
+                  <m:oMath xmlns:m="http://schemas.openxmlformats.org/officeDocument/2006/math">
+                    <m:sSub>
+                      <m:sSubPr>
+                        <m:ctrlPr>
+                          <a:rPr lang="en-SG" i="1">
+                            <a:latin typeface="Cambria Math" panose="02040503050406030204" pitchFamily="18" charset="0"/>
+                          </a:rPr>
+                        </m:ctrlPr>
+                      </m:sSubPr>
+                      <m:e>
+                        <m:r>
+                          <a:rPr lang="en-SG" i="1">
+                            <a:latin typeface="Cambria Math" panose="02040503050406030204" pitchFamily="18" charset="0"/>
+                          </a:rPr>
+                          <m:t>𝑥</m:t>
+                        </m:r>
+                      </m:e>
+                      <m:sub>
+                        <m:r>
+                          <a:rPr lang="en-SG" b="0" i="1" smtClean="0">
+                            <a:latin typeface="Cambria Math" panose="02040503050406030204" pitchFamily="18" charset="0"/>
+                          </a:rPr>
+                          <m:t>3</m:t>
+                        </m:r>
+                      </m:sub>
+                    </m:sSub>
+                  </m:oMath>
+                </a14:m>
+                <a:r>
+                  <a:rPr lang="en-SG" dirty="0"/>
+                  <a:t> = </a:t>
+                </a:r>
+                <a:r>
+                  <a:rPr lang="en-SG" dirty="0" smtClean="0"/>
+                  <a:t>gender</a:t>
+                </a:r>
+              </a:p>
+              <a:p>
+                <a:pPr algn="ctr"/>
+                <a14:m>
+                  <m:oMath xmlns:m="http://schemas.openxmlformats.org/officeDocument/2006/math">
+                    <m:sSub>
+                      <m:sSubPr>
+                        <m:ctrlPr>
+                          <a:rPr lang="en-SG" i="1">
+                            <a:latin typeface="Cambria Math" panose="02040503050406030204" pitchFamily="18" charset="0"/>
+                          </a:rPr>
+                        </m:ctrlPr>
+                      </m:sSubPr>
+                      <m:e>
+                        <m:r>
+                          <a:rPr lang="en-SG" i="1">
+                            <a:latin typeface="Cambria Math" panose="02040503050406030204" pitchFamily="18" charset="0"/>
+                          </a:rPr>
+                          <m:t>𝑥</m:t>
+                        </m:r>
+                      </m:e>
+                      <m:sub>
+                        <m:r>
+                          <a:rPr lang="en-SG" b="0" i="1" smtClean="0">
+                            <a:latin typeface="Cambria Math" panose="02040503050406030204" pitchFamily="18" charset="0"/>
+                          </a:rPr>
+                          <m:t>4</m:t>
+                        </m:r>
+                      </m:sub>
+                    </m:sSub>
+                  </m:oMath>
+                </a14:m>
+                <a:r>
+                  <a:rPr lang="en-SG" dirty="0"/>
+                  <a:t> = </a:t>
+                </a:r>
+                <a:r>
+                  <a:rPr lang="en-SG" dirty="0" err="1" smtClean="0"/>
+                  <a:t>asthmatic_level</a:t>
+                </a:r>
+                <a:endParaRPr lang="en-SG" dirty="0"/>
+              </a:p>
+              <a:p>
+                <a:pPr algn="ctr"/>
+                <a:endParaRPr lang="en-SG" dirty="0" smtClean="0"/>
+              </a:p>
+              <a:p>
+                <a:pPr algn="ctr"/>
+                <a:r>
+                  <a:rPr lang="en-SG" b="1" dirty="0" smtClean="0"/>
+                  <a:t>Sensor Reading</a:t>
+                </a:r>
+                <a:endParaRPr lang="en-SG" b="1" dirty="0"/>
+              </a:p>
+              <a:p>
+                <a:pPr algn="ctr"/>
+                <a14:m>
+                  <m:oMath xmlns:m="http://schemas.openxmlformats.org/officeDocument/2006/math">
+                    <m:sSub>
+                      <m:sSubPr>
+                        <m:ctrlPr>
+                          <a:rPr lang="en-SG" i="1">
+                            <a:latin typeface="Cambria Math" panose="02040503050406030204" pitchFamily="18" charset="0"/>
+                          </a:rPr>
+                        </m:ctrlPr>
+                      </m:sSubPr>
+                      <m:e>
+                        <m:r>
+                          <a:rPr lang="en-SG" i="1">
+                            <a:latin typeface="Cambria Math" panose="02040503050406030204" pitchFamily="18" charset="0"/>
+                          </a:rPr>
+                          <m:t>𝑥</m:t>
+                        </m:r>
+                      </m:e>
+                      <m:sub>
+                        <m:r>
+                          <a:rPr lang="en-SG" b="0" i="1" smtClean="0">
+                            <a:latin typeface="Cambria Math" panose="02040503050406030204" pitchFamily="18" charset="0"/>
+                          </a:rPr>
+                          <m:t>5</m:t>
+                        </m:r>
+                      </m:sub>
+                    </m:sSub>
+                  </m:oMath>
+                </a14:m>
+                <a:r>
+                  <a:rPr lang="en-SG" dirty="0"/>
+                  <a:t> = </a:t>
+                </a:r>
+                <a:r>
+                  <a:rPr lang="en-SG" dirty="0" smtClean="0"/>
+                  <a:t>humidity</a:t>
+                </a:r>
+                <a:endParaRPr lang="en-SG" dirty="0"/>
+              </a:p>
+              <a:p>
+                <a:pPr algn="ctr"/>
+                <a14:m>
+                  <m:oMath xmlns:m="http://schemas.openxmlformats.org/officeDocument/2006/math">
+                    <m:sSub>
+                      <m:sSubPr>
+                        <m:ctrlPr>
+                          <a:rPr lang="en-SG" i="1">
+                            <a:latin typeface="Cambria Math" panose="02040503050406030204" pitchFamily="18" charset="0"/>
+                          </a:rPr>
+                        </m:ctrlPr>
+                      </m:sSubPr>
+                      <m:e>
+                        <m:r>
+                          <a:rPr lang="en-SG" i="1">
+                            <a:latin typeface="Cambria Math" panose="02040503050406030204" pitchFamily="18" charset="0"/>
+                          </a:rPr>
+                          <m:t>𝑥</m:t>
+                        </m:r>
+                      </m:e>
+                      <m:sub>
+                        <m:r>
+                          <a:rPr lang="en-SG" b="0" i="1" smtClean="0">
+                            <a:latin typeface="Cambria Math" panose="02040503050406030204" pitchFamily="18" charset="0"/>
+                          </a:rPr>
+                          <m:t>6</m:t>
+                        </m:r>
+                      </m:sub>
+                    </m:sSub>
+                  </m:oMath>
+                </a14:m>
+                <a:r>
+                  <a:rPr lang="en-SG" dirty="0"/>
+                  <a:t> = </a:t>
+                </a:r>
+                <a:r>
+                  <a:rPr lang="en-SG" dirty="0" smtClean="0"/>
+                  <a:t>temperature</a:t>
+                </a:r>
+                <a:endParaRPr lang="en-SG" dirty="0"/>
+              </a:p>
+              <a:p>
+                <a:pPr algn="ctr"/>
+                <a14:m>
+                  <m:oMath xmlns:m="http://schemas.openxmlformats.org/officeDocument/2006/math">
+                    <m:sSub>
+                      <m:sSubPr>
+                        <m:ctrlPr>
+                          <a:rPr lang="en-SG" i="1">
+                            <a:latin typeface="Cambria Math" panose="02040503050406030204" pitchFamily="18" charset="0"/>
+                          </a:rPr>
+                        </m:ctrlPr>
+                      </m:sSubPr>
+                      <m:e>
+                        <m:r>
+                          <a:rPr lang="en-SG" i="1">
+                            <a:latin typeface="Cambria Math" panose="02040503050406030204" pitchFamily="18" charset="0"/>
+                          </a:rPr>
+                          <m:t>𝑥</m:t>
+                        </m:r>
+                      </m:e>
+                      <m:sub>
+                        <m:r>
+                          <a:rPr lang="en-SG" b="0" i="1" smtClean="0">
+                            <a:latin typeface="Cambria Math" panose="02040503050406030204" pitchFamily="18" charset="0"/>
+                          </a:rPr>
+                          <m:t>7</m:t>
+                        </m:r>
+                      </m:sub>
+                    </m:sSub>
+                  </m:oMath>
+                </a14:m>
+                <a:r>
+                  <a:rPr lang="en-SG" dirty="0"/>
+                  <a:t> = </a:t>
+                </a:r>
+                <a:r>
+                  <a:rPr lang="en-SG" dirty="0" smtClean="0"/>
+                  <a:t>pm25</a:t>
+                </a:r>
+              </a:p>
+              <a:p>
+                <a:pPr algn="ctr"/>
+                <a14:m>
+                  <m:oMath xmlns:m="http://schemas.openxmlformats.org/officeDocument/2006/math">
+                    <m:sSub>
+                      <m:sSubPr>
+                        <m:ctrlPr>
+                          <a:rPr lang="en-SG" i="1">
+                            <a:latin typeface="Cambria Math" panose="02040503050406030204" pitchFamily="18" charset="0"/>
+                          </a:rPr>
+                        </m:ctrlPr>
+                      </m:sSubPr>
+                      <m:e>
+                        <m:r>
+                          <a:rPr lang="en-SG" i="1">
+                            <a:latin typeface="Cambria Math" panose="02040503050406030204" pitchFamily="18" charset="0"/>
+                          </a:rPr>
+                          <m:t>𝑥</m:t>
+                        </m:r>
+                      </m:e>
+                      <m:sub>
+                        <m:r>
+                          <a:rPr lang="en-SG" b="0" i="1" smtClean="0">
+                            <a:latin typeface="Cambria Math" panose="02040503050406030204" pitchFamily="18" charset="0"/>
+                          </a:rPr>
+                          <m:t>8</m:t>
+                        </m:r>
+                      </m:sub>
+                    </m:sSub>
+                  </m:oMath>
+                </a14:m>
+                <a:r>
+                  <a:rPr lang="en-SG" dirty="0"/>
+                  <a:t> = </a:t>
+                </a:r>
+                <a:r>
+                  <a:rPr lang="en-SG" dirty="0" smtClean="0"/>
+                  <a:t>pm10</a:t>
+                </a:r>
+                <a:endParaRPr lang="en-SG" b="0" dirty="0" smtClean="0"/>
+              </a:p>
+              <a:p>
+                <a:pPr algn="ctr"/>
+                <a:endParaRPr lang="en-SG" dirty="0"/>
+              </a:p>
+            </p:txBody>
+          </p:sp>
+        </mc:Choice>
+        <mc:Fallback xmlns="">
+          <p:sp>
+            <p:nvSpPr>
+              <p:cNvPr id="6" name="Rectangle 5"/>
+              <p:cNvSpPr>
+                <a:spLocks noRot="1" noChangeAspect="1" noMove="1" noResize="1" noEditPoints="1" noAdjustHandles="1" noChangeArrowheads="1" noChangeShapeType="1" noTextEdit="1"/>
+              </p:cNvSpPr>
+              <p:nvPr/>
+            </p:nvSpPr>
+            <p:spPr>
+              <a:xfrm>
+                <a:off x="2247089" y="729573"/>
+                <a:ext cx="2324911" cy="4609479"/>
+              </a:xfrm>
+              <a:prstGeom prst="rect">
+                <a:avLst/>
+              </a:prstGeom>
+              <a:blipFill>
+                <a:blip r:embed="rId2"/>
+                <a:stretch>
+                  <a:fillRect t="-660"/>
+                </a:stretch>
+              </a:blipFill>
+            </p:spPr>
+            <p:txBody>
+              <a:bodyPr/>
+              <a:lstStyle/>
+              <a:p>
+                <a:r>
+                  <a:rPr lang="en-SG">
+                    <a:noFill/>
+                  </a:rPr>
+                  <a:t> </a:t>
+                </a:r>
+              </a:p>
+            </p:txBody>
+          </p:sp>
+        </mc:Fallback>
+      </mc:AlternateContent>
+      <mc:AlternateContent xmlns:mc="http://schemas.openxmlformats.org/markup-compatibility/2006" xmlns:a14="http://schemas.microsoft.com/office/drawing/2010/main">
+        <mc:Choice Requires="a14">
+          <p:sp>
+            <p:nvSpPr>
+              <p:cNvPr id="7" name="Rectangle 6"/>
+              <p:cNvSpPr/>
+              <p:nvPr/>
+            </p:nvSpPr>
+            <p:spPr>
+              <a:xfrm>
+                <a:off x="2247089" y="5486400"/>
+                <a:ext cx="2324911" cy="831483"/>
+              </a:xfrm>
+              <a:prstGeom prst="rect">
+                <a:avLst/>
+              </a:prstGeom>
+            </p:spPr>
+            <p:style>
+              <a:lnRef idx="2">
+                <a:schemeClr val="accent1"/>
+              </a:lnRef>
+              <a:fillRef idx="1">
+                <a:schemeClr val="lt1"/>
+              </a:fillRef>
+              <a:effectRef idx="0">
+                <a:schemeClr val="accent1"/>
+              </a:effectRef>
+              <a:fontRef idx="minor">
+                <a:schemeClr val="dk1"/>
+              </a:fontRef>
+            </p:style>
+            <p:txBody>
+              <a:bodyPr rtlCol="0" anchor="t"/>
+              <a:lstStyle/>
+              <a:p>
+                <a:pPr algn="ctr"/>
+                <a:r>
+                  <a:rPr lang="en-SG" dirty="0" smtClean="0">
+                    <a:solidFill>
+                      <a:schemeClr val="bg1">
+                        <a:lumMod val="50000"/>
+                      </a:schemeClr>
+                    </a:solidFill>
+                  </a:rPr>
+                  <a:t>Expected Result</a:t>
+                </a:r>
+              </a:p>
+              <a:p>
+                <a:pPr algn="ctr"/>
+                <a14:m>
+                  <m:oMathPara xmlns:m="http://schemas.openxmlformats.org/officeDocument/2006/math">
+                    <m:oMathParaPr>
+                      <m:jc m:val="centerGroup"/>
+                    </m:oMathParaPr>
+                    <m:oMath xmlns:m="http://schemas.openxmlformats.org/officeDocument/2006/math">
+                      <m:r>
+                        <a:rPr lang="en-SG" b="0" i="1" smtClean="0">
+                          <a:latin typeface="Cambria Math" panose="02040503050406030204" pitchFamily="18" charset="0"/>
+                        </a:rPr>
+                        <m:t>𝑦</m:t>
+                      </m:r>
+                      <m:r>
+                        <a:rPr lang="en-SG" b="0" i="1" smtClean="0">
+                          <a:latin typeface="Cambria Math" panose="02040503050406030204" pitchFamily="18" charset="0"/>
+                        </a:rPr>
+                        <m:t>=0</m:t>
+                      </m:r>
+                    </m:oMath>
+                  </m:oMathPara>
+                </a14:m>
+                <a:endParaRPr lang="en-SG" dirty="0"/>
+              </a:p>
+            </p:txBody>
+          </p:sp>
+        </mc:Choice>
+        <mc:Fallback xmlns="">
+          <p:sp>
+            <p:nvSpPr>
+              <p:cNvPr id="7" name="Rectangle 6"/>
+              <p:cNvSpPr>
+                <a:spLocks noRot="1" noChangeAspect="1" noMove="1" noResize="1" noEditPoints="1" noAdjustHandles="1" noChangeArrowheads="1" noChangeShapeType="1" noTextEdit="1"/>
+              </p:cNvSpPr>
+              <p:nvPr/>
+            </p:nvSpPr>
+            <p:spPr>
+              <a:xfrm>
+                <a:off x="2247089" y="5486400"/>
+                <a:ext cx="2324911" cy="831483"/>
+              </a:xfrm>
+              <a:prstGeom prst="rect">
+                <a:avLst/>
+              </a:prstGeom>
+              <a:blipFill>
+                <a:blip r:embed="rId3"/>
+                <a:stretch>
+                  <a:fillRect t="-2899"/>
+                </a:stretch>
+              </a:blipFill>
+            </p:spPr>
+            <p:txBody>
+              <a:bodyPr/>
+              <a:lstStyle/>
+              <a:p>
+                <a:r>
+                  <a:rPr lang="en-SG">
+                    <a:noFill/>
+                  </a:rPr>
+                  <a:t> </a:t>
+                </a:r>
+              </a:p>
+            </p:txBody>
+          </p:sp>
+        </mc:Fallback>
+      </mc:AlternateContent>
+      <p:sp>
+        <p:nvSpPr>
+          <p:cNvPr id="8" name="Right Arrow 7"/>
+          <p:cNvSpPr/>
+          <p:nvPr/>
+        </p:nvSpPr>
+        <p:spPr>
+          <a:xfrm>
+            <a:off x="4893013" y="2052880"/>
+            <a:ext cx="583659" cy="1962863"/>
+          </a:xfrm>
+          <a:prstGeom prst="rightArrow">
+            <a:avLst>
+              <a:gd name="adj1" fmla="val 50000"/>
+              <a:gd name="adj2" fmla="val 55833"/>
+            </a:avLst>
+          </a:prstGeom>
+        </p:spPr>
+        <p:style>
+          <a:lnRef idx="2">
+            <a:schemeClr val="dk1">
+              <a:shade val="50000"/>
+            </a:schemeClr>
+          </a:lnRef>
+          <a:fillRef idx="1">
+            <a:schemeClr val="dk1"/>
+          </a:fillRef>
+          <a:effectRef idx="0">
+            <a:schemeClr val="dk1"/>
+          </a:effectRef>
+          <a:fontRef idx="minor">
+            <a:schemeClr val="lt1"/>
+          </a:fontRef>
+        </p:style>
+        <p:txBody>
+          <a:bodyPr rtlCol="0" anchor="ctr"/>
+          <a:lstStyle/>
+          <a:p>
+            <a:pPr algn="ctr"/>
+            <a:endParaRPr lang="en-SG"/>
+          </a:p>
+        </p:txBody>
+      </p:sp>
+      <mc:AlternateContent xmlns:mc="http://schemas.openxmlformats.org/markup-compatibility/2006" xmlns:a14="http://schemas.microsoft.com/office/drawing/2010/main">
+        <mc:Choice Requires="a14">
+          <p:sp>
+            <p:nvSpPr>
+              <p:cNvPr id="9" name="Rectangle 8"/>
+              <p:cNvSpPr/>
+              <p:nvPr/>
+            </p:nvSpPr>
+            <p:spPr>
+              <a:xfrm>
+                <a:off x="9708204" y="729574"/>
+                <a:ext cx="1994170" cy="5588310"/>
+              </a:xfrm>
+              <a:prstGeom prst="rect">
+                <a:avLst/>
+              </a:prstGeom>
+            </p:spPr>
+            <p:style>
+              <a:lnRef idx="2">
+                <a:schemeClr val="accent1"/>
+              </a:lnRef>
+              <a:fillRef idx="1">
+                <a:schemeClr val="lt1"/>
+              </a:fillRef>
+              <a:effectRef idx="0">
+                <a:schemeClr val="accent1"/>
+              </a:effectRef>
+              <a:fontRef idx="minor">
+                <a:schemeClr val="dk1"/>
+              </a:fontRef>
+            </p:style>
+            <p:txBody>
+              <a:bodyPr rtlCol="0" anchor="t"/>
+              <a:lstStyle/>
+              <a:p>
+                <a:pPr algn="ctr"/>
+                <a:r>
+                  <a:rPr lang="en-SG" dirty="0" smtClean="0"/>
+                  <a:t>Predicted Output</a:t>
+                </a:r>
+              </a:p>
+              <a:p>
+                <a:pPr algn="ctr"/>
+                <a14:m>
+                  <m:oMathPara xmlns:m="http://schemas.openxmlformats.org/officeDocument/2006/math">
+                    <m:oMathParaPr>
+                      <m:jc m:val="centerGroup"/>
+                    </m:oMathParaPr>
+                    <m:oMath xmlns:m="http://schemas.openxmlformats.org/officeDocument/2006/math">
+                      <m:r>
+                        <a:rPr lang="en-SG" b="0" i="1" smtClean="0">
+                          <a:latin typeface="Cambria Math" panose="02040503050406030204" pitchFamily="18" charset="0"/>
+                        </a:rPr>
+                        <m:t>𝑦</m:t>
+                      </m:r>
+                      <m:r>
+                        <a:rPr lang="en-SG" b="0" i="1" smtClean="0">
+                          <a:latin typeface="Cambria Math" panose="02040503050406030204" pitchFamily="18" charset="0"/>
+                        </a:rPr>
+                        <m:t>= </m:t>
+                      </m:r>
+                    </m:oMath>
+                  </m:oMathPara>
+                </a14:m>
+                <a:r>
+                  <a:rPr lang="en-SG" dirty="0"/>
+                  <a:t/>
+                </a:r>
+                <a:br>
+                  <a:rPr lang="en-SG" dirty="0"/>
+                </a:br>
+                <a:endParaRPr lang="en-SG" dirty="0" smtClean="0"/>
+              </a:p>
+            </p:txBody>
+          </p:sp>
+        </mc:Choice>
+        <mc:Fallback xmlns="">
+          <p:sp>
+            <p:nvSpPr>
+              <p:cNvPr id="9" name="Rectangle 8"/>
+              <p:cNvSpPr>
+                <a:spLocks noRot="1" noChangeAspect="1" noMove="1" noResize="1" noEditPoints="1" noAdjustHandles="1" noChangeArrowheads="1" noChangeShapeType="1" noTextEdit="1"/>
+              </p:cNvSpPr>
+              <p:nvPr/>
+            </p:nvSpPr>
+            <p:spPr>
+              <a:xfrm>
+                <a:off x="9708204" y="729574"/>
+                <a:ext cx="1994170" cy="5588310"/>
+              </a:xfrm>
+              <a:prstGeom prst="rect">
+                <a:avLst/>
+              </a:prstGeom>
+              <a:blipFill>
+                <a:blip r:embed="rId4"/>
+                <a:stretch>
+                  <a:fillRect t="-545"/>
+                </a:stretch>
+              </a:blipFill>
+            </p:spPr>
+            <p:txBody>
+              <a:bodyPr/>
+              <a:lstStyle/>
+              <a:p>
+                <a:r>
+                  <a:rPr lang="en-SG">
+                    <a:noFill/>
+                  </a:rPr>
+                  <a:t> </a:t>
+                </a:r>
+              </a:p>
+            </p:txBody>
+          </p:sp>
+        </mc:Fallback>
+      </mc:AlternateContent>
+      <p:sp>
+        <p:nvSpPr>
+          <p:cNvPr id="11" name="Rectangle 10"/>
+          <p:cNvSpPr/>
+          <p:nvPr/>
+        </p:nvSpPr>
+        <p:spPr>
+          <a:xfrm>
+            <a:off x="9873574" y="1468877"/>
+            <a:ext cx="1663430" cy="920720"/>
+          </a:xfrm>
+          <a:prstGeom prst="rect">
+            <a:avLst/>
+          </a:prstGeom>
+        </p:spPr>
+        <p:style>
+          <a:lnRef idx="3">
+            <a:schemeClr val="lt1"/>
+          </a:lnRef>
+          <a:fillRef idx="1">
+            <a:schemeClr val="accent6"/>
+          </a:fillRef>
+          <a:effectRef idx="1">
+            <a:schemeClr val="accent6"/>
+          </a:effectRef>
+          <a:fontRef idx="minor">
+            <a:schemeClr val="lt1"/>
+          </a:fontRef>
+        </p:style>
+        <p:txBody>
+          <a:bodyPr rtlCol="0" anchor="ctr"/>
+          <a:lstStyle/>
+          <a:p>
+            <a:pPr algn="ctr"/>
+            <a:r>
+              <a:rPr lang="en-SG" dirty="0" smtClean="0"/>
+              <a:t>0: Very Good</a:t>
+            </a:r>
+            <a:endParaRPr lang="en-SG" dirty="0"/>
+          </a:p>
+        </p:txBody>
+      </p:sp>
+      <p:sp>
+        <p:nvSpPr>
+          <p:cNvPr id="12" name="Rectangle 11"/>
+          <p:cNvSpPr/>
+          <p:nvPr/>
+        </p:nvSpPr>
+        <p:spPr>
+          <a:xfrm>
+            <a:off x="9873574" y="2422877"/>
+            <a:ext cx="1663430" cy="920720"/>
+          </a:xfrm>
+          <a:prstGeom prst="rect">
+            <a:avLst/>
+          </a:prstGeom>
+        </p:spPr>
+        <p:style>
+          <a:lnRef idx="3">
+            <a:schemeClr val="lt1"/>
+          </a:lnRef>
+          <a:fillRef idx="1">
+            <a:schemeClr val="accent6"/>
+          </a:fillRef>
+          <a:effectRef idx="1">
+            <a:schemeClr val="accent6"/>
+          </a:effectRef>
+          <a:fontRef idx="minor">
+            <a:schemeClr val="lt1"/>
+          </a:fontRef>
+        </p:style>
+        <p:txBody>
+          <a:bodyPr rtlCol="0" anchor="ctr"/>
+          <a:lstStyle/>
+          <a:p>
+            <a:pPr algn="ctr"/>
+            <a:r>
+              <a:rPr lang="en-SG" dirty="0" smtClean="0"/>
+              <a:t>1: Ok</a:t>
+            </a:r>
+            <a:endParaRPr lang="en-SG" dirty="0"/>
+          </a:p>
+        </p:txBody>
+      </p:sp>
+      <p:sp>
+        <p:nvSpPr>
+          <p:cNvPr id="13" name="Rectangle 12"/>
+          <p:cNvSpPr/>
+          <p:nvPr/>
+        </p:nvSpPr>
+        <p:spPr>
+          <a:xfrm>
+            <a:off x="9873574" y="3376877"/>
+            <a:ext cx="1663430" cy="920720"/>
+          </a:xfrm>
+          <a:prstGeom prst="rect">
+            <a:avLst/>
+          </a:prstGeom>
+        </p:spPr>
+        <p:style>
+          <a:lnRef idx="3">
+            <a:schemeClr val="lt1"/>
+          </a:lnRef>
+          <a:fillRef idx="1">
+            <a:schemeClr val="accent6"/>
+          </a:fillRef>
+          <a:effectRef idx="1">
+            <a:schemeClr val="accent6"/>
+          </a:effectRef>
+          <a:fontRef idx="minor">
+            <a:schemeClr val="lt1"/>
+          </a:fontRef>
+        </p:style>
+        <p:txBody>
+          <a:bodyPr rtlCol="0" anchor="ctr"/>
+          <a:lstStyle/>
+          <a:p>
+            <a:pPr algn="ctr"/>
+            <a:r>
+              <a:rPr lang="en-SG" dirty="0" smtClean="0"/>
+              <a:t>2: Uncomfortable</a:t>
+            </a:r>
+            <a:endParaRPr lang="en-SG" dirty="0"/>
+          </a:p>
+        </p:txBody>
+      </p:sp>
+      <p:sp>
+        <p:nvSpPr>
+          <p:cNvPr id="14" name="Rectangle 13"/>
+          <p:cNvSpPr/>
+          <p:nvPr/>
+        </p:nvSpPr>
+        <p:spPr>
+          <a:xfrm>
+            <a:off x="9873574" y="4330877"/>
+            <a:ext cx="1663430" cy="920720"/>
+          </a:xfrm>
+          <a:prstGeom prst="rect">
+            <a:avLst/>
+          </a:prstGeom>
+        </p:spPr>
+        <p:style>
+          <a:lnRef idx="3">
+            <a:schemeClr val="lt1"/>
+          </a:lnRef>
+          <a:fillRef idx="1">
+            <a:schemeClr val="accent6"/>
+          </a:fillRef>
+          <a:effectRef idx="1">
+            <a:schemeClr val="accent6"/>
+          </a:effectRef>
+          <a:fontRef idx="minor">
+            <a:schemeClr val="lt1"/>
+          </a:fontRef>
+        </p:style>
+        <p:txBody>
+          <a:bodyPr rtlCol="0" anchor="ctr"/>
+          <a:lstStyle/>
+          <a:p>
+            <a:pPr algn="ctr"/>
+            <a:r>
+              <a:rPr lang="en-SG" dirty="0" smtClean="0"/>
+              <a:t>3: Very Uncomfortable</a:t>
+            </a:r>
+            <a:endParaRPr lang="en-SG" dirty="0"/>
+          </a:p>
+        </p:txBody>
+      </p:sp>
+      <p:sp>
+        <p:nvSpPr>
+          <p:cNvPr id="15" name="Rectangle 14"/>
+          <p:cNvSpPr/>
+          <p:nvPr/>
+        </p:nvSpPr>
+        <p:spPr>
+          <a:xfrm>
+            <a:off x="9873574" y="5284876"/>
+            <a:ext cx="1663430" cy="920720"/>
+          </a:xfrm>
+          <a:prstGeom prst="rect">
+            <a:avLst/>
+          </a:prstGeom>
+        </p:spPr>
+        <p:style>
+          <a:lnRef idx="3">
+            <a:schemeClr val="lt1"/>
+          </a:lnRef>
+          <a:fillRef idx="1">
+            <a:schemeClr val="accent6"/>
+          </a:fillRef>
+          <a:effectRef idx="1">
+            <a:schemeClr val="accent6"/>
+          </a:effectRef>
+          <a:fontRef idx="minor">
+            <a:schemeClr val="lt1"/>
+          </a:fontRef>
+        </p:style>
+        <p:txBody>
+          <a:bodyPr rtlCol="0" anchor="ctr"/>
+          <a:lstStyle/>
+          <a:p>
+            <a:pPr algn="ctr"/>
+            <a:r>
+              <a:rPr lang="en-SG" dirty="0" smtClean="0"/>
+              <a:t>4: Danger</a:t>
+            </a:r>
+            <a:endParaRPr lang="en-SG" dirty="0"/>
+          </a:p>
+        </p:txBody>
+      </p:sp>
+      <p:cxnSp>
+        <p:nvCxnSpPr>
+          <p:cNvPr id="17" name="Straight Arrow Connector 16"/>
+          <p:cNvCxnSpPr>
+            <a:endCxn id="11" idx="1"/>
+          </p:cNvCxnSpPr>
+          <p:nvPr/>
+        </p:nvCxnSpPr>
+        <p:spPr>
+          <a:xfrm>
+            <a:off x="8482518" y="728930"/>
+            <a:ext cx="1391056" cy="1200307"/>
+          </a:xfrm>
+          <a:prstGeom prst="straightConnector1">
+            <a:avLst/>
+          </a:prstGeom>
+          <a:ln w="28575">
+            <a:solidFill>
+              <a:srgbClr val="FFC000"/>
+            </a:solidFill>
+            <a:tailEnd type="triangle"/>
+          </a:ln>
+        </p:spPr>
+        <p:style>
+          <a:lnRef idx="1">
+            <a:schemeClr val="accent1"/>
+          </a:lnRef>
+          <a:fillRef idx="0">
+            <a:schemeClr val="accent1"/>
+          </a:fillRef>
+          <a:effectRef idx="0">
+            <a:schemeClr val="accent1"/>
+          </a:effectRef>
+          <a:fontRef idx="minor">
+            <a:schemeClr val="tx1"/>
+          </a:fontRef>
+        </p:style>
+      </p:cxnSp>
+      <p:cxnSp>
+        <p:nvCxnSpPr>
+          <p:cNvPr id="20" name="Straight Arrow Connector 19"/>
+          <p:cNvCxnSpPr>
+            <a:endCxn id="12" idx="1"/>
+          </p:cNvCxnSpPr>
+          <p:nvPr/>
+        </p:nvCxnSpPr>
+        <p:spPr>
+          <a:xfrm>
+            <a:off x="8482518" y="712290"/>
+            <a:ext cx="1391056" cy="2170947"/>
+          </a:xfrm>
+          <a:prstGeom prst="straightConnector1">
+            <a:avLst/>
+          </a:prstGeom>
+          <a:ln w="28575">
+            <a:solidFill>
+              <a:srgbClr val="FFC000"/>
+            </a:solidFill>
+            <a:tailEnd type="triangle"/>
+          </a:ln>
+        </p:spPr>
+        <p:style>
+          <a:lnRef idx="1">
+            <a:schemeClr val="accent1"/>
+          </a:lnRef>
+          <a:fillRef idx="0">
+            <a:schemeClr val="accent1"/>
+          </a:fillRef>
+          <a:effectRef idx="0">
+            <a:schemeClr val="accent1"/>
+          </a:effectRef>
+          <a:fontRef idx="minor">
+            <a:schemeClr val="tx1"/>
+          </a:fontRef>
+        </p:style>
+      </p:cxnSp>
+      <p:cxnSp>
+        <p:nvCxnSpPr>
+          <p:cNvPr id="22" name="Straight Arrow Connector 21"/>
+          <p:cNvCxnSpPr>
+            <a:endCxn id="13" idx="1"/>
+          </p:cNvCxnSpPr>
+          <p:nvPr/>
+        </p:nvCxnSpPr>
+        <p:spPr>
+          <a:xfrm>
+            <a:off x="8482518" y="728929"/>
+            <a:ext cx="1391056" cy="3108308"/>
+          </a:xfrm>
+          <a:prstGeom prst="straightConnector1">
+            <a:avLst/>
+          </a:prstGeom>
+          <a:ln w="28575">
+            <a:solidFill>
+              <a:srgbClr val="FFC000"/>
+            </a:solidFill>
+            <a:tailEnd type="triangle"/>
+          </a:ln>
+        </p:spPr>
+        <p:style>
+          <a:lnRef idx="1">
+            <a:schemeClr val="accent1"/>
+          </a:lnRef>
+          <a:fillRef idx="0">
+            <a:schemeClr val="accent1"/>
+          </a:fillRef>
+          <a:effectRef idx="0">
+            <a:schemeClr val="accent1"/>
+          </a:effectRef>
+          <a:fontRef idx="minor">
+            <a:schemeClr val="tx1"/>
+          </a:fontRef>
+        </p:style>
+      </p:cxnSp>
+      <p:cxnSp>
+        <p:nvCxnSpPr>
+          <p:cNvPr id="24" name="Straight Arrow Connector 23"/>
+          <p:cNvCxnSpPr>
+            <a:endCxn id="14" idx="1"/>
+          </p:cNvCxnSpPr>
+          <p:nvPr/>
+        </p:nvCxnSpPr>
+        <p:spPr>
+          <a:xfrm>
+            <a:off x="8482518" y="728928"/>
+            <a:ext cx="1391056" cy="4062309"/>
+          </a:xfrm>
+          <a:prstGeom prst="straightConnector1">
+            <a:avLst/>
+          </a:prstGeom>
+          <a:ln w="28575">
+            <a:solidFill>
+              <a:srgbClr val="FFC000"/>
+            </a:solidFill>
+            <a:tailEnd type="triangle"/>
+          </a:ln>
+        </p:spPr>
+        <p:style>
+          <a:lnRef idx="1">
+            <a:schemeClr val="accent1"/>
+          </a:lnRef>
+          <a:fillRef idx="0">
+            <a:schemeClr val="accent1"/>
+          </a:fillRef>
+          <a:effectRef idx="0">
+            <a:schemeClr val="accent1"/>
+          </a:effectRef>
+          <a:fontRef idx="minor">
+            <a:schemeClr val="tx1"/>
+          </a:fontRef>
+        </p:style>
+      </p:cxnSp>
+      <p:cxnSp>
+        <p:nvCxnSpPr>
+          <p:cNvPr id="26" name="Straight Arrow Connector 25"/>
+          <p:cNvCxnSpPr>
+            <a:endCxn id="15" idx="1"/>
+          </p:cNvCxnSpPr>
+          <p:nvPr/>
+        </p:nvCxnSpPr>
+        <p:spPr>
+          <a:xfrm>
+            <a:off x="8482518" y="728927"/>
+            <a:ext cx="1391056" cy="5016309"/>
+          </a:xfrm>
+          <a:prstGeom prst="straightConnector1">
+            <a:avLst/>
+          </a:prstGeom>
+          <a:ln w="28575">
+            <a:solidFill>
+              <a:srgbClr val="FFC000"/>
+            </a:solidFill>
+            <a:tailEnd type="triangle"/>
+          </a:ln>
+        </p:spPr>
+        <p:style>
+          <a:lnRef idx="1">
+            <a:schemeClr val="accent1"/>
+          </a:lnRef>
+          <a:fillRef idx="0">
+            <a:schemeClr val="accent1"/>
+          </a:fillRef>
+          <a:effectRef idx="0">
+            <a:schemeClr val="accent1"/>
+          </a:effectRef>
+          <a:fontRef idx="minor">
+            <a:schemeClr val="tx1"/>
+          </a:fontRef>
+        </p:style>
+      </p:cxnSp>
+      <p:cxnSp>
+        <p:nvCxnSpPr>
+          <p:cNvPr id="28" name="Straight Arrow Connector 27"/>
+          <p:cNvCxnSpPr>
+            <a:stCxn id="10" idx="3"/>
+            <a:endCxn id="11" idx="1"/>
+          </p:cNvCxnSpPr>
+          <p:nvPr/>
+        </p:nvCxnSpPr>
+        <p:spPr>
+          <a:xfrm flipV="1">
+            <a:off x="8482517" y="1929237"/>
+            <a:ext cx="1391057" cy="1594491"/>
+          </a:xfrm>
+          <a:prstGeom prst="straightConnector1">
+            <a:avLst/>
+          </a:prstGeom>
+          <a:ln w="28575">
+            <a:solidFill>
+              <a:srgbClr val="FFC000"/>
+            </a:solidFill>
+            <a:tailEnd type="triangle"/>
+          </a:ln>
+        </p:spPr>
+        <p:style>
+          <a:lnRef idx="1">
+            <a:schemeClr val="accent1"/>
+          </a:lnRef>
+          <a:fillRef idx="0">
+            <a:schemeClr val="accent1"/>
+          </a:fillRef>
+          <a:effectRef idx="0">
+            <a:schemeClr val="accent1"/>
+          </a:effectRef>
+          <a:fontRef idx="minor">
+            <a:schemeClr val="tx1"/>
+          </a:fontRef>
+        </p:style>
+      </p:cxnSp>
+      <p:cxnSp>
+        <p:nvCxnSpPr>
+          <p:cNvPr id="30" name="Straight Arrow Connector 29"/>
+          <p:cNvCxnSpPr>
+            <a:stCxn id="10" idx="3"/>
+            <a:endCxn id="12" idx="1"/>
+          </p:cNvCxnSpPr>
+          <p:nvPr/>
+        </p:nvCxnSpPr>
+        <p:spPr>
+          <a:xfrm flipV="1">
+            <a:off x="8482517" y="2883237"/>
+            <a:ext cx="1391057" cy="640491"/>
+          </a:xfrm>
+          <a:prstGeom prst="straightConnector1">
+            <a:avLst/>
+          </a:prstGeom>
+          <a:ln w="28575">
+            <a:solidFill>
+              <a:srgbClr val="FFC000"/>
+            </a:solidFill>
+            <a:tailEnd type="triangle"/>
+          </a:ln>
+        </p:spPr>
+        <p:style>
+          <a:lnRef idx="1">
+            <a:schemeClr val="accent1"/>
+          </a:lnRef>
+          <a:fillRef idx="0">
+            <a:schemeClr val="accent1"/>
+          </a:fillRef>
+          <a:effectRef idx="0">
+            <a:schemeClr val="accent1"/>
+          </a:effectRef>
+          <a:fontRef idx="minor">
+            <a:schemeClr val="tx1"/>
+          </a:fontRef>
+        </p:style>
+      </p:cxnSp>
+      <p:cxnSp>
+        <p:nvCxnSpPr>
+          <p:cNvPr id="32" name="Straight Arrow Connector 31"/>
+          <p:cNvCxnSpPr>
+            <a:stCxn id="10" idx="3"/>
+            <a:endCxn id="13" idx="1"/>
+          </p:cNvCxnSpPr>
+          <p:nvPr/>
+        </p:nvCxnSpPr>
+        <p:spPr>
+          <a:xfrm>
+            <a:off x="8482517" y="3523728"/>
+            <a:ext cx="1391057" cy="313509"/>
+          </a:xfrm>
+          <a:prstGeom prst="straightConnector1">
+            <a:avLst/>
+          </a:prstGeom>
+          <a:ln w="28575">
+            <a:solidFill>
+              <a:srgbClr val="FFC000"/>
+            </a:solidFill>
+            <a:tailEnd type="triangle"/>
+          </a:ln>
+        </p:spPr>
+        <p:style>
+          <a:lnRef idx="1">
+            <a:schemeClr val="accent1"/>
+          </a:lnRef>
+          <a:fillRef idx="0">
+            <a:schemeClr val="accent1"/>
+          </a:fillRef>
+          <a:effectRef idx="0">
+            <a:schemeClr val="accent1"/>
+          </a:effectRef>
+          <a:fontRef idx="minor">
+            <a:schemeClr val="tx1"/>
+          </a:fontRef>
+        </p:style>
+      </p:cxnSp>
+      <p:cxnSp>
+        <p:nvCxnSpPr>
+          <p:cNvPr id="34" name="Straight Arrow Connector 33"/>
+          <p:cNvCxnSpPr>
+            <a:stCxn id="10" idx="3"/>
+            <a:endCxn id="14" idx="1"/>
+          </p:cNvCxnSpPr>
+          <p:nvPr/>
+        </p:nvCxnSpPr>
+        <p:spPr>
+          <a:xfrm>
+            <a:off x="8482517" y="3523728"/>
+            <a:ext cx="1391057" cy="1267509"/>
+          </a:xfrm>
+          <a:prstGeom prst="straightConnector1">
+            <a:avLst/>
+          </a:prstGeom>
+          <a:ln w="28575">
+            <a:solidFill>
+              <a:srgbClr val="FFC000"/>
+            </a:solidFill>
+            <a:tailEnd type="triangle"/>
+          </a:ln>
+        </p:spPr>
+        <p:style>
+          <a:lnRef idx="1">
+            <a:schemeClr val="accent1"/>
+          </a:lnRef>
+          <a:fillRef idx="0">
+            <a:schemeClr val="accent1"/>
+          </a:fillRef>
+          <a:effectRef idx="0">
+            <a:schemeClr val="accent1"/>
+          </a:effectRef>
+          <a:fontRef idx="minor">
+            <a:schemeClr val="tx1"/>
+          </a:fontRef>
+        </p:style>
+      </p:cxnSp>
+      <p:cxnSp>
+        <p:nvCxnSpPr>
+          <p:cNvPr id="36" name="Straight Arrow Connector 35"/>
+          <p:cNvCxnSpPr>
+            <a:endCxn id="15" idx="1"/>
+          </p:cNvCxnSpPr>
+          <p:nvPr/>
+        </p:nvCxnSpPr>
+        <p:spPr>
+          <a:xfrm>
+            <a:off x="8482518" y="3557007"/>
+            <a:ext cx="1391056" cy="2188229"/>
+          </a:xfrm>
+          <a:prstGeom prst="straightConnector1">
+            <a:avLst/>
+          </a:prstGeom>
+          <a:ln w="28575">
+            <a:solidFill>
+              <a:srgbClr val="FFC000"/>
+            </a:solidFill>
+            <a:tailEnd type="triangle"/>
+          </a:ln>
+        </p:spPr>
+        <p:style>
+          <a:lnRef idx="1">
+            <a:schemeClr val="accent1"/>
+          </a:lnRef>
+          <a:fillRef idx="0">
+            <a:schemeClr val="accent1"/>
+          </a:fillRef>
+          <a:effectRef idx="0">
+            <a:schemeClr val="accent1"/>
+          </a:effectRef>
+          <a:fontRef idx="minor">
+            <a:schemeClr val="tx1"/>
+          </a:fontRef>
+        </p:style>
+      </p:cxnSp>
+      <p:cxnSp>
+        <p:nvCxnSpPr>
+          <p:cNvPr id="38" name="Straight Arrow Connector 37"/>
+          <p:cNvCxnSpPr>
+            <a:endCxn id="11" idx="1"/>
+          </p:cNvCxnSpPr>
+          <p:nvPr/>
+        </p:nvCxnSpPr>
+        <p:spPr>
+          <a:xfrm flipV="1">
+            <a:off x="8482518" y="1929237"/>
+            <a:ext cx="1391056" cy="4365004"/>
+          </a:xfrm>
+          <a:prstGeom prst="straightConnector1">
+            <a:avLst/>
+          </a:prstGeom>
+          <a:ln w="28575">
+            <a:solidFill>
+              <a:srgbClr val="FFC000"/>
+            </a:solidFill>
+            <a:tailEnd type="triangle"/>
+          </a:ln>
+        </p:spPr>
+        <p:style>
+          <a:lnRef idx="1">
+            <a:schemeClr val="accent1"/>
+          </a:lnRef>
+          <a:fillRef idx="0">
+            <a:schemeClr val="accent1"/>
+          </a:fillRef>
+          <a:effectRef idx="0">
+            <a:schemeClr val="accent1"/>
+          </a:effectRef>
+          <a:fontRef idx="minor">
+            <a:schemeClr val="tx1"/>
+          </a:fontRef>
+        </p:style>
+      </p:cxnSp>
+      <p:cxnSp>
+        <p:nvCxnSpPr>
+          <p:cNvPr id="40" name="Straight Arrow Connector 39"/>
+          <p:cNvCxnSpPr>
+            <a:endCxn id="12" idx="1"/>
+          </p:cNvCxnSpPr>
+          <p:nvPr/>
+        </p:nvCxnSpPr>
+        <p:spPr>
+          <a:xfrm flipV="1">
+            <a:off x="8482518" y="2883237"/>
+            <a:ext cx="1391056" cy="3451929"/>
+          </a:xfrm>
+          <a:prstGeom prst="straightConnector1">
+            <a:avLst/>
+          </a:prstGeom>
+          <a:ln w="28575">
+            <a:solidFill>
+              <a:srgbClr val="FFC000"/>
+            </a:solidFill>
+            <a:tailEnd type="triangle"/>
+          </a:ln>
+        </p:spPr>
+        <p:style>
+          <a:lnRef idx="1">
+            <a:schemeClr val="accent1"/>
+          </a:lnRef>
+          <a:fillRef idx="0">
+            <a:schemeClr val="accent1"/>
+          </a:fillRef>
+          <a:effectRef idx="0">
+            <a:schemeClr val="accent1"/>
+          </a:effectRef>
+          <a:fontRef idx="minor">
+            <a:schemeClr val="tx1"/>
+          </a:fontRef>
+        </p:style>
+      </p:cxnSp>
+      <p:cxnSp>
+        <p:nvCxnSpPr>
+          <p:cNvPr id="42" name="Straight Arrow Connector 41"/>
+          <p:cNvCxnSpPr>
+            <a:endCxn id="13" idx="1"/>
+          </p:cNvCxnSpPr>
+          <p:nvPr/>
+        </p:nvCxnSpPr>
+        <p:spPr>
+          <a:xfrm flipV="1">
+            <a:off x="8482518" y="3837237"/>
+            <a:ext cx="1391056" cy="2457004"/>
+          </a:xfrm>
+          <a:prstGeom prst="straightConnector1">
+            <a:avLst/>
+          </a:prstGeom>
+          <a:ln w="28575">
+            <a:solidFill>
+              <a:srgbClr val="FFC000"/>
+            </a:solidFill>
+            <a:tailEnd type="triangle"/>
+          </a:ln>
+        </p:spPr>
+        <p:style>
+          <a:lnRef idx="1">
+            <a:schemeClr val="accent1"/>
+          </a:lnRef>
+          <a:fillRef idx="0">
+            <a:schemeClr val="accent1"/>
+          </a:fillRef>
+          <a:effectRef idx="0">
+            <a:schemeClr val="accent1"/>
+          </a:effectRef>
+          <a:fontRef idx="minor">
+            <a:schemeClr val="tx1"/>
+          </a:fontRef>
+        </p:style>
+      </p:cxnSp>
+      <p:cxnSp>
+        <p:nvCxnSpPr>
+          <p:cNvPr id="44" name="Straight Arrow Connector 43"/>
+          <p:cNvCxnSpPr>
+            <a:endCxn id="14" idx="1"/>
+          </p:cNvCxnSpPr>
+          <p:nvPr/>
+        </p:nvCxnSpPr>
+        <p:spPr>
+          <a:xfrm flipV="1">
+            <a:off x="8482518" y="4791237"/>
+            <a:ext cx="1391056" cy="1526646"/>
+          </a:xfrm>
+          <a:prstGeom prst="straightConnector1">
+            <a:avLst/>
+          </a:prstGeom>
+          <a:ln w="28575">
+            <a:solidFill>
+              <a:srgbClr val="FFC000"/>
+            </a:solidFill>
+            <a:tailEnd type="triangle"/>
+          </a:ln>
+        </p:spPr>
+        <p:style>
+          <a:lnRef idx="1">
+            <a:schemeClr val="accent1"/>
+          </a:lnRef>
+          <a:fillRef idx="0">
+            <a:schemeClr val="accent1"/>
+          </a:fillRef>
+          <a:effectRef idx="0">
+            <a:schemeClr val="accent1"/>
+          </a:effectRef>
+          <a:fontRef idx="minor">
+            <a:schemeClr val="tx1"/>
+          </a:fontRef>
+        </p:style>
+      </p:cxnSp>
+      <p:cxnSp>
+        <p:nvCxnSpPr>
+          <p:cNvPr id="46" name="Straight Arrow Connector 45"/>
+          <p:cNvCxnSpPr>
+            <a:endCxn id="15" idx="1"/>
+          </p:cNvCxnSpPr>
+          <p:nvPr/>
+        </p:nvCxnSpPr>
+        <p:spPr>
+          <a:xfrm flipV="1">
+            <a:off x="8482518" y="5745236"/>
+            <a:ext cx="1391056" cy="549005"/>
+          </a:xfrm>
+          <a:prstGeom prst="straightConnector1">
+            <a:avLst/>
+          </a:prstGeom>
+          <a:ln w="28575">
+            <a:solidFill>
+              <a:srgbClr val="FFC000"/>
+            </a:solidFill>
+            <a:tailEnd type="triangle"/>
+          </a:ln>
+        </p:spPr>
+        <p:style>
+          <a:lnRef idx="1">
+            <a:schemeClr val="accent1"/>
+          </a:lnRef>
+          <a:fillRef idx="0">
+            <a:schemeClr val="accent1"/>
+          </a:fillRef>
+          <a:effectRef idx="0">
+            <a:schemeClr val="accent1"/>
+          </a:effectRef>
+          <a:fontRef idx="minor">
+            <a:schemeClr val="tx1"/>
+          </a:fontRef>
+        </p:style>
+      </p:cxnSp>
+      <p:sp>
+        <p:nvSpPr>
+          <p:cNvPr id="10" name="Rectangle 9"/>
+          <p:cNvSpPr/>
+          <p:nvPr/>
+        </p:nvSpPr>
+        <p:spPr>
+          <a:xfrm>
+            <a:off x="6702358" y="729573"/>
+            <a:ext cx="1780159" cy="5588310"/>
+          </a:xfrm>
+          <a:prstGeom prst="rect">
+            <a:avLst/>
+          </a:prstGeom>
+          <a:solidFill>
+            <a:schemeClr val="dk1">
+              <a:alpha val="50000"/>
+            </a:schemeClr>
+          </a:solidFill>
+          <a:ln>
+            <a:noFill/>
+          </a:ln>
+        </p:spPr>
+        <p:style>
+          <a:lnRef idx="0">
+            <a:scrgbClr r="0" g="0" b="0"/>
+          </a:lnRef>
+          <a:fillRef idx="0">
+            <a:scrgbClr r="0" g="0" b="0"/>
+          </a:fillRef>
+          <a:effectRef idx="0">
+            <a:scrgbClr r="0" g="0" b="0"/>
+          </a:effectRef>
+          <a:fontRef idx="minor">
+            <a:schemeClr val="lt1"/>
+          </a:fontRef>
+        </p:style>
+        <p:txBody>
+          <a:bodyPr rtlCol="0" anchor="ctr"/>
+          <a:lstStyle/>
+          <a:p>
+            <a:pPr algn="ctr"/>
+            <a:r>
+              <a:rPr lang="en-SG" dirty="0" smtClean="0"/>
+              <a:t>Hidden layers</a:t>
+            </a:r>
+          </a:p>
+          <a:p>
+            <a:pPr algn="ctr"/>
+            <a:r>
+              <a:rPr lang="en-SG" dirty="0" smtClean="0"/>
+              <a:t>(Classification Problem)</a:t>
+            </a:r>
+          </a:p>
+        </p:txBody>
+      </p:sp>
+      <mc:AlternateContent xmlns:mc="http://schemas.openxmlformats.org/markup-compatibility/2006" xmlns:a14="http://schemas.microsoft.com/office/drawing/2010/main">
+        <mc:Choice Requires="a14">
+          <p:sp>
+            <p:nvSpPr>
+              <p:cNvPr id="63" name="Oval 62"/>
+              <p:cNvSpPr/>
+              <p:nvPr/>
+            </p:nvSpPr>
+            <p:spPr>
+              <a:xfrm>
+                <a:off x="5885231" y="1701129"/>
+                <a:ext cx="468548" cy="468548"/>
+              </a:xfrm>
+              <a:prstGeom prst="ellipse">
+                <a:avLst/>
+              </a:prstGeom>
+              <a:solidFill>
+                <a:schemeClr val="accent2"/>
+              </a:solidFill>
+            </p:spPr>
+            <p:style>
+              <a:lnRef idx="2">
+                <a:schemeClr val="accent1">
+                  <a:shade val="50000"/>
+                </a:schemeClr>
+              </a:lnRef>
+              <a:fillRef idx="1">
+                <a:schemeClr val="accent1"/>
+              </a:fillRef>
+              <a:effectRef idx="0">
+                <a:schemeClr val="accent1"/>
+              </a:effectRef>
+              <a:fontRef idx="minor">
+                <a:schemeClr val="lt1"/>
+              </a:fontRef>
+            </p:style>
+            <p:txBody>
+              <a:bodyPr rtlCol="0" anchor="ctr"/>
+              <a:lstStyle/>
+              <a:p>
+                <a:pPr algn="ctr"/>
+                <a14:m>
+                  <m:oMathPara xmlns:m="http://schemas.openxmlformats.org/officeDocument/2006/math">
+                    <m:oMathParaPr>
+                      <m:jc m:val="centerGroup"/>
+                    </m:oMathParaPr>
+                    <m:oMath xmlns:m="http://schemas.openxmlformats.org/officeDocument/2006/math">
+                      <m:sSub>
+                        <m:sSubPr>
+                          <m:ctrlPr>
+                            <a:rPr lang="en-SG" i="1" smtClean="0">
+                              <a:solidFill>
+                                <a:schemeClr val="bg1"/>
+                              </a:solidFill>
+                              <a:latin typeface="Cambria Math" panose="02040503050406030204" pitchFamily="18" charset="0"/>
+                            </a:rPr>
+                          </m:ctrlPr>
+                        </m:sSubPr>
+                        <m:e>
+                          <m:r>
+                            <a:rPr lang="en-SG" i="1">
+                              <a:solidFill>
+                                <a:schemeClr val="bg1"/>
+                              </a:solidFill>
+                              <a:latin typeface="Cambria Math" panose="02040503050406030204" pitchFamily="18" charset="0"/>
+                            </a:rPr>
+                            <m:t>𝑥</m:t>
+                          </m:r>
+                        </m:e>
+                        <m:sub>
+                          <m:r>
+                            <a:rPr lang="en-SG" b="0" i="1" smtClean="0">
+                              <a:solidFill>
+                                <a:schemeClr val="bg1"/>
+                              </a:solidFill>
+                              <a:latin typeface="Cambria Math" panose="02040503050406030204" pitchFamily="18" charset="0"/>
+                            </a:rPr>
+                            <m:t>2</m:t>
+                          </m:r>
+                        </m:sub>
+                      </m:sSub>
+                    </m:oMath>
+                  </m:oMathPara>
+                </a14:m>
+                <a:endParaRPr lang="en-SG" dirty="0">
+                  <a:solidFill>
+                    <a:schemeClr val="bg1"/>
+                  </a:solidFill>
+                </a:endParaRPr>
+              </a:p>
+            </p:txBody>
+          </p:sp>
+        </mc:Choice>
+        <mc:Fallback xmlns="">
+          <p:sp>
+            <p:nvSpPr>
+              <p:cNvPr id="63" name="Oval 62"/>
+              <p:cNvSpPr>
+                <a:spLocks noRot="1" noChangeAspect="1" noMove="1" noResize="1" noEditPoints="1" noAdjustHandles="1" noChangeArrowheads="1" noChangeShapeType="1" noTextEdit="1"/>
+              </p:cNvSpPr>
+              <p:nvPr/>
+            </p:nvSpPr>
+            <p:spPr>
+              <a:xfrm>
+                <a:off x="5885231" y="1701129"/>
+                <a:ext cx="468548" cy="468548"/>
+              </a:xfrm>
+              <a:prstGeom prst="ellipse">
+                <a:avLst/>
+              </a:prstGeom>
+              <a:blipFill>
+                <a:blip r:embed="rId5"/>
+                <a:stretch>
+                  <a:fillRect/>
+                </a:stretch>
+              </a:blipFill>
+            </p:spPr>
+            <p:txBody>
+              <a:bodyPr/>
+              <a:lstStyle/>
+              <a:p>
+                <a:r>
+                  <a:rPr lang="en-SG">
+                    <a:noFill/>
+                  </a:rPr>
+                  <a:t> </a:t>
+                </a:r>
+              </a:p>
+            </p:txBody>
+          </p:sp>
+        </mc:Fallback>
+      </mc:AlternateContent>
+      <mc:AlternateContent xmlns:mc="http://schemas.openxmlformats.org/markup-compatibility/2006" xmlns:a14="http://schemas.microsoft.com/office/drawing/2010/main">
+        <mc:Choice Requires="a14">
+          <p:sp>
+            <p:nvSpPr>
+              <p:cNvPr id="72" name="Oval 71"/>
+              <p:cNvSpPr/>
+              <p:nvPr/>
+            </p:nvSpPr>
+            <p:spPr>
+              <a:xfrm>
+                <a:off x="5885231" y="2307449"/>
+                <a:ext cx="468548" cy="468548"/>
+              </a:xfrm>
+              <a:prstGeom prst="ellipse">
+                <a:avLst/>
+              </a:prstGeom>
+              <a:solidFill>
+                <a:schemeClr val="accent2"/>
+              </a:solidFill>
+            </p:spPr>
+            <p:style>
+              <a:lnRef idx="2">
+                <a:schemeClr val="accent1">
+                  <a:shade val="50000"/>
+                </a:schemeClr>
+              </a:lnRef>
+              <a:fillRef idx="1">
+                <a:schemeClr val="accent1"/>
+              </a:fillRef>
+              <a:effectRef idx="0">
+                <a:schemeClr val="accent1"/>
+              </a:effectRef>
+              <a:fontRef idx="minor">
+                <a:schemeClr val="lt1"/>
+              </a:fontRef>
+            </p:style>
+            <p:txBody>
+              <a:bodyPr rtlCol="0" anchor="ctr"/>
+              <a:lstStyle/>
+              <a:p>
+                <a:pPr algn="ctr"/>
+                <a14:m>
+                  <m:oMathPara xmlns:m="http://schemas.openxmlformats.org/officeDocument/2006/math">
+                    <m:oMathParaPr>
+                      <m:jc m:val="centerGroup"/>
+                    </m:oMathParaPr>
+                    <m:oMath xmlns:m="http://schemas.openxmlformats.org/officeDocument/2006/math">
+                      <m:sSub>
+                        <m:sSubPr>
+                          <m:ctrlPr>
+                            <a:rPr lang="en-SG" i="1" smtClean="0">
+                              <a:solidFill>
+                                <a:schemeClr val="bg1"/>
+                              </a:solidFill>
+                              <a:latin typeface="Cambria Math" panose="02040503050406030204" pitchFamily="18" charset="0"/>
+                            </a:rPr>
+                          </m:ctrlPr>
+                        </m:sSubPr>
+                        <m:e>
+                          <m:r>
+                            <a:rPr lang="en-SG" i="1">
+                              <a:solidFill>
+                                <a:schemeClr val="bg1"/>
+                              </a:solidFill>
+                              <a:latin typeface="Cambria Math" panose="02040503050406030204" pitchFamily="18" charset="0"/>
+                            </a:rPr>
+                            <m:t>𝑥</m:t>
+                          </m:r>
+                        </m:e>
+                        <m:sub>
+                          <m:r>
+                            <a:rPr lang="en-SG" b="0" i="1" smtClean="0">
+                              <a:solidFill>
+                                <a:schemeClr val="bg1"/>
+                              </a:solidFill>
+                              <a:latin typeface="Cambria Math" panose="02040503050406030204" pitchFamily="18" charset="0"/>
+                            </a:rPr>
+                            <m:t>3</m:t>
+                          </m:r>
+                        </m:sub>
+                      </m:sSub>
+                    </m:oMath>
+                  </m:oMathPara>
+                </a14:m>
+                <a:endParaRPr lang="en-SG" dirty="0">
+                  <a:solidFill>
+                    <a:schemeClr val="bg1"/>
+                  </a:solidFill>
+                </a:endParaRPr>
+              </a:p>
+            </p:txBody>
+          </p:sp>
+        </mc:Choice>
+        <mc:Fallback xmlns="">
+          <p:sp>
+            <p:nvSpPr>
+              <p:cNvPr id="72" name="Oval 71"/>
+              <p:cNvSpPr>
+                <a:spLocks noRot="1" noChangeAspect="1" noMove="1" noResize="1" noEditPoints="1" noAdjustHandles="1" noChangeArrowheads="1" noChangeShapeType="1" noTextEdit="1"/>
+              </p:cNvSpPr>
+              <p:nvPr/>
+            </p:nvSpPr>
+            <p:spPr>
+              <a:xfrm>
+                <a:off x="5885231" y="2307449"/>
+                <a:ext cx="468548" cy="468548"/>
+              </a:xfrm>
+              <a:prstGeom prst="ellipse">
+                <a:avLst/>
+              </a:prstGeom>
+              <a:blipFill>
+                <a:blip r:embed="rId6"/>
+                <a:stretch>
+                  <a:fillRect/>
+                </a:stretch>
+              </a:blipFill>
+            </p:spPr>
+            <p:txBody>
+              <a:bodyPr/>
+              <a:lstStyle/>
+              <a:p>
+                <a:r>
+                  <a:rPr lang="en-SG">
+                    <a:noFill/>
+                  </a:rPr>
+                  <a:t> </a:t>
+                </a:r>
+              </a:p>
+            </p:txBody>
+          </p:sp>
+        </mc:Fallback>
+      </mc:AlternateContent>
+      <mc:AlternateContent xmlns:mc="http://schemas.openxmlformats.org/markup-compatibility/2006" xmlns:a14="http://schemas.microsoft.com/office/drawing/2010/main">
+        <mc:Choice Requires="a14">
+          <p:sp>
+            <p:nvSpPr>
+              <p:cNvPr id="73" name="Oval 72"/>
+              <p:cNvSpPr/>
+              <p:nvPr/>
+            </p:nvSpPr>
+            <p:spPr>
+              <a:xfrm>
+                <a:off x="5885231" y="4126409"/>
+                <a:ext cx="468548" cy="468548"/>
+              </a:xfrm>
+              <a:prstGeom prst="ellipse">
+                <a:avLst/>
+              </a:prstGeom>
+              <a:solidFill>
+                <a:schemeClr val="accent2"/>
+              </a:solidFill>
+            </p:spPr>
+            <p:style>
+              <a:lnRef idx="2">
+                <a:schemeClr val="accent1">
+                  <a:shade val="50000"/>
+                </a:schemeClr>
+              </a:lnRef>
+              <a:fillRef idx="1">
+                <a:schemeClr val="accent1"/>
+              </a:fillRef>
+              <a:effectRef idx="0">
+                <a:schemeClr val="accent1"/>
+              </a:effectRef>
+              <a:fontRef idx="minor">
+                <a:schemeClr val="lt1"/>
+              </a:fontRef>
+            </p:style>
+            <p:txBody>
+              <a:bodyPr rtlCol="0" anchor="ctr"/>
+              <a:lstStyle/>
+              <a:p>
+                <a:pPr algn="ctr"/>
+                <a14:m>
+                  <m:oMathPara xmlns:m="http://schemas.openxmlformats.org/officeDocument/2006/math">
+                    <m:oMathParaPr>
+                      <m:jc m:val="centerGroup"/>
+                    </m:oMathParaPr>
+                    <m:oMath xmlns:m="http://schemas.openxmlformats.org/officeDocument/2006/math">
+                      <m:sSub>
+                        <m:sSubPr>
+                          <m:ctrlPr>
+                            <a:rPr lang="en-SG" i="1" smtClean="0">
+                              <a:solidFill>
+                                <a:schemeClr val="bg1"/>
+                              </a:solidFill>
+                              <a:latin typeface="Cambria Math" panose="02040503050406030204" pitchFamily="18" charset="0"/>
+                            </a:rPr>
+                          </m:ctrlPr>
+                        </m:sSubPr>
+                        <m:e>
+                          <m:r>
+                            <a:rPr lang="en-SG" i="1">
+                              <a:solidFill>
+                                <a:schemeClr val="bg1"/>
+                              </a:solidFill>
+                              <a:latin typeface="Cambria Math" panose="02040503050406030204" pitchFamily="18" charset="0"/>
+                            </a:rPr>
+                            <m:t>𝑥</m:t>
+                          </m:r>
+                        </m:e>
+                        <m:sub>
+                          <m:r>
+                            <a:rPr lang="en-SG" b="0" i="1" smtClean="0">
+                              <a:solidFill>
+                                <a:schemeClr val="bg1"/>
+                              </a:solidFill>
+                              <a:latin typeface="Cambria Math" panose="02040503050406030204" pitchFamily="18" charset="0"/>
+                            </a:rPr>
+                            <m:t>6</m:t>
+                          </m:r>
+                        </m:sub>
+                      </m:sSub>
+                    </m:oMath>
+                  </m:oMathPara>
+                </a14:m>
+                <a:endParaRPr lang="en-SG" dirty="0">
+                  <a:solidFill>
+                    <a:schemeClr val="bg1"/>
+                  </a:solidFill>
+                </a:endParaRPr>
+              </a:p>
+            </p:txBody>
+          </p:sp>
+        </mc:Choice>
+        <mc:Fallback xmlns="">
+          <p:sp>
+            <p:nvSpPr>
+              <p:cNvPr id="73" name="Oval 72"/>
+              <p:cNvSpPr>
+                <a:spLocks noRot="1" noChangeAspect="1" noMove="1" noResize="1" noEditPoints="1" noAdjustHandles="1" noChangeArrowheads="1" noChangeShapeType="1" noTextEdit="1"/>
+              </p:cNvSpPr>
+              <p:nvPr/>
+            </p:nvSpPr>
+            <p:spPr>
+              <a:xfrm>
+                <a:off x="5885231" y="4126409"/>
+                <a:ext cx="468548" cy="468548"/>
+              </a:xfrm>
+              <a:prstGeom prst="ellipse">
+                <a:avLst/>
+              </a:prstGeom>
+              <a:blipFill>
+                <a:blip r:embed="rId7"/>
+                <a:stretch>
+                  <a:fillRect/>
+                </a:stretch>
+              </a:blipFill>
+            </p:spPr>
+            <p:txBody>
+              <a:bodyPr/>
+              <a:lstStyle/>
+              <a:p>
+                <a:r>
+                  <a:rPr lang="en-SG">
+                    <a:noFill/>
+                  </a:rPr>
+                  <a:t> </a:t>
+                </a:r>
+              </a:p>
+            </p:txBody>
+          </p:sp>
+        </mc:Fallback>
+      </mc:AlternateContent>
+      <mc:AlternateContent xmlns:mc="http://schemas.openxmlformats.org/markup-compatibility/2006" xmlns:a14="http://schemas.microsoft.com/office/drawing/2010/main">
+        <mc:Choice Requires="a14">
+          <p:sp>
+            <p:nvSpPr>
+              <p:cNvPr id="74" name="Oval 73"/>
+              <p:cNvSpPr/>
+              <p:nvPr/>
+            </p:nvSpPr>
+            <p:spPr>
+              <a:xfrm>
+                <a:off x="5885231" y="2913769"/>
+                <a:ext cx="468548" cy="468548"/>
+              </a:xfrm>
+              <a:prstGeom prst="ellipse">
+                <a:avLst/>
+              </a:prstGeom>
+              <a:solidFill>
+                <a:schemeClr val="accent2"/>
+              </a:solidFill>
+            </p:spPr>
+            <p:style>
+              <a:lnRef idx="2">
+                <a:schemeClr val="accent1">
+                  <a:shade val="50000"/>
+                </a:schemeClr>
+              </a:lnRef>
+              <a:fillRef idx="1">
+                <a:schemeClr val="accent1"/>
+              </a:fillRef>
+              <a:effectRef idx="0">
+                <a:schemeClr val="accent1"/>
+              </a:effectRef>
+              <a:fontRef idx="minor">
+                <a:schemeClr val="lt1"/>
+              </a:fontRef>
+            </p:style>
+            <p:txBody>
+              <a:bodyPr rtlCol="0" anchor="ctr"/>
+              <a:lstStyle/>
+              <a:p>
+                <a:pPr algn="ctr"/>
+                <a14:m>
+                  <m:oMathPara xmlns:m="http://schemas.openxmlformats.org/officeDocument/2006/math">
+                    <m:oMathParaPr>
+                      <m:jc m:val="centerGroup"/>
+                    </m:oMathParaPr>
+                    <m:oMath xmlns:m="http://schemas.openxmlformats.org/officeDocument/2006/math">
+                      <m:sSub>
+                        <m:sSubPr>
+                          <m:ctrlPr>
+                            <a:rPr lang="en-SG" i="1" smtClean="0">
+                              <a:solidFill>
+                                <a:schemeClr val="bg1"/>
+                              </a:solidFill>
+                              <a:latin typeface="Cambria Math" panose="02040503050406030204" pitchFamily="18" charset="0"/>
+                            </a:rPr>
+                          </m:ctrlPr>
+                        </m:sSubPr>
+                        <m:e>
+                          <m:r>
+                            <a:rPr lang="en-SG" i="1">
+                              <a:solidFill>
+                                <a:schemeClr val="bg1"/>
+                              </a:solidFill>
+                              <a:latin typeface="Cambria Math" panose="02040503050406030204" pitchFamily="18" charset="0"/>
+                            </a:rPr>
+                            <m:t>𝑥</m:t>
+                          </m:r>
+                        </m:e>
+                        <m:sub>
+                          <m:r>
+                            <a:rPr lang="en-SG" b="0" i="1" smtClean="0">
+                              <a:solidFill>
+                                <a:schemeClr val="bg1"/>
+                              </a:solidFill>
+                              <a:latin typeface="Cambria Math" panose="02040503050406030204" pitchFamily="18" charset="0"/>
+                            </a:rPr>
+                            <m:t>4</m:t>
+                          </m:r>
+                        </m:sub>
+                      </m:sSub>
+                    </m:oMath>
+                  </m:oMathPara>
+                </a14:m>
+                <a:endParaRPr lang="en-SG" dirty="0">
+                  <a:solidFill>
+                    <a:schemeClr val="bg1"/>
+                  </a:solidFill>
+                </a:endParaRPr>
+              </a:p>
+            </p:txBody>
+          </p:sp>
+        </mc:Choice>
+        <mc:Fallback xmlns="">
+          <p:sp>
+            <p:nvSpPr>
+              <p:cNvPr id="74" name="Oval 73"/>
+              <p:cNvSpPr>
+                <a:spLocks noRot="1" noChangeAspect="1" noMove="1" noResize="1" noEditPoints="1" noAdjustHandles="1" noChangeArrowheads="1" noChangeShapeType="1" noTextEdit="1"/>
+              </p:cNvSpPr>
+              <p:nvPr/>
+            </p:nvSpPr>
+            <p:spPr>
+              <a:xfrm>
+                <a:off x="5885231" y="2913769"/>
+                <a:ext cx="468548" cy="468548"/>
+              </a:xfrm>
+              <a:prstGeom prst="ellipse">
+                <a:avLst/>
+              </a:prstGeom>
+              <a:blipFill>
+                <a:blip r:embed="rId8"/>
+                <a:stretch>
+                  <a:fillRect/>
+                </a:stretch>
+              </a:blipFill>
+            </p:spPr>
+            <p:txBody>
+              <a:bodyPr/>
+              <a:lstStyle/>
+              <a:p>
+                <a:r>
+                  <a:rPr lang="en-SG">
+                    <a:noFill/>
+                  </a:rPr>
+                  <a:t> </a:t>
+                </a:r>
+              </a:p>
+            </p:txBody>
+          </p:sp>
+        </mc:Fallback>
+      </mc:AlternateContent>
+      <mc:AlternateContent xmlns:mc="http://schemas.openxmlformats.org/markup-compatibility/2006" xmlns:a14="http://schemas.microsoft.com/office/drawing/2010/main">
+        <mc:Choice Requires="a14">
+          <p:sp>
+            <p:nvSpPr>
+              <p:cNvPr id="75" name="Oval 74"/>
+              <p:cNvSpPr/>
+              <p:nvPr/>
+            </p:nvSpPr>
+            <p:spPr>
+              <a:xfrm>
+                <a:off x="5885231" y="3520089"/>
+                <a:ext cx="468548" cy="468548"/>
+              </a:xfrm>
+              <a:prstGeom prst="ellipse">
+                <a:avLst/>
+              </a:prstGeom>
+              <a:solidFill>
+                <a:schemeClr val="accent2"/>
+              </a:solidFill>
+            </p:spPr>
+            <p:style>
+              <a:lnRef idx="2">
+                <a:schemeClr val="accent1">
+                  <a:shade val="50000"/>
+                </a:schemeClr>
+              </a:lnRef>
+              <a:fillRef idx="1">
+                <a:schemeClr val="accent1"/>
+              </a:fillRef>
+              <a:effectRef idx="0">
+                <a:schemeClr val="accent1"/>
+              </a:effectRef>
+              <a:fontRef idx="minor">
+                <a:schemeClr val="lt1"/>
+              </a:fontRef>
+            </p:style>
+            <p:txBody>
+              <a:bodyPr rtlCol="0" anchor="ctr"/>
+              <a:lstStyle/>
+              <a:p>
+                <a:pPr algn="ctr"/>
+                <a14:m>
+                  <m:oMathPara xmlns:m="http://schemas.openxmlformats.org/officeDocument/2006/math">
+                    <m:oMathParaPr>
+                      <m:jc m:val="centerGroup"/>
+                    </m:oMathParaPr>
+                    <m:oMath xmlns:m="http://schemas.openxmlformats.org/officeDocument/2006/math">
+                      <m:sSub>
+                        <m:sSubPr>
+                          <m:ctrlPr>
+                            <a:rPr lang="en-SG" i="1" smtClean="0">
+                              <a:solidFill>
+                                <a:schemeClr val="bg1"/>
+                              </a:solidFill>
+                              <a:latin typeface="Cambria Math" panose="02040503050406030204" pitchFamily="18" charset="0"/>
+                            </a:rPr>
+                          </m:ctrlPr>
+                        </m:sSubPr>
+                        <m:e>
+                          <m:r>
+                            <a:rPr lang="en-SG" i="1">
+                              <a:solidFill>
+                                <a:schemeClr val="bg1"/>
+                              </a:solidFill>
+                              <a:latin typeface="Cambria Math" panose="02040503050406030204" pitchFamily="18" charset="0"/>
+                            </a:rPr>
+                            <m:t>𝑥</m:t>
+                          </m:r>
+                        </m:e>
+                        <m:sub>
+                          <m:r>
+                            <a:rPr lang="en-SG" b="0" i="1" smtClean="0">
+                              <a:solidFill>
+                                <a:schemeClr val="bg1"/>
+                              </a:solidFill>
+                              <a:latin typeface="Cambria Math" panose="02040503050406030204" pitchFamily="18" charset="0"/>
+                            </a:rPr>
+                            <m:t>5</m:t>
+                          </m:r>
+                        </m:sub>
+                      </m:sSub>
+                    </m:oMath>
+                  </m:oMathPara>
+                </a14:m>
+                <a:endParaRPr lang="en-SG" dirty="0">
+                  <a:solidFill>
+                    <a:schemeClr val="bg1"/>
+                  </a:solidFill>
+                </a:endParaRPr>
+              </a:p>
+            </p:txBody>
+          </p:sp>
+        </mc:Choice>
+        <mc:Fallback xmlns="">
+          <p:sp>
+            <p:nvSpPr>
+              <p:cNvPr id="75" name="Oval 74"/>
+              <p:cNvSpPr>
+                <a:spLocks noRot="1" noChangeAspect="1" noMove="1" noResize="1" noEditPoints="1" noAdjustHandles="1" noChangeArrowheads="1" noChangeShapeType="1" noTextEdit="1"/>
+              </p:cNvSpPr>
+              <p:nvPr/>
+            </p:nvSpPr>
+            <p:spPr>
+              <a:xfrm>
+                <a:off x="5885231" y="3520089"/>
+                <a:ext cx="468548" cy="468548"/>
+              </a:xfrm>
+              <a:prstGeom prst="ellipse">
+                <a:avLst/>
+              </a:prstGeom>
+              <a:blipFill>
+                <a:blip r:embed="rId9"/>
+                <a:stretch>
+                  <a:fillRect/>
+                </a:stretch>
+              </a:blipFill>
+            </p:spPr>
+            <p:txBody>
+              <a:bodyPr/>
+              <a:lstStyle/>
+              <a:p>
+                <a:r>
+                  <a:rPr lang="en-SG">
+                    <a:noFill/>
+                  </a:rPr>
+                  <a:t> </a:t>
+                </a:r>
+              </a:p>
+            </p:txBody>
+          </p:sp>
+        </mc:Fallback>
+      </mc:AlternateContent>
+      <mc:AlternateContent xmlns:mc="http://schemas.openxmlformats.org/markup-compatibility/2006" xmlns:a14="http://schemas.microsoft.com/office/drawing/2010/main">
+        <mc:Choice Requires="a14">
+          <p:sp>
+            <p:nvSpPr>
+              <p:cNvPr id="76" name="Oval 75"/>
+              <p:cNvSpPr/>
+              <p:nvPr/>
+            </p:nvSpPr>
+            <p:spPr>
+              <a:xfrm>
+                <a:off x="5885231" y="5339052"/>
+                <a:ext cx="468548" cy="468548"/>
+              </a:xfrm>
+              <a:prstGeom prst="ellipse">
+                <a:avLst/>
+              </a:prstGeom>
+              <a:solidFill>
+                <a:schemeClr val="accent2"/>
+              </a:solidFill>
+            </p:spPr>
+            <p:style>
+              <a:lnRef idx="2">
+                <a:schemeClr val="accent1">
+                  <a:shade val="50000"/>
+                </a:schemeClr>
+              </a:lnRef>
+              <a:fillRef idx="1">
+                <a:schemeClr val="accent1"/>
+              </a:fillRef>
+              <a:effectRef idx="0">
+                <a:schemeClr val="accent1"/>
+              </a:effectRef>
+              <a:fontRef idx="minor">
+                <a:schemeClr val="lt1"/>
+              </a:fontRef>
+            </p:style>
+            <p:txBody>
+              <a:bodyPr rtlCol="0" anchor="ctr"/>
+              <a:lstStyle/>
+              <a:p>
+                <a:pPr algn="ctr"/>
+                <a14:m>
+                  <m:oMathPara xmlns:m="http://schemas.openxmlformats.org/officeDocument/2006/math">
+                    <m:oMathParaPr>
+                      <m:jc m:val="centerGroup"/>
+                    </m:oMathParaPr>
+                    <m:oMath xmlns:m="http://schemas.openxmlformats.org/officeDocument/2006/math">
+                      <m:sSub>
+                        <m:sSubPr>
+                          <m:ctrlPr>
+                            <a:rPr lang="en-SG" i="1" smtClean="0">
+                              <a:solidFill>
+                                <a:schemeClr val="bg1"/>
+                              </a:solidFill>
+                              <a:latin typeface="Cambria Math" panose="02040503050406030204" pitchFamily="18" charset="0"/>
+                            </a:rPr>
+                          </m:ctrlPr>
+                        </m:sSubPr>
+                        <m:e>
+                          <m:r>
+                            <a:rPr lang="en-SG" i="1">
+                              <a:solidFill>
+                                <a:schemeClr val="bg1"/>
+                              </a:solidFill>
+                              <a:latin typeface="Cambria Math" panose="02040503050406030204" pitchFamily="18" charset="0"/>
+                            </a:rPr>
+                            <m:t>𝑥</m:t>
+                          </m:r>
+                        </m:e>
+                        <m:sub>
+                          <m:r>
+                            <a:rPr lang="en-SG" b="0" i="1" smtClean="0">
+                              <a:solidFill>
+                                <a:schemeClr val="bg1"/>
+                              </a:solidFill>
+                              <a:latin typeface="Cambria Math" panose="02040503050406030204" pitchFamily="18" charset="0"/>
+                            </a:rPr>
+                            <m:t>8</m:t>
+                          </m:r>
+                        </m:sub>
+                      </m:sSub>
+                    </m:oMath>
+                  </m:oMathPara>
+                </a14:m>
+                <a:endParaRPr lang="en-SG" dirty="0">
+                  <a:solidFill>
+                    <a:schemeClr val="bg1"/>
+                  </a:solidFill>
+                </a:endParaRPr>
+              </a:p>
+            </p:txBody>
+          </p:sp>
+        </mc:Choice>
+        <mc:Fallback xmlns="">
+          <p:sp>
+            <p:nvSpPr>
+              <p:cNvPr id="76" name="Oval 75"/>
+              <p:cNvSpPr>
+                <a:spLocks noRot="1" noChangeAspect="1" noMove="1" noResize="1" noEditPoints="1" noAdjustHandles="1" noChangeArrowheads="1" noChangeShapeType="1" noTextEdit="1"/>
+              </p:cNvSpPr>
+              <p:nvPr/>
+            </p:nvSpPr>
+            <p:spPr>
+              <a:xfrm>
+                <a:off x="5885231" y="5339052"/>
+                <a:ext cx="468548" cy="468548"/>
+              </a:xfrm>
+              <a:prstGeom prst="ellipse">
+                <a:avLst/>
+              </a:prstGeom>
+              <a:blipFill>
+                <a:blip r:embed="rId10"/>
+                <a:stretch>
+                  <a:fillRect/>
+                </a:stretch>
+              </a:blipFill>
+            </p:spPr>
+            <p:txBody>
+              <a:bodyPr/>
+              <a:lstStyle/>
+              <a:p>
+                <a:r>
+                  <a:rPr lang="en-SG">
+                    <a:noFill/>
+                  </a:rPr>
+                  <a:t> </a:t>
+                </a:r>
+              </a:p>
+            </p:txBody>
+          </p:sp>
+        </mc:Fallback>
+      </mc:AlternateContent>
+      <mc:AlternateContent xmlns:mc="http://schemas.openxmlformats.org/markup-compatibility/2006" xmlns:a14="http://schemas.microsoft.com/office/drawing/2010/main">
+        <mc:Choice Requires="a14">
+          <p:sp>
+            <p:nvSpPr>
+              <p:cNvPr id="77" name="Oval 76"/>
+              <p:cNvSpPr/>
+              <p:nvPr/>
+            </p:nvSpPr>
+            <p:spPr>
+              <a:xfrm>
+                <a:off x="5885231" y="4732729"/>
+                <a:ext cx="468548" cy="468548"/>
+              </a:xfrm>
+              <a:prstGeom prst="ellipse">
+                <a:avLst/>
+              </a:prstGeom>
+              <a:solidFill>
+                <a:schemeClr val="accent2"/>
+              </a:solidFill>
+            </p:spPr>
+            <p:style>
+              <a:lnRef idx="2">
+                <a:schemeClr val="accent1">
+                  <a:shade val="50000"/>
+                </a:schemeClr>
+              </a:lnRef>
+              <a:fillRef idx="1">
+                <a:schemeClr val="accent1"/>
+              </a:fillRef>
+              <a:effectRef idx="0">
+                <a:schemeClr val="accent1"/>
+              </a:effectRef>
+              <a:fontRef idx="minor">
+                <a:schemeClr val="lt1"/>
+              </a:fontRef>
+            </p:style>
+            <p:txBody>
+              <a:bodyPr rtlCol="0" anchor="ctr"/>
+              <a:lstStyle/>
+              <a:p>
+                <a:pPr algn="ctr"/>
+                <a14:m>
+                  <m:oMathPara xmlns:m="http://schemas.openxmlformats.org/officeDocument/2006/math">
+                    <m:oMathParaPr>
+                      <m:jc m:val="centerGroup"/>
+                    </m:oMathParaPr>
+                    <m:oMath xmlns:m="http://schemas.openxmlformats.org/officeDocument/2006/math">
+                      <m:sSub>
+                        <m:sSubPr>
+                          <m:ctrlPr>
+                            <a:rPr lang="en-SG" i="1" smtClean="0">
+                              <a:solidFill>
+                                <a:schemeClr val="bg1"/>
+                              </a:solidFill>
+                              <a:latin typeface="Cambria Math" panose="02040503050406030204" pitchFamily="18" charset="0"/>
+                            </a:rPr>
+                          </m:ctrlPr>
+                        </m:sSubPr>
+                        <m:e>
+                          <m:r>
+                            <a:rPr lang="en-SG" i="1">
+                              <a:solidFill>
+                                <a:schemeClr val="bg1"/>
+                              </a:solidFill>
+                              <a:latin typeface="Cambria Math" panose="02040503050406030204" pitchFamily="18" charset="0"/>
+                            </a:rPr>
+                            <m:t>𝑥</m:t>
+                          </m:r>
+                        </m:e>
+                        <m:sub>
+                          <m:r>
+                            <a:rPr lang="en-SG" b="0" i="1" smtClean="0">
+                              <a:solidFill>
+                                <a:schemeClr val="bg1"/>
+                              </a:solidFill>
+                              <a:latin typeface="Cambria Math" panose="02040503050406030204" pitchFamily="18" charset="0"/>
+                            </a:rPr>
+                            <m:t>7</m:t>
+                          </m:r>
+                        </m:sub>
+                      </m:sSub>
+                    </m:oMath>
+                  </m:oMathPara>
+                </a14:m>
+                <a:endParaRPr lang="en-SG" dirty="0">
+                  <a:solidFill>
+                    <a:schemeClr val="bg1"/>
+                  </a:solidFill>
+                </a:endParaRPr>
+              </a:p>
+            </p:txBody>
+          </p:sp>
+        </mc:Choice>
+        <mc:Fallback xmlns="">
+          <p:sp>
+            <p:nvSpPr>
+              <p:cNvPr id="77" name="Oval 76"/>
+              <p:cNvSpPr>
+                <a:spLocks noRot="1" noChangeAspect="1" noMove="1" noResize="1" noEditPoints="1" noAdjustHandles="1" noChangeArrowheads="1" noChangeShapeType="1" noTextEdit="1"/>
+              </p:cNvSpPr>
+              <p:nvPr/>
+            </p:nvSpPr>
+            <p:spPr>
+              <a:xfrm>
+                <a:off x="5885231" y="4732729"/>
+                <a:ext cx="468548" cy="468548"/>
+              </a:xfrm>
+              <a:prstGeom prst="ellipse">
+                <a:avLst/>
+              </a:prstGeom>
+              <a:blipFill>
+                <a:blip r:embed="rId11"/>
+                <a:stretch>
+                  <a:fillRect/>
+                </a:stretch>
+              </a:blipFill>
+            </p:spPr>
+            <p:txBody>
+              <a:bodyPr/>
+              <a:lstStyle/>
+              <a:p>
+                <a:r>
+                  <a:rPr lang="en-SG">
+                    <a:noFill/>
+                  </a:rPr>
+                  <a:t> </a:t>
+                </a:r>
+              </a:p>
+            </p:txBody>
+          </p:sp>
+        </mc:Fallback>
+      </mc:AlternateContent>
+      <mc:AlternateContent xmlns:mc="http://schemas.openxmlformats.org/markup-compatibility/2006" xmlns:a14="http://schemas.microsoft.com/office/drawing/2010/main">
+        <mc:Choice Requires="a14">
+          <p:sp>
+            <p:nvSpPr>
+              <p:cNvPr id="78" name="Oval 77"/>
+              <p:cNvSpPr/>
+              <p:nvPr/>
+            </p:nvSpPr>
+            <p:spPr>
+              <a:xfrm>
+                <a:off x="5885231" y="1094809"/>
+                <a:ext cx="468548" cy="468548"/>
+              </a:xfrm>
+              <a:prstGeom prst="ellipse">
+                <a:avLst/>
+              </a:prstGeom>
+              <a:solidFill>
+                <a:schemeClr val="accent2"/>
+              </a:solidFill>
+            </p:spPr>
+            <p:style>
+              <a:lnRef idx="2">
+                <a:schemeClr val="accent1">
+                  <a:shade val="50000"/>
+                </a:schemeClr>
+              </a:lnRef>
+              <a:fillRef idx="1">
+                <a:schemeClr val="accent1"/>
+              </a:fillRef>
+              <a:effectRef idx="0">
+                <a:schemeClr val="accent1"/>
+              </a:effectRef>
+              <a:fontRef idx="minor">
+                <a:schemeClr val="lt1"/>
+              </a:fontRef>
+            </p:style>
+            <p:txBody>
+              <a:bodyPr rtlCol="0" anchor="ctr"/>
+              <a:lstStyle/>
+              <a:p>
+                <a:pPr algn="ctr"/>
+                <a14:m>
+                  <m:oMathPara xmlns:m="http://schemas.openxmlformats.org/officeDocument/2006/math">
+                    <m:oMathParaPr>
+                      <m:jc m:val="centerGroup"/>
+                    </m:oMathParaPr>
+                    <m:oMath xmlns:m="http://schemas.openxmlformats.org/officeDocument/2006/math">
+                      <m:sSub>
+                        <m:sSubPr>
+                          <m:ctrlPr>
+                            <a:rPr lang="en-SG" i="1" smtClean="0">
+                              <a:solidFill>
+                                <a:schemeClr val="bg1"/>
+                              </a:solidFill>
+                              <a:latin typeface="Cambria Math" panose="02040503050406030204" pitchFamily="18" charset="0"/>
+                            </a:rPr>
+                          </m:ctrlPr>
+                        </m:sSubPr>
+                        <m:e>
+                          <m:r>
+                            <a:rPr lang="en-SG" i="1">
+                              <a:solidFill>
+                                <a:schemeClr val="bg1"/>
+                              </a:solidFill>
+                              <a:latin typeface="Cambria Math" panose="02040503050406030204" pitchFamily="18" charset="0"/>
+                            </a:rPr>
+                            <m:t>𝑥</m:t>
+                          </m:r>
+                        </m:e>
+                        <m:sub>
+                          <m:r>
+                            <a:rPr lang="en-SG" i="1">
+                              <a:solidFill>
+                                <a:schemeClr val="bg1"/>
+                              </a:solidFill>
+                              <a:latin typeface="Cambria Math" panose="02040503050406030204" pitchFamily="18" charset="0"/>
+                            </a:rPr>
+                            <m:t>1</m:t>
+                          </m:r>
+                        </m:sub>
+                      </m:sSub>
+                    </m:oMath>
+                  </m:oMathPara>
+                </a14:m>
+                <a:endParaRPr lang="en-SG" dirty="0">
+                  <a:solidFill>
+                    <a:schemeClr val="bg1"/>
+                  </a:solidFill>
+                </a:endParaRPr>
+              </a:p>
+            </p:txBody>
+          </p:sp>
+        </mc:Choice>
+        <mc:Fallback xmlns="">
+          <p:sp>
+            <p:nvSpPr>
+              <p:cNvPr id="78" name="Oval 77"/>
+              <p:cNvSpPr>
+                <a:spLocks noRot="1" noChangeAspect="1" noMove="1" noResize="1" noEditPoints="1" noAdjustHandles="1" noChangeArrowheads="1" noChangeShapeType="1" noTextEdit="1"/>
+              </p:cNvSpPr>
+              <p:nvPr/>
+            </p:nvSpPr>
+            <p:spPr>
+              <a:xfrm>
+                <a:off x="5885231" y="1094809"/>
+                <a:ext cx="468548" cy="468548"/>
+              </a:xfrm>
+              <a:prstGeom prst="ellipse">
+                <a:avLst/>
+              </a:prstGeom>
+              <a:blipFill>
+                <a:blip r:embed="rId12"/>
+                <a:stretch>
+                  <a:fillRect/>
+                </a:stretch>
+              </a:blipFill>
+            </p:spPr>
+            <p:txBody>
+              <a:bodyPr/>
+              <a:lstStyle/>
+              <a:p>
+                <a:r>
+                  <a:rPr lang="en-SG">
+                    <a:noFill/>
+                  </a:rPr>
+                  <a:t> </a:t>
+                </a:r>
+              </a:p>
+            </p:txBody>
+          </p:sp>
+        </mc:Fallback>
+      </mc:AlternateContent>
+      <p:cxnSp>
+        <p:nvCxnSpPr>
+          <p:cNvPr id="80" name="Straight Arrow Connector 79"/>
+          <p:cNvCxnSpPr>
+            <a:stCxn id="78" idx="6"/>
+          </p:cNvCxnSpPr>
+          <p:nvPr/>
+        </p:nvCxnSpPr>
+        <p:spPr>
+          <a:xfrm>
+            <a:off x="6353779" y="1329083"/>
+            <a:ext cx="348578" cy="0"/>
+          </a:xfrm>
+          <a:prstGeom prst="straightConnector1">
+            <a:avLst/>
+          </a:prstGeom>
+          <a:ln w="57150">
+            <a:tailEnd type="triangle"/>
+          </a:ln>
+        </p:spPr>
+        <p:style>
+          <a:lnRef idx="1">
+            <a:schemeClr val="accent4"/>
+          </a:lnRef>
+          <a:fillRef idx="0">
+            <a:schemeClr val="accent4"/>
+          </a:fillRef>
+          <a:effectRef idx="0">
+            <a:schemeClr val="accent4"/>
+          </a:effectRef>
+          <a:fontRef idx="minor">
+            <a:schemeClr val="tx1"/>
+          </a:fontRef>
+        </p:style>
+      </p:cxnSp>
+      <p:cxnSp>
+        <p:nvCxnSpPr>
+          <p:cNvPr id="81" name="Straight Arrow Connector 80"/>
+          <p:cNvCxnSpPr/>
+          <p:nvPr/>
+        </p:nvCxnSpPr>
+        <p:spPr>
+          <a:xfrm>
+            <a:off x="6353779" y="5573326"/>
+            <a:ext cx="348578" cy="0"/>
+          </a:xfrm>
+          <a:prstGeom prst="straightConnector1">
+            <a:avLst/>
+          </a:prstGeom>
+          <a:ln w="57150">
+            <a:tailEnd type="triangle"/>
+          </a:ln>
+        </p:spPr>
+        <p:style>
+          <a:lnRef idx="1">
+            <a:schemeClr val="accent4"/>
+          </a:lnRef>
+          <a:fillRef idx="0">
+            <a:schemeClr val="accent4"/>
+          </a:fillRef>
+          <a:effectRef idx="0">
+            <a:schemeClr val="accent4"/>
+          </a:effectRef>
+          <a:fontRef idx="minor">
+            <a:schemeClr val="tx1"/>
+          </a:fontRef>
+        </p:style>
+      </p:cxnSp>
+      <p:cxnSp>
+        <p:nvCxnSpPr>
+          <p:cNvPr id="82" name="Straight Arrow Connector 81"/>
+          <p:cNvCxnSpPr/>
+          <p:nvPr/>
+        </p:nvCxnSpPr>
+        <p:spPr>
+          <a:xfrm>
+            <a:off x="6353779" y="4972865"/>
+            <a:ext cx="348578" cy="0"/>
+          </a:xfrm>
+          <a:prstGeom prst="straightConnector1">
+            <a:avLst/>
+          </a:prstGeom>
+          <a:ln w="57150">
+            <a:tailEnd type="triangle"/>
+          </a:ln>
+        </p:spPr>
+        <p:style>
+          <a:lnRef idx="1">
+            <a:schemeClr val="accent4"/>
+          </a:lnRef>
+          <a:fillRef idx="0">
+            <a:schemeClr val="accent4"/>
+          </a:fillRef>
+          <a:effectRef idx="0">
+            <a:schemeClr val="accent4"/>
+          </a:effectRef>
+          <a:fontRef idx="minor">
+            <a:schemeClr val="tx1"/>
+          </a:fontRef>
+        </p:style>
+      </p:cxnSp>
+      <p:cxnSp>
+        <p:nvCxnSpPr>
+          <p:cNvPr id="83" name="Straight Arrow Connector 82"/>
+          <p:cNvCxnSpPr/>
+          <p:nvPr/>
+        </p:nvCxnSpPr>
+        <p:spPr>
+          <a:xfrm>
+            <a:off x="6353779" y="4360683"/>
+            <a:ext cx="348578" cy="0"/>
+          </a:xfrm>
+          <a:prstGeom prst="straightConnector1">
+            <a:avLst/>
+          </a:prstGeom>
+          <a:ln w="57150">
+            <a:tailEnd type="triangle"/>
+          </a:ln>
+        </p:spPr>
+        <p:style>
+          <a:lnRef idx="1">
+            <a:schemeClr val="accent4"/>
+          </a:lnRef>
+          <a:fillRef idx="0">
+            <a:schemeClr val="accent4"/>
+          </a:fillRef>
+          <a:effectRef idx="0">
+            <a:schemeClr val="accent4"/>
+          </a:effectRef>
+          <a:fontRef idx="minor">
+            <a:schemeClr val="tx1"/>
+          </a:fontRef>
+        </p:style>
+      </p:cxnSp>
+      <p:cxnSp>
+        <p:nvCxnSpPr>
+          <p:cNvPr id="84" name="Straight Arrow Connector 83"/>
+          <p:cNvCxnSpPr/>
+          <p:nvPr/>
+        </p:nvCxnSpPr>
+        <p:spPr>
+          <a:xfrm>
+            <a:off x="6353779" y="3754363"/>
+            <a:ext cx="348578" cy="0"/>
+          </a:xfrm>
+          <a:prstGeom prst="straightConnector1">
+            <a:avLst/>
+          </a:prstGeom>
+          <a:ln w="57150">
+            <a:tailEnd type="triangle"/>
+          </a:ln>
+        </p:spPr>
+        <p:style>
+          <a:lnRef idx="1">
+            <a:schemeClr val="accent4"/>
+          </a:lnRef>
+          <a:fillRef idx="0">
+            <a:schemeClr val="accent4"/>
+          </a:fillRef>
+          <a:effectRef idx="0">
+            <a:schemeClr val="accent4"/>
+          </a:effectRef>
+          <a:fontRef idx="minor">
+            <a:schemeClr val="tx1"/>
+          </a:fontRef>
+        </p:style>
+      </p:cxnSp>
+      <p:cxnSp>
+        <p:nvCxnSpPr>
+          <p:cNvPr id="85" name="Straight Arrow Connector 84"/>
+          <p:cNvCxnSpPr/>
+          <p:nvPr/>
+        </p:nvCxnSpPr>
+        <p:spPr>
+          <a:xfrm>
+            <a:off x="6353779" y="3146831"/>
+            <a:ext cx="348578" cy="0"/>
+          </a:xfrm>
+          <a:prstGeom prst="straightConnector1">
+            <a:avLst/>
+          </a:prstGeom>
+          <a:ln w="57150">
+            <a:tailEnd type="triangle"/>
+          </a:ln>
+        </p:spPr>
+        <p:style>
+          <a:lnRef idx="1">
+            <a:schemeClr val="accent4"/>
+          </a:lnRef>
+          <a:fillRef idx="0">
+            <a:schemeClr val="accent4"/>
+          </a:fillRef>
+          <a:effectRef idx="0">
+            <a:schemeClr val="accent4"/>
+          </a:effectRef>
+          <a:fontRef idx="minor">
+            <a:schemeClr val="tx1"/>
+          </a:fontRef>
+        </p:style>
+      </p:cxnSp>
+      <p:cxnSp>
+        <p:nvCxnSpPr>
+          <p:cNvPr id="86" name="Straight Arrow Connector 85"/>
+          <p:cNvCxnSpPr/>
+          <p:nvPr/>
+        </p:nvCxnSpPr>
+        <p:spPr>
+          <a:xfrm>
+            <a:off x="6353779" y="2540511"/>
+            <a:ext cx="348578" cy="0"/>
+          </a:xfrm>
+          <a:prstGeom prst="straightConnector1">
+            <a:avLst/>
+          </a:prstGeom>
+          <a:ln w="57150">
+            <a:tailEnd type="triangle"/>
+          </a:ln>
+        </p:spPr>
+        <p:style>
+          <a:lnRef idx="1">
+            <a:schemeClr val="accent4"/>
+          </a:lnRef>
+          <a:fillRef idx="0">
+            <a:schemeClr val="accent4"/>
+          </a:fillRef>
+          <a:effectRef idx="0">
+            <a:schemeClr val="accent4"/>
+          </a:effectRef>
+          <a:fontRef idx="minor">
+            <a:schemeClr val="tx1"/>
+          </a:fontRef>
+        </p:style>
+      </p:cxnSp>
+      <p:cxnSp>
+        <p:nvCxnSpPr>
+          <p:cNvPr id="87" name="Straight Arrow Connector 86"/>
+          <p:cNvCxnSpPr/>
+          <p:nvPr/>
+        </p:nvCxnSpPr>
+        <p:spPr>
+          <a:xfrm>
+            <a:off x="6353779" y="1929237"/>
+            <a:ext cx="348578" cy="0"/>
+          </a:xfrm>
+          <a:prstGeom prst="straightConnector1">
+            <a:avLst/>
+          </a:prstGeom>
+          <a:ln w="57150">
+            <a:tailEnd type="triangle"/>
+          </a:ln>
+        </p:spPr>
+        <p:style>
+          <a:lnRef idx="1">
+            <a:schemeClr val="accent4"/>
+          </a:lnRef>
+          <a:fillRef idx="0">
+            <a:schemeClr val="accent4"/>
+          </a:fillRef>
+          <a:effectRef idx="0">
+            <a:schemeClr val="accent4"/>
+          </a:effectRef>
+          <a:fontRef idx="minor">
+            <a:schemeClr val="tx1"/>
+          </a:fontRef>
+        </p:style>
+      </p:cxnSp>
+    </p:spTree>
+    <p:extLst>
+      <p:ext uri="{BB962C8B-B14F-4D97-AF65-F5344CB8AC3E}">
+        <p14:creationId xmlns:p14="http://schemas.microsoft.com/office/powerpoint/2010/main" val="3698727310"/>
+      </p:ext>
+    </p:extLst>
+  </p:cSld>
+  <p:clrMapOvr>
+    <a:masterClrMapping/>
+  </p:clrMapOvr>
+</p:sld>
+</file>
+
+<file path=ppt/slides/slide6.xml><?xml version="1.0" encoding="utf-8"?>
 <p:sld xmlns:a="http://schemas.openxmlformats.org/drawingml/2006/main" xmlns:r="http://schemas.openxmlformats.org/officeDocument/2006/relationships" xmlns:p="http://schemas.openxmlformats.org/presentationml/2006/main">
   <p:cSld>
     <p:spTree>

--- a/Documentations/structure_diagrams.pptx
+++ b/Documentations/structure_diagrams.pptx
@@ -5,15 +5,16 @@
     <p:sldMasterId id="2147483648" r:id="rId1"/>
   </p:sldMasterIdLst>
   <p:notesMasterIdLst>
-    <p:notesMasterId r:id="rId8"/>
+    <p:notesMasterId r:id="rId9"/>
   </p:notesMasterIdLst>
   <p:sldIdLst>
     <p:sldId id="257" r:id="rId2"/>
     <p:sldId id="256" r:id="rId3"/>
     <p:sldId id="260" r:id="rId4"/>
     <p:sldId id="261" r:id="rId5"/>
-    <p:sldId id="262" r:id="rId6"/>
-    <p:sldId id="258" r:id="rId7"/>
+    <p:sldId id="263" r:id="rId6"/>
+    <p:sldId id="262" r:id="rId7"/>
+    <p:sldId id="258" r:id="rId8"/>
   </p:sldIdLst>
   <p:sldSz cx="12192000" cy="6858000"/>
   <p:notesSz cx="6858000" cy="9144000"/>
@@ -3030,7 +3031,7 @@
           <a:p>
             <a:fld id="{BD9E72BA-B64C-481F-93A8-E4D26CDED7CB}" type="datetimeFigureOut">
               <a:rPr lang="en-SG" smtClean="0"/>
-              <a:t>7/1/2019</a:t>
+              <a:t>9/1/2019</a:t>
             </a:fld>
             <a:endParaRPr lang="en-SG"/>
           </a:p>
@@ -3513,7 +3514,7 @@
           <a:p>
             <a:fld id="{E6B29F7E-10B4-4321-AA2C-B0E4C26EEF29}" type="datetimeFigureOut">
               <a:rPr lang="en-SG" smtClean="0"/>
-              <a:t>7/1/2019</a:t>
+              <a:t>9/1/2019</a:t>
             </a:fld>
             <a:endParaRPr lang="en-SG"/>
           </a:p>
@@ -3683,7 +3684,7 @@
           <a:p>
             <a:fld id="{E6B29F7E-10B4-4321-AA2C-B0E4C26EEF29}" type="datetimeFigureOut">
               <a:rPr lang="en-SG" smtClean="0"/>
-              <a:t>7/1/2019</a:t>
+              <a:t>9/1/2019</a:t>
             </a:fld>
             <a:endParaRPr lang="en-SG"/>
           </a:p>
@@ -3863,7 +3864,7 @@
           <a:p>
             <a:fld id="{E6B29F7E-10B4-4321-AA2C-B0E4C26EEF29}" type="datetimeFigureOut">
               <a:rPr lang="en-SG" smtClean="0"/>
-              <a:t>7/1/2019</a:t>
+              <a:t>9/1/2019</a:t>
             </a:fld>
             <a:endParaRPr lang="en-SG"/>
           </a:p>
@@ -4033,7 +4034,7 @@
           <a:p>
             <a:fld id="{E6B29F7E-10B4-4321-AA2C-B0E4C26EEF29}" type="datetimeFigureOut">
               <a:rPr lang="en-SG" smtClean="0"/>
-              <a:t>7/1/2019</a:t>
+              <a:t>9/1/2019</a:t>
             </a:fld>
             <a:endParaRPr lang="en-SG"/>
           </a:p>
@@ -4279,7 +4280,7 @@
           <a:p>
             <a:fld id="{E6B29F7E-10B4-4321-AA2C-B0E4C26EEF29}" type="datetimeFigureOut">
               <a:rPr lang="en-SG" smtClean="0"/>
-              <a:t>7/1/2019</a:t>
+              <a:t>9/1/2019</a:t>
             </a:fld>
             <a:endParaRPr lang="en-SG"/>
           </a:p>
@@ -4511,7 +4512,7 @@
           <a:p>
             <a:fld id="{E6B29F7E-10B4-4321-AA2C-B0E4C26EEF29}" type="datetimeFigureOut">
               <a:rPr lang="en-SG" smtClean="0"/>
-              <a:t>7/1/2019</a:t>
+              <a:t>9/1/2019</a:t>
             </a:fld>
             <a:endParaRPr lang="en-SG"/>
           </a:p>
@@ -4878,7 +4879,7 @@
           <a:p>
             <a:fld id="{E6B29F7E-10B4-4321-AA2C-B0E4C26EEF29}" type="datetimeFigureOut">
               <a:rPr lang="en-SG" smtClean="0"/>
-              <a:t>7/1/2019</a:t>
+              <a:t>9/1/2019</a:t>
             </a:fld>
             <a:endParaRPr lang="en-SG"/>
           </a:p>
@@ -4996,7 +4997,7 @@
           <a:p>
             <a:fld id="{E6B29F7E-10B4-4321-AA2C-B0E4C26EEF29}" type="datetimeFigureOut">
               <a:rPr lang="en-SG" smtClean="0"/>
-              <a:t>7/1/2019</a:t>
+              <a:t>9/1/2019</a:t>
             </a:fld>
             <a:endParaRPr lang="en-SG"/>
           </a:p>
@@ -5091,7 +5092,7 @@
           <a:p>
             <a:fld id="{E6B29F7E-10B4-4321-AA2C-B0E4C26EEF29}" type="datetimeFigureOut">
               <a:rPr lang="en-SG" smtClean="0"/>
-              <a:t>7/1/2019</a:t>
+              <a:t>9/1/2019</a:t>
             </a:fld>
             <a:endParaRPr lang="en-SG"/>
           </a:p>
@@ -5368,7 +5369,7 @@
           <a:p>
             <a:fld id="{E6B29F7E-10B4-4321-AA2C-B0E4C26EEF29}" type="datetimeFigureOut">
               <a:rPr lang="en-SG" smtClean="0"/>
-              <a:t>7/1/2019</a:t>
+              <a:t>9/1/2019</a:t>
             </a:fld>
             <a:endParaRPr lang="en-SG"/>
           </a:p>
@@ -5621,7 +5622,7 @@
           <a:p>
             <a:fld id="{E6B29F7E-10B4-4321-AA2C-B0E4C26EEF29}" type="datetimeFigureOut">
               <a:rPr lang="en-SG" smtClean="0"/>
-              <a:t>7/1/2019</a:t>
+              <a:t>9/1/2019</a:t>
             </a:fld>
             <a:endParaRPr lang="en-SG"/>
           </a:p>
@@ -5834,7 +5835,7 @@
           <a:p>
             <a:fld id="{E6B29F7E-10B4-4321-AA2C-B0E4C26EEF29}" type="datetimeFigureOut">
               <a:rPr lang="en-SG" smtClean="0"/>
-              <a:t>7/1/2019</a:t>
+              <a:t>9/1/2019</a:t>
             </a:fld>
             <a:endParaRPr lang="en-SG"/>
           </a:p>
@@ -10715,6 +10716,632 @@
 </file>
 
 <file path=ppt/slides/slide5.xml><?xml version="1.0" encoding="utf-8"?>
+<p:sld xmlns:a="http://schemas.openxmlformats.org/drawingml/2006/main" xmlns:r="http://schemas.openxmlformats.org/officeDocument/2006/relationships" xmlns:p="http://schemas.openxmlformats.org/presentationml/2006/main">
+  <p:cSld>
+    <p:spTree>
+      <p:nvGrpSpPr>
+        <p:cNvPr id="1" name=""/>
+        <p:cNvGrpSpPr/>
+        <p:nvPr/>
+      </p:nvGrpSpPr>
+      <p:grpSpPr>
+        <a:xfrm>
+          <a:off x="0" y="0"/>
+          <a:ext cx="0" cy="0"/>
+          <a:chOff x="0" y="0"/>
+          <a:chExt cx="0" cy="0"/>
+        </a:xfrm>
+      </p:grpSpPr>
+      <p:sp>
+        <p:nvSpPr>
+          <p:cNvPr id="3" name="Rectangle 2"/>
+          <p:cNvSpPr/>
+          <p:nvPr/>
+        </p:nvSpPr>
+        <p:spPr>
+          <a:xfrm>
+            <a:off x="208367" y="174842"/>
+            <a:ext cx="11829558" cy="5231171"/>
+          </a:xfrm>
+          <a:prstGeom prst="rect">
+            <a:avLst/>
+          </a:prstGeom>
+        </p:spPr>
+        <p:style>
+          <a:lnRef idx="3">
+            <a:schemeClr val="lt1"/>
+          </a:lnRef>
+          <a:fillRef idx="1">
+            <a:schemeClr val="accent6"/>
+          </a:fillRef>
+          <a:effectRef idx="1">
+            <a:schemeClr val="accent6"/>
+          </a:effectRef>
+          <a:fontRef idx="minor">
+            <a:schemeClr val="lt1"/>
+          </a:fontRef>
+        </p:style>
+        <p:txBody>
+          <a:bodyPr rtlCol="0" anchor="t"/>
+          <a:lstStyle/>
+          <a:p>
+            <a:pPr algn="ctr"/>
+            <a:r>
+              <a:rPr lang="en-SG" dirty="0" err="1"/>
+              <a:t>SmartBackpack</a:t>
+            </a:r>
+            <a:endParaRPr lang="en-SG" dirty="0"/>
+          </a:p>
+          <a:p>
+            <a:pPr algn="ctr"/>
+            <a:r>
+              <a:rPr lang="en-SG" dirty="0" smtClean="0"/>
+              <a:t>Android App</a:t>
+            </a:r>
+            <a:endParaRPr lang="en-SG" dirty="0"/>
+          </a:p>
+        </p:txBody>
+      </p:sp>
+      <p:sp>
+        <p:nvSpPr>
+          <p:cNvPr id="24" name="Round Diagonal Corner Rectangle 23"/>
+          <p:cNvSpPr/>
+          <p:nvPr/>
+        </p:nvSpPr>
+        <p:spPr>
+          <a:xfrm>
+            <a:off x="411982" y="5526716"/>
+            <a:ext cx="5169668" cy="1042263"/>
+          </a:xfrm>
+          <a:prstGeom prst="round2DiagRect">
+            <a:avLst/>
+          </a:prstGeom>
+          <a:solidFill>
+            <a:srgbClr val="E87C6A"/>
+          </a:solidFill>
+        </p:spPr>
+        <p:style>
+          <a:lnRef idx="2">
+            <a:schemeClr val="accent1">
+              <a:shade val="50000"/>
+            </a:schemeClr>
+          </a:lnRef>
+          <a:fillRef idx="1">
+            <a:schemeClr val="accent1"/>
+          </a:fillRef>
+          <a:effectRef idx="0">
+            <a:schemeClr val="accent1"/>
+          </a:effectRef>
+          <a:fontRef idx="minor">
+            <a:schemeClr val="lt1"/>
+          </a:fontRef>
+        </p:style>
+        <p:txBody>
+          <a:bodyPr rtlCol="0" anchor="ctr"/>
+          <a:lstStyle/>
+          <a:p>
+            <a:pPr algn="ctr"/>
+            <a:r>
+              <a:rPr lang="en-SG" dirty="0" err="1" smtClean="0"/>
+              <a:t>SmartBackpack</a:t>
+            </a:r>
+            <a:endParaRPr lang="en-SG" dirty="0" smtClean="0"/>
+          </a:p>
+          <a:p>
+            <a:pPr algn="ctr"/>
+            <a:r>
+              <a:rPr lang="en-SG" dirty="0" smtClean="0"/>
+              <a:t>IOT</a:t>
+            </a:r>
+          </a:p>
+          <a:p>
+            <a:pPr algn="ctr"/>
+            <a:r>
+              <a:rPr lang="en-SG" dirty="0" smtClean="0"/>
+              <a:t>Device</a:t>
+            </a:r>
+            <a:endParaRPr lang="en-SG" dirty="0"/>
+          </a:p>
+        </p:txBody>
+      </p:sp>
+      <p:sp>
+        <p:nvSpPr>
+          <p:cNvPr id="36" name="Round Diagonal Corner Rectangle 35"/>
+          <p:cNvSpPr/>
+          <p:nvPr/>
+        </p:nvSpPr>
+        <p:spPr>
+          <a:xfrm>
+            <a:off x="3756271" y="1760705"/>
+            <a:ext cx="2116730" cy="3131695"/>
+          </a:xfrm>
+          <a:prstGeom prst="round2DiagRect">
+            <a:avLst/>
+          </a:prstGeom>
+          <a:effectLst/>
+        </p:spPr>
+        <p:style>
+          <a:lnRef idx="2">
+            <a:schemeClr val="accent1">
+              <a:shade val="50000"/>
+            </a:schemeClr>
+          </a:lnRef>
+          <a:fillRef idx="1">
+            <a:schemeClr val="accent1"/>
+          </a:fillRef>
+          <a:effectRef idx="0">
+            <a:schemeClr val="accent1"/>
+          </a:effectRef>
+          <a:fontRef idx="minor">
+            <a:schemeClr val="lt1"/>
+          </a:fontRef>
+        </p:style>
+        <p:txBody>
+          <a:bodyPr rtlCol="0" anchor="ctr"/>
+          <a:lstStyle/>
+          <a:p>
+            <a:pPr algn="ctr"/>
+            <a:r>
+              <a:rPr lang="en-SG" dirty="0" smtClean="0"/>
+              <a:t>Get sensor data and display values</a:t>
+            </a:r>
+          </a:p>
+          <a:p>
+            <a:pPr algn="ctr"/>
+            <a:endParaRPr lang="en-SG" dirty="0"/>
+          </a:p>
+          <a:p>
+            <a:pPr algn="ctr"/>
+            <a:r>
+              <a:rPr lang="en-SG" dirty="0" smtClean="0"/>
+              <a:t>With the predictive suggestions below</a:t>
+            </a:r>
+          </a:p>
+          <a:p>
+            <a:pPr algn="ctr"/>
+            <a:endParaRPr lang="en-SG" dirty="0"/>
+          </a:p>
+          <a:p>
+            <a:pPr algn="ctr"/>
+            <a:r>
+              <a:rPr lang="en-SG" dirty="0" smtClean="0"/>
+              <a:t>Historical data below</a:t>
+            </a:r>
+            <a:endParaRPr lang="en-SG" dirty="0"/>
+          </a:p>
+        </p:txBody>
+      </p:sp>
+      <p:sp>
+        <p:nvSpPr>
+          <p:cNvPr id="2" name="Down Arrow 1"/>
+          <p:cNvSpPr/>
+          <p:nvPr/>
+        </p:nvSpPr>
+        <p:spPr>
+          <a:xfrm>
+            <a:off x="1167344" y="0"/>
+            <a:ext cx="593387" cy="1640003"/>
+          </a:xfrm>
+          <a:prstGeom prst="downArrow">
+            <a:avLst/>
+          </a:prstGeom>
+        </p:spPr>
+        <p:style>
+          <a:lnRef idx="2">
+            <a:schemeClr val="accent1">
+              <a:shade val="50000"/>
+            </a:schemeClr>
+          </a:lnRef>
+          <a:fillRef idx="1">
+            <a:schemeClr val="accent1"/>
+          </a:fillRef>
+          <a:effectRef idx="0">
+            <a:schemeClr val="accent1"/>
+          </a:effectRef>
+          <a:fontRef idx="minor">
+            <a:schemeClr val="lt1"/>
+          </a:fontRef>
+        </p:style>
+        <p:txBody>
+          <a:bodyPr vert="eaVert" rtlCol="0" anchor="ctr"/>
+          <a:lstStyle/>
+          <a:p>
+            <a:pPr algn="ctr"/>
+            <a:r>
+              <a:rPr lang="en-SG" dirty="0" smtClean="0"/>
+              <a:t>Launch</a:t>
+            </a:r>
+            <a:endParaRPr lang="en-SG" dirty="0"/>
+          </a:p>
+        </p:txBody>
+      </p:sp>
+      <p:sp>
+        <p:nvSpPr>
+          <p:cNvPr id="4" name="Rectangle 3"/>
+          <p:cNvSpPr/>
+          <p:nvPr/>
+        </p:nvSpPr>
+        <p:spPr>
+          <a:xfrm>
+            <a:off x="405673" y="1760706"/>
+            <a:ext cx="2116730" cy="1053181"/>
+          </a:xfrm>
+          <a:prstGeom prst="rect">
+            <a:avLst/>
+          </a:prstGeom>
+        </p:spPr>
+        <p:style>
+          <a:lnRef idx="2">
+            <a:schemeClr val="accent1">
+              <a:shade val="50000"/>
+            </a:schemeClr>
+          </a:lnRef>
+          <a:fillRef idx="1">
+            <a:schemeClr val="accent1"/>
+          </a:fillRef>
+          <a:effectRef idx="0">
+            <a:schemeClr val="accent1"/>
+          </a:effectRef>
+          <a:fontRef idx="minor">
+            <a:schemeClr val="lt1"/>
+          </a:fontRef>
+        </p:style>
+        <p:txBody>
+          <a:bodyPr rtlCol="0" anchor="ctr"/>
+          <a:lstStyle/>
+          <a:p>
+            <a:pPr algn="ctr"/>
+            <a:r>
+              <a:rPr lang="en-SG" dirty="0" smtClean="0"/>
+              <a:t>Check If user have a device nearby to pair with</a:t>
+            </a:r>
+            <a:endParaRPr lang="en-SG" dirty="0"/>
+          </a:p>
+        </p:txBody>
+      </p:sp>
+      <p:sp>
+        <p:nvSpPr>
+          <p:cNvPr id="37" name="Down Arrow 36"/>
+          <p:cNvSpPr/>
+          <p:nvPr/>
+        </p:nvSpPr>
+        <p:spPr>
+          <a:xfrm>
+            <a:off x="1167344" y="2951098"/>
+            <a:ext cx="593387" cy="872930"/>
+          </a:xfrm>
+          <a:prstGeom prst="downArrow">
+            <a:avLst/>
+          </a:prstGeom>
+        </p:spPr>
+        <p:style>
+          <a:lnRef idx="2">
+            <a:schemeClr val="accent1">
+              <a:shade val="50000"/>
+            </a:schemeClr>
+          </a:lnRef>
+          <a:fillRef idx="1">
+            <a:schemeClr val="accent1"/>
+          </a:fillRef>
+          <a:effectRef idx="0">
+            <a:schemeClr val="accent1"/>
+          </a:effectRef>
+          <a:fontRef idx="minor">
+            <a:schemeClr val="lt1"/>
+          </a:fontRef>
+        </p:style>
+        <p:txBody>
+          <a:bodyPr vert="eaVert" rtlCol="0" anchor="ctr"/>
+          <a:lstStyle/>
+          <a:p>
+            <a:pPr algn="ctr"/>
+            <a:r>
+              <a:rPr lang="en-SG" dirty="0" smtClean="0"/>
+              <a:t>no</a:t>
+            </a:r>
+            <a:endParaRPr lang="en-SG" dirty="0"/>
+          </a:p>
+        </p:txBody>
+      </p:sp>
+      <p:sp>
+        <p:nvSpPr>
+          <p:cNvPr id="41" name="Round Diagonal Corner Rectangle 40"/>
+          <p:cNvSpPr/>
+          <p:nvPr/>
+        </p:nvSpPr>
+        <p:spPr>
+          <a:xfrm>
+            <a:off x="405673" y="3989326"/>
+            <a:ext cx="2116730" cy="903075"/>
+          </a:xfrm>
+          <a:prstGeom prst="round2DiagRect">
+            <a:avLst/>
+          </a:prstGeom>
+          <a:effectLst/>
+        </p:spPr>
+        <p:style>
+          <a:lnRef idx="2">
+            <a:schemeClr val="accent1">
+              <a:shade val="50000"/>
+            </a:schemeClr>
+          </a:lnRef>
+          <a:fillRef idx="1">
+            <a:schemeClr val="accent1"/>
+          </a:fillRef>
+          <a:effectRef idx="0">
+            <a:schemeClr val="accent1"/>
+          </a:effectRef>
+          <a:fontRef idx="minor">
+            <a:schemeClr val="lt1"/>
+          </a:fontRef>
+        </p:style>
+        <p:txBody>
+          <a:bodyPr rtlCol="0" anchor="ctr"/>
+          <a:lstStyle/>
+          <a:p>
+            <a:pPr algn="ctr"/>
+            <a:r>
+              <a:rPr lang="en-SG" dirty="0" smtClean="0"/>
+              <a:t>List of IOT </a:t>
+            </a:r>
+            <a:r>
+              <a:rPr lang="en-SG" dirty="0" smtClean="0"/>
+              <a:t>devices with create option</a:t>
+            </a:r>
+            <a:endParaRPr lang="en-SG" dirty="0"/>
+          </a:p>
+        </p:txBody>
+      </p:sp>
+      <p:sp>
+        <p:nvSpPr>
+          <p:cNvPr id="46" name="Down Arrow 45"/>
+          <p:cNvSpPr/>
+          <p:nvPr/>
+        </p:nvSpPr>
+        <p:spPr>
+          <a:xfrm rot="16200000">
+            <a:off x="2833929" y="1850831"/>
+            <a:ext cx="593387" cy="872930"/>
+          </a:xfrm>
+          <a:prstGeom prst="downArrow">
+            <a:avLst/>
+          </a:prstGeom>
+        </p:spPr>
+        <p:style>
+          <a:lnRef idx="2">
+            <a:schemeClr val="accent1">
+              <a:shade val="50000"/>
+            </a:schemeClr>
+          </a:lnRef>
+          <a:fillRef idx="1">
+            <a:schemeClr val="accent1"/>
+          </a:fillRef>
+          <a:effectRef idx="0">
+            <a:schemeClr val="accent1"/>
+          </a:effectRef>
+          <a:fontRef idx="minor">
+            <a:schemeClr val="lt1"/>
+          </a:fontRef>
+        </p:style>
+        <p:txBody>
+          <a:bodyPr vert="eaVert" rtlCol="0" anchor="ctr"/>
+          <a:lstStyle/>
+          <a:p>
+            <a:pPr algn="ctr"/>
+            <a:r>
+              <a:rPr lang="en-SG" dirty="0" smtClean="0"/>
+              <a:t>yes</a:t>
+            </a:r>
+            <a:endParaRPr lang="en-SG" dirty="0"/>
+          </a:p>
+        </p:txBody>
+      </p:sp>
+      <p:sp>
+        <p:nvSpPr>
+          <p:cNvPr id="47" name="Round Diagonal Corner Rectangle 46"/>
+          <p:cNvSpPr/>
+          <p:nvPr/>
+        </p:nvSpPr>
+        <p:spPr>
+          <a:xfrm>
+            <a:off x="7772403" y="1706311"/>
+            <a:ext cx="2116730" cy="905285"/>
+          </a:xfrm>
+          <a:prstGeom prst="round2DiagRect">
+            <a:avLst/>
+          </a:prstGeom>
+          <a:effectLst/>
+        </p:spPr>
+        <p:style>
+          <a:lnRef idx="2">
+            <a:schemeClr val="accent1">
+              <a:shade val="50000"/>
+            </a:schemeClr>
+          </a:lnRef>
+          <a:fillRef idx="1">
+            <a:schemeClr val="accent1"/>
+          </a:fillRef>
+          <a:effectRef idx="0">
+            <a:schemeClr val="accent1"/>
+          </a:effectRef>
+          <a:fontRef idx="minor">
+            <a:schemeClr val="lt1"/>
+          </a:fontRef>
+        </p:style>
+        <p:txBody>
+          <a:bodyPr rtlCol="0" anchor="ctr"/>
+          <a:lstStyle/>
+          <a:p>
+            <a:pPr algn="ctr"/>
+            <a:r>
+              <a:rPr lang="en-SG" dirty="0" smtClean="0"/>
+              <a:t>User Profile</a:t>
+            </a:r>
+          </a:p>
+          <a:p>
+            <a:pPr algn="ctr"/>
+            <a:r>
+              <a:rPr lang="en-SG" dirty="0" smtClean="0"/>
+              <a:t>With RUD options</a:t>
+            </a:r>
+            <a:endParaRPr lang="en-SG" dirty="0"/>
+          </a:p>
+        </p:txBody>
+      </p:sp>
+      <p:sp>
+        <p:nvSpPr>
+          <p:cNvPr id="48" name="Round Diagonal Corner Rectangle 47"/>
+          <p:cNvSpPr/>
+          <p:nvPr/>
+        </p:nvSpPr>
+        <p:spPr>
+          <a:xfrm>
+            <a:off x="7897098" y="3989326"/>
+            <a:ext cx="2116730" cy="905285"/>
+          </a:xfrm>
+          <a:prstGeom prst="round2DiagRect">
+            <a:avLst/>
+          </a:prstGeom>
+          <a:effectLst/>
+        </p:spPr>
+        <p:style>
+          <a:lnRef idx="2">
+            <a:schemeClr val="accent1">
+              <a:shade val="50000"/>
+            </a:schemeClr>
+          </a:lnRef>
+          <a:fillRef idx="1">
+            <a:schemeClr val="accent1"/>
+          </a:fillRef>
+          <a:effectRef idx="0">
+            <a:schemeClr val="accent1"/>
+          </a:effectRef>
+          <a:fontRef idx="minor">
+            <a:schemeClr val="lt1"/>
+          </a:fontRef>
+        </p:style>
+        <p:txBody>
+          <a:bodyPr rtlCol="0" anchor="ctr"/>
+          <a:lstStyle/>
+          <a:p>
+            <a:pPr algn="ctr"/>
+            <a:r>
+              <a:rPr lang="en-SG" dirty="0" smtClean="0"/>
+              <a:t>Device Settings Page</a:t>
+            </a:r>
+            <a:endParaRPr lang="en-SG" dirty="0"/>
+          </a:p>
+        </p:txBody>
+      </p:sp>
+      <p:sp>
+        <p:nvSpPr>
+          <p:cNvPr id="50" name="Down Arrow 49"/>
+          <p:cNvSpPr/>
+          <p:nvPr/>
+        </p:nvSpPr>
+        <p:spPr>
+          <a:xfrm rot="16200000">
+            <a:off x="6626231" y="3590281"/>
+            <a:ext cx="593387" cy="1698956"/>
+          </a:xfrm>
+          <a:prstGeom prst="downArrow">
+            <a:avLst/>
+          </a:prstGeom>
+        </p:spPr>
+        <p:style>
+          <a:lnRef idx="2">
+            <a:schemeClr val="accent1">
+              <a:shade val="50000"/>
+            </a:schemeClr>
+          </a:lnRef>
+          <a:fillRef idx="1">
+            <a:schemeClr val="accent1"/>
+          </a:fillRef>
+          <a:effectRef idx="0">
+            <a:schemeClr val="accent1"/>
+          </a:effectRef>
+          <a:fontRef idx="minor">
+            <a:schemeClr val="lt1"/>
+          </a:fontRef>
+        </p:style>
+        <p:txBody>
+          <a:bodyPr vert="eaVert" rtlCol="0" anchor="ctr"/>
+          <a:lstStyle/>
+          <a:p>
+            <a:pPr algn="ctr"/>
+            <a:r>
+              <a:rPr lang="en-SG" dirty="0" smtClean="0"/>
+              <a:t>Menu Option</a:t>
+            </a:r>
+            <a:endParaRPr lang="en-SG" dirty="0"/>
+          </a:p>
+        </p:txBody>
+      </p:sp>
+      <p:sp>
+        <p:nvSpPr>
+          <p:cNvPr id="53" name="Down Arrow 52"/>
+          <p:cNvSpPr/>
+          <p:nvPr/>
+        </p:nvSpPr>
+        <p:spPr>
+          <a:xfrm>
+            <a:off x="8658769" y="0"/>
+            <a:ext cx="593387" cy="1640003"/>
+          </a:xfrm>
+          <a:prstGeom prst="downArrow">
+            <a:avLst/>
+          </a:prstGeom>
+        </p:spPr>
+        <p:style>
+          <a:lnRef idx="2">
+            <a:schemeClr val="accent1">
+              <a:shade val="50000"/>
+            </a:schemeClr>
+          </a:lnRef>
+          <a:fillRef idx="1">
+            <a:schemeClr val="accent1"/>
+          </a:fillRef>
+          <a:effectRef idx="0">
+            <a:schemeClr val="accent1"/>
+          </a:effectRef>
+          <a:fontRef idx="minor">
+            <a:schemeClr val="lt1"/>
+          </a:fontRef>
+        </p:style>
+        <p:txBody>
+          <a:bodyPr vert="eaVert" rtlCol="0" anchor="ctr"/>
+          <a:lstStyle/>
+          <a:p>
+            <a:pPr algn="ctr"/>
+            <a:r>
+              <a:rPr lang="en-SG" dirty="0" smtClean="0"/>
+              <a:t>tabs</a:t>
+            </a:r>
+            <a:endParaRPr lang="en-SG" dirty="0"/>
+          </a:p>
+        </p:txBody>
+      </p:sp>
+    </p:spTree>
+    <p:extLst>
+      <p:ext uri="{BB962C8B-B14F-4D97-AF65-F5344CB8AC3E}">
+        <p14:creationId xmlns:p14="http://schemas.microsoft.com/office/powerpoint/2010/main" val="4257138952"/>
+      </p:ext>
+    </p:extLst>
+  </p:cSld>
+  <p:clrMapOvr>
+    <a:masterClrMapping/>
+  </p:clrMapOvr>
+  <p:timing>
+    <p:tnLst>
+      <p:par>
+        <p:cTn id="1" dur="indefinite" restart="never" nodeType="tmRoot"/>
+      </p:par>
+    </p:tnLst>
+  </p:timing>
+</p:sld>
+</file>
+
+<file path=ppt/slides/slide6.xml><?xml version="1.0" encoding="utf-8"?>
 <p:sld xmlns:a="http://schemas.openxmlformats.org/drawingml/2006/main" xmlns:r="http://schemas.openxmlformats.org/officeDocument/2006/relationships" xmlns:p="http://schemas.openxmlformats.org/presentationml/2006/main">
   <p:cSld>
     <p:spTree>
@@ -13794,7 +14421,7 @@
 </p:sld>
 </file>
 
-<file path=ppt/slides/slide6.xml><?xml version="1.0" encoding="utf-8"?>
+<file path=ppt/slides/slide7.xml><?xml version="1.0" encoding="utf-8"?>
 <p:sld xmlns:a="http://schemas.openxmlformats.org/drawingml/2006/main" xmlns:r="http://schemas.openxmlformats.org/officeDocument/2006/relationships" xmlns:p="http://schemas.openxmlformats.org/presentationml/2006/main">
   <p:cSld>
     <p:spTree>

--- a/Documentations/structure_diagrams.pptx
+++ b/Documentations/structure_diagrams.pptx
@@ -3031,7 +3031,7 @@
           <a:p>
             <a:fld id="{BD9E72BA-B64C-481F-93A8-E4D26CDED7CB}" type="datetimeFigureOut">
               <a:rPr lang="en-SG" smtClean="0"/>
-              <a:t>9/1/2019</a:t>
+              <a:t>17/1/2019</a:t>
             </a:fld>
             <a:endParaRPr lang="en-SG"/>
           </a:p>
@@ -3514,7 +3514,7 @@
           <a:p>
             <a:fld id="{E6B29F7E-10B4-4321-AA2C-B0E4C26EEF29}" type="datetimeFigureOut">
               <a:rPr lang="en-SG" smtClean="0"/>
-              <a:t>9/1/2019</a:t>
+              <a:t>17/1/2019</a:t>
             </a:fld>
             <a:endParaRPr lang="en-SG"/>
           </a:p>
@@ -3684,7 +3684,7 @@
           <a:p>
             <a:fld id="{E6B29F7E-10B4-4321-AA2C-B0E4C26EEF29}" type="datetimeFigureOut">
               <a:rPr lang="en-SG" smtClean="0"/>
-              <a:t>9/1/2019</a:t>
+              <a:t>17/1/2019</a:t>
             </a:fld>
             <a:endParaRPr lang="en-SG"/>
           </a:p>
@@ -3864,7 +3864,7 @@
           <a:p>
             <a:fld id="{E6B29F7E-10B4-4321-AA2C-B0E4C26EEF29}" type="datetimeFigureOut">
               <a:rPr lang="en-SG" smtClean="0"/>
-              <a:t>9/1/2019</a:t>
+              <a:t>17/1/2019</a:t>
             </a:fld>
             <a:endParaRPr lang="en-SG"/>
           </a:p>
@@ -4034,7 +4034,7 @@
           <a:p>
             <a:fld id="{E6B29F7E-10B4-4321-AA2C-B0E4C26EEF29}" type="datetimeFigureOut">
               <a:rPr lang="en-SG" smtClean="0"/>
-              <a:t>9/1/2019</a:t>
+              <a:t>17/1/2019</a:t>
             </a:fld>
             <a:endParaRPr lang="en-SG"/>
           </a:p>
@@ -4280,7 +4280,7 @@
           <a:p>
             <a:fld id="{E6B29F7E-10B4-4321-AA2C-B0E4C26EEF29}" type="datetimeFigureOut">
               <a:rPr lang="en-SG" smtClean="0"/>
-              <a:t>9/1/2019</a:t>
+              <a:t>17/1/2019</a:t>
             </a:fld>
             <a:endParaRPr lang="en-SG"/>
           </a:p>
@@ -4512,7 +4512,7 @@
           <a:p>
             <a:fld id="{E6B29F7E-10B4-4321-AA2C-B0E4C26EEF29}" type="datetimeFigureOut">
               <a:rPr lang="en-SG" smtClean="0"/>
-              <a:t>9/1/2019</a:t>
+              <a:t>17/1/2019</a:t>
             </a:fld>
             <a:endParaRPr lang="en-SG"/>
           </a:p>
@@ -4879,7 +4879,7 @@
           <a:p>
             <a:fld id="{E6B29F7E-10B4-4321-AA2C-B0E4C26EEF29}" type="datetimeFigureOut">
               <a:rPr lang="en-SG" smtClean="0"/>
-              <a:t>9/1/2019</a:t>
+              <a:t>17/1/2019</a:t>
             </a:fld>
             <a:endParaRPr lang="en-SG"/>
           </a:p>
@@ -4997,7 +4997,7 @@
           <a:p>
             <a:fld id="{E6B29F7E-10B4-4321-AA2C-B0E4C26EEF29}" type="datetimeFigureOut">
               <a:rPr lang="en-SG" smtClean="0"/>
-              <a:t>9/1/2019</a:t>
+              <a:t>17/1/2019</a:t>
             </a:fld>
             <a:endParaRPr lang="en-SG"/>
           </a:p>
@@ -5092,7 +5092,7 @@
           <a:p>
             <a:fld id="{E6B29F7E-10B4-4321-AA2C-B0E4C26EEF29}" type="datetimeFigureOut">
               <a:rPr lang="en-SG" smtClean="0"/>
-              <a:t>9/1/2019</a:t>
+              <a:t>17/1/2019</a:t>
             </a:fld>
             <a:endParaRPr lang="en-SG"/>
           </a:p>
@@ -5369,7 +5369,7 @@
           <a:p>
             <a:fld id="{E6B29F7E-10B4-4321-AA2C-B0E4C26EEF29}" type="datetimeFigureOut">
               <a:rPr lang="en-SG" smtClean="0"/>
-              <a:t>9/1/2019</a:t>
+              <a:t>17/1/2019</a:t>
             </a:fld>
             <a:endParaRPr lang="en-SG"/>
           </a:p>
@@ -5622,7 +5622,7 @@
           <a:p>
             <a:fld id="{E6B29F7E-10B4-4321-AA2C-B0E4C26EEF29}" type="datetimeFigureOut">
               <a:rPr lang="en-SG" smtClean="0"/>
-              <a:t>9/1/2019</a:t>
+              <a:t>17/1/2019</a:t>
             </a:fld>
             <a:endParaRPr lang="en-SG"/>
           </a:p>
@@ -5835,7 +5835,7 @@
           <a:p>
             <a:fld id="{E6B29F7E-10B4-4321-AA2C-B0E4C26EEF29}" type="datetimeFigureOut">
               <a:rPr lang="en-SG" smtClean="0"/>
-              <a:t>9/1/2019</a:t>
+              <a:t>17/1/2019</a:t>
             </a:fld>
             <a:endParaRPr lang="en-SG"/>
           </a:p>
@@ -6968,8 +6968,8 @@
         </p:nvSpPr>
         <p:spPr>
           <a:xfrm>
-            <a:off x="175845" y="342899"/>
-            <a:ext cx="6646296" cy="6268417"/>
+            <a:off x="175844" y="342899"/>
+            <a:ext cx="8734691" cy="6268417"/>
           </a:xfrm>
           <a:prstGeom prst="rect">
             <a:avLst/>
@@ -7023,8 +7023,8 @@
         </p:nvSpPr>
         <p:spPr>
           <a:xfrm>
-            <a:off x="7765558" y="342900"/>
-            <a:ext cx="4110075" cy="4651131"/>
+            <a:off x="9677400" y="342900"/>
+            <a:ext cx="2198233" cy="4651131"/>
           </a:xfrm>
           <a:prstGeom prst="rect">
             <a:avLst/>
@@ -7066,7 +7066,7 @@
         </p:nvSpPr>
         <p:spPr>
           <a:xfrm>
-            <a:off x="8990007" y="5491266"/>
+            <a:off x="9584755" y="5463165"/>
             <a:ext cx="2290878" cy="1234972"/>
           </a:xfrm>
           <a:prstGeom prst="cloud">
@@ -7125,8 +7125,8 @@
         </p:nvSpPr>
         <p:spPr>
           <a:xfrm>
-            <a:off x="1303173" y="857510"/>
-            <a:ext cx="5343807" cy="641838"/>
+            <a:off x="2656273" y="857510"/>
+            <a:ext cx="5984884" cy="641838"/>
           </a:xfrm>
           <a:prstGeom prst="rect">
             <a:avLst/>
@@ -7170,8 +7170,8 @@
         </p:nvSpPr>
         <p:spPr>
           <a:xfrm>
-            <a:off x="1303173" y="4596834"/>
-            <a:ext cx="5348980" cy="843134"/>
+            <a:off x="2655651" y="4596834"/>
+            <a:ext cx="5990678" cy="843134"/>
           </a:xfrm>
           <a:prstGeom prst="rect">
             <a:avLst/>
@@ -7219,7 +7219,7 @@
         <p:spPr>
           <a:xfrm>
             <a:off x="175844" y="6046004"/>
-            <a:ext cx="6646297" cy="565311"/>
+            <a:ext cx="8734691" cy="565311"/>
           </a:xfrm>
           <a:prstGeom prst="rect">
             <a:avLst/>
@@ -7255,66 +7255,14 @@
       </p:sp>
       <p:sp>
         <p:nvSpPr>
-          <p:cNvPr id="8" name="Snip Single Corner Rectangle 7"/>
-          <p:cNvSpPr/>
-          <p:nvPr/>
-        </p:nvSpPr>
-        <p:spPr>
-          <a:xfrm>
-            <a:off x="2316748" y="2449759"/>
-            <a:ext cx="2017121" cy="1183193"/>
-          </a:xfrm>
-          <a:prstGeom prst="snip1Rect">
-            <a:avLst/>
-          </a:prstGeom>
-          <a:effectLst/>
-        </p:spPr>
-        <p:style>
-          <a:lnRef idx="2">
-            <a:schemeClr val="accent6">
-              <a:shade val="50000"/>
-            </a:schemeClr>
-          </a:lnRef>
-          <a:fillRef idx="1">
-            <a:schemeClr val="accent6"/>
-          </a:fillRef>
-          <a:effectRef idx="0">
-            <a:schemeClr val="accent6"/>
-          </a:effectRef>
-          <a:fontRef idx="minor">
-            <a:schemeClr val="lt1"/>
-          </a:fontRef>
-        </p:style>
-        <p:txBody>
-          <a:bodyPr rtlCol="0" anchor="ctr"/>
-          <a:lstStyle/>
-          <a:p>
-            <a:pPr algn="ctr"/>
-            <a:r>
-              <a:rPr lang="en-SG" dirty="0" smtClean="0"/>
-              <a:t>Holding Zone</a:t>
-            </a:r>
-          </a:p>
-          <a:p>
-            <a:pPr algn="ctr"/>
-            <a:r>
-              <a:rPr lang="en-SG" dirty="0" smtClean="0"/>
-              <a:t>[historical data]</a:t>
-            </a:r>
-            <a:endParaRPr lang="en-SG" dirty="0"/>
-          </a:p>
-        </p:txBody>
-      </p:sp>
-      <p:sp>
-        <p:nvSpPr>
           <p:cNvPr id="9" name="Snip Single Corner Rectangle 8"/>
           <p:cNvSpPr/>
           <p:nvPr/>
         </p:nvSpPr>
         <p:spPr>
           <a:xfrm>
-            <a:off x="1303173" y="2459980"/>
-            <a:ext cx="884060" cy="1186442"/>
+            <a:off x="2138993" y="2403007"/>
+            <a:ext cx="1564557" cy="1186442"/>
           </a:xfrm>
           <a:prstGeom prst="snip1Rect">
             <a:avLst/>
@@ -7358,7 +7306,7 @@
         </p:nvGrpSpPr>
         <p:grpSpPr>
           <a:xfrm>
-            <a:off x="4493359" y="2469683"/>
+            <a:off x="6487535" y="2469683"/>
             <a:ext cx="2152291" cy="1138518"/>
             <a:chOff x="2508875" y="2223439"/>
             <a:chExt cx="2152291" cy="1138518"/>
@@ -7473,7 +7421,7 @@
         </p:nvSpPr>
         <p:spPr>
           <a:xfrm>
-            <a:off x="3201181" y="5176152"/>
+            <a:off x="5360746" y="5185404"/>
             <a:ext cx="575938" cy="1048869"/>
           </a:xfrm>
           <a:prstGeom prst="upDownArrow">
@@ -7510,14 +7458,106 @@
       </p:sp>
       <p:sp>
         <p:nvSpPr>
-          <p:cNvPr id="14" name="Up Arrow 13"/>
+          <p:cNvPr id="16" name="Down Arrow 15"/>
           <p:cNvSpPr/>
           <p:nvPr/>
         </p:nvSpPr>
         <p:spPr>
           <a:xfrm>
-            <a:off x="3113294" y="3548100"/>
-            <a:ext cx="575938" cy="1125835"/>
+            <a:off x="2738210" y="3484345"/>
+            <a:ext cx="575938" cy="1159279"/>
+          </a:xfrm>
+          <a:prstGeom prst="downArrow">
+            <a:avLst/>
+          </a:prstGeom>
+          <a:solidFill>
+            <a:srgbClr val="FF0000"/>
+          </a:solidFill>
+          <a:effectLst/>
+        </p:spPr>
+        <p:style>
+          <a:lnRef idx="3">
+            <a:schemeClr val="lt1"/>
+          </a:lnRef>
+          <a:fillRef idx="1">
+            <a:schemeClr val="dk1"/>
+          </a:fillRef>
+          <a:effectRef idx="1">
+            <a:schemeClr val="dk1"/>
+          </a:effectRef>
+          <a:fontRef idx="minor">
+            <a:schemeClr val="lt1"/>
+          </a:fontRef>
+        </p:style>
+        <p:txBody>
+          <a:bodyPr vert="eaVert" rtlCol="0" anchor="ctr"/>
+          <a:lstStyle/>
+          <a:p>
+            <a:pPr algn="ctr"/>
+            <a:r>
+              <a:rPr lang="en-SG" dirty="0" smtClean="0"/>
+              <a:t>Loads</a:t>
+            </a:r>
+            <a:endParaRPr lang="en-SG" dirty="0"/>
+          </a:p>
+        </p:txBody>
+      </p:sp>
+      <p:sp>
+        <p:nvSpPr>
+          <p:cNvPr id="17" name="Down Arrow 16"/>
+          <p:cNvSpPr/>
+          <p:nvPr/>
+        </p:nvSpPr>
+        <p:spPr>
+          <a:xfrm>
+            <a:off x="2742614" y="1435593"/>
+            <a:ext cx="575938" cy="1101324"/>
+          </a:xfrm>
+          <a:prstGeom prst="downArrow">
+            <a:avLst/>
+          </a:prstGeom>
+          <a:solidFill>
+            <a:srgbClr val="FF0000"/>
+          </a:solidFill>
+          <a:effectLst/>
+        </p:spPr>
+        <p:style>
+          <a:lnRef idx="3">
+            <a:schemeClr val="lt1"/>
+          </a:lnRef>
+          <a:fillRef idx="1">
+            <a:schemeClr val="dk1"/>
+          </a:fillRef>
+          <a:effectRef idx="1">
+            <a:schemeClr val="dk1"/>
+          </a:effectRef>
+          <a:fontRef idx="minor">
+            <a:schemeClr val="lt1"/>
+          </a:fontRef>
+        </p:style>
+        <p:txBody>
+          <a:bodyPr vert="eaVert" rtlCol="0" anchor="ctr"/>
+          <a:lstStyle/>
+          <a:p>
+            <a:pPr algn="ctr"/>
+            <a:r>
+              <a:rPr lang="en-SG" dirty="0" smtClean="0"/>
+              <a:t>Write</a:t>
+            </a:r>
+            <a:endParaRPr lang="en-SG" dirty="0"/>
+          </a:p>
+        </p:txBody>
+      </p:sp>
+      <p:sp>
+        <p:nvSpPr>
+          <p:cNvPr id="21" name="Up Arrow 20"/>
+          <p:cNvSpPr/>
+          <p:nvPr/>
+        </p:nvSpPr>
+        <p:spPr>
+          <a:xfrm>
+            <a:off x="7316634" y="1385015"/>
+            <a:ext cx="535493" cy="1142523"/>
           </a:xfrm>
           <a:prstGeom prst="upArrow">
             <a:avLst/>
@@ -7545,141 +7585,6 @@
             <a:pPr algn="ctr"/>
             <a:r>
               <a:rPr lang="en-SG" dirty="0" smtClean="0"/>
-              <a:t>Write</a:t>
-            </a:r>
-            <a:endParaRPr lang="en-SG" dirty="0"/>
-          </a:p>
-        </p:txBody>
-      </p:sp>
-      <p:sp>
-        <p:nvSpPr>
-          <p:cNvPr id="16" name="Down Arrow 15"/>
-          <p:cNvSpPr/>
-          <p:nvPr/>
-        </p:nvSpPr>
-        <p:spPr>
-          <a:xfrm>
-            <a:off x="1463177" y="3646423"/>
-            <a:ext cx="575938" cy="1060956"/>
-          </a:xfrm>
-          <a:prstGeom prst="downArrow">
-            <a:avLst/>
-          </a:prstGeom>
-          <a:solidFill>
-            <a:srgbClr val="FF0000"/>
-          </a:solidFill>
-          <a:effectLst/>
-        </p:spPr>
-        <p:style>
-          <a:lnRef idx="3">
-            <a:schemeClr val="lt1"/>
-          </a:lnRef>
-          <a:fillRef idx="1">
-            <a:schemeClr val="dk1"/>
-          </a:fillRef>
-          <a:effectRef idx="1">
-            <a:schemeClr val="dk1"/>
-          </a:effectRef>
-          <a:fontRef idx="minor">
-            <a:schemeClr val="lt1"/>
-          </a:fontRef>
-        </p:style>
-        <p:txBody>
-          <a:bodyPr vert="eaVert" rtlCol="0" anchor="ctr"/>
-          <a:lstStyle/>
-          <a:p>
-            <a:pPr algn="ctr"/>
-            <a:r>
-              <a:rPr lang="en-SG" dirty="0" smtClean="0"/>
-              <a:t>Loads</a:t>
-            </a:r>
-            <a:endParaRPr lang="en-SG" dirty="0"/>
-          </a:p>
-        </p:txBody>
-      </p:sp>
-      <p:sp>
-        <p:nvSpPr>
-          <p:cNvPr id="17" name="Down Arrow 16"/>
-          <p:cNvSpPr/>
-          <p:nvPr/>
-        </p:nvSpPr>
-        <p:spPr>
-          <a:xfrm>
-            <a:off x="1467581" y="1499348"/>
-            <a:ext cx="575938" cy="1101324"/>
-          </a:xfrm>
-          <a:prstGeom prst="downArrow">
-            <a:avLst/>
-          </a:prstGeom>
-          <a:solidFill>
-            <a:srgbClr val="FF0000"/>
-          </a:solidFill>
-          <a:effectLst/>
-        </p:spPr>
-        <p:style>
-          <a:lnRef idx="3">
-            <a:schemeClr val="lt1"/>
-          </a:lnRef>
-          <a:fillRef idx="1">
-            <a:schemeClr val="dk1"/>
-          </a:fillRef>
-          <a:effectRef idx="1">
-            <a:schemeClr val="dk1"/>
-          </a:effectRef>
-          <a:fontRef idx="minor">
-            <a:schemeClr val="lt1"/>
-          </a:fontRef>
-        </p:style>
-        <p:txBody>
-          <a:bodyPr vert="eaVert" rtlCol="0" anchor="ctr"/>
-          <a:lstStyle/>
-          <a:p>
-            <a:pPr algn="ctr"/>
-            <a:r>
-              <a:rPr lang="en-SG" dirty="0" smtClean="0"/>
-              <a:t>Write</a:t>
-            </a:r>
-            <a:endParaRPr lang="en-SG" dirty="0"/>
-          </a:p>
-        </p:txBody>
-      </p:sp>
-      <p:sp>
-        <p:nvSpPr>
-          <p:cNvPr id="21" name="Up Arrow 20"/>
-          <p:cNvSpPr/>
-          <p:nvPr/>
-        </p:nvSpPr>
-        <p:spPr>
-          <a:xfrm>
-            <a:off x="5322458" y="1385015"/>
-            <a:ext cx="535493" cy="1142523"/>
-          </a:xfrm>
-          <a:prstGeom prst="upArrow">
-            <a:avLst/>
-          </a:prstGeom>
-          <a:effectLst/>
-        </p:spPr>
-        <p:style>
-          <a:lnRef idx="3">
-            <a:schemeClr val="lt1"/>
-          </a:lnRef>
-          <a:fillRef idx="1">
-            <a:schemeClr val="accent3"/>
-          </a:fillRef>
-          <a:effectRef idx="1">
-            <a:schemeClr val="accent3"/>
-          </a:effectRef>
-          <a:fontRef idx="minor">
-            <a:schemeClr val="lt1"/>
-          </a:fontRef>
-        </p:style>
-        <p:txBody>
-          <a:bodyPr vert="eaVert" rtlCol="0" anchor="ctr"/>
-          <a:lstStyle/>
-          <a:p>
-            <a:pPr algn="ctr"/>
-            <a:r>
-              <a:rPr lang="en-SG" dirty="0" smtClean="0"/>
               <a:t>Read</a:t>
             </a:r>
             <a:endParaRPr lang="en-SG" dirty="0"/>
@@ -7694,7 +7599,7 @@
         </p:nvSpPr>
         <p:spPr>
           <a:xfrm>
-            <a:off x="8003105" y="913434"/>
+            <a:off x="9939368" y="815350"/>
             <a:ext cx="1674295" cy="3570644"/>
           </a:xfrm>
           <a:prstGeom prst="rect">
@@ -7738,8 +7643,8 @@
         </p:nvSpPr>
         <p:spPr>
           <a:xfrm rot="5400000">
-            <a:off x="7032923" y="361004"/>
-            <a:ext cx="575938" cy="1680798"/>
+            <a:off x="9016537" y="428054"/>
+            <a:ext cx="575938" cy="1546698"/>
           </a:xfrm>
           <a:prstGeom prst="upDownArrow">
             <a:avLst/>
@@ -7771,58 +7676,13 @@
       </p:sp>
       <p:sp>
         <p:nvSpPr>
-          <p:cNvPr id="26" name="Flowchart: Preparation 25"/>
-          <p:cNvSpPr/>
-          <p:nvPr/>
-        </p:nvSpPr>
-        <p:spPr>
-          <a:xfrm>
-            <a:off x="8449460" y="3777335"/>
-            <a:ext cx="3285016" cy="819497"/>
-          </a:xfrm>
-          <a:prstGeom prst="flowChartPreparation">
-            <a:avLst/>
-          </a:prstGeom>
-          <a:effectLst/>
-        </p:spPr>
-        <p:style>
-          <a:lnRef idx="2">
-            <a:schemeClr val="accent2">
-              <a:shade val="50000"/>
-            </a:schemeClr>
-          </a:lnRef>
-          <a:fillRef idx="1">
-            <a:schemeClr val="accent2"/>
-          </a:fillRef>
-          <a:effectRef idx="0">
-            <a:schemeClr val="accent2"/>
-          </a:effectRef>
-          <a:fontRef idx="minor">
-            <a:schemeClr val="lt1"/>
-          </a:fontRef>
-        </p:style>
-        <p:txBody>
-          <a:bodyPr rtlCol="0" anchor="ctr"/>
-          <a:lstStyle/>
-          <a:p>
-            <a:pPr algn="ctr"/>
-            <a:r>
-              <a:rPr lang="en-SG" dirty="0" smtClean="0"/>
-              <a:t>Synchronisation function</a:t>
-            </a:r>
-            <a:endParaRPr lang="en-SG" dirty="0"/>
-          </a:p>
-        </p:txBody>
-      </p:sp>
-      <p:sp>
-        <p:nvSpPr>
           <p:cNvPr id="19" name="Up-Down Arrow 18"/>
           <p:cNvSpPr/>
           <p:nvPr/>
         </p:nvSpPr>
         <p:spPr>
           <a:xfrm>
-            <a:off x="9847477" y="4523931"/>
+            <a:off x="10442225" y="4573606"/>
             <a:ext cx="575938" cy="939234"/>
           </a:xfrm>
           <a:prstGeom prst="upDownArrow">
@@ -7855,233 +7715,14 @@
       </p:sp>
       <p:sp>
         <p:nvSpPr>
-          <p:cNvPr id="13" name="Round Diagonal Corner Rectangle 12"/>
-          <p:cNvSpPr/>
-          <p:nvPr/>
-        </p:nvSpPr>
-        <p:spPr>
-          <a:xfrm>
-            <a:off x="9591676" y="705916"/>
-            <a:ext cx="2116730" cy="903075"/>
-          </a:xfrm>
-          <a:prstGeom prst="round2DiagRect">
-            <a:avLst/>
-          </a:prstGeom>
-          <a:effectLst/>
-        </p:spPr>
-        <p:style>
-          <a:lnRef idx="2">
-            <a:schemeClr val="accent1">
-              <a:shade val="50000"/>
-            </a:schemeClr>
-          </a:lnRef>
-          <a:fillRef idx="1">
-            <a:schemeClr val="accent1"/>
-          </a:fillRef>
-          <a:effectRef idx="0">
-            <a:schemeClr val="accent1"/>
-          </a:effectRef>
-          <a:fontRef idx="minor">
-            <a:schemeClr val="lt1"/>
-          </a:fontRef>
-        </p:style>
-        <p:txBody>
-          <a:bodyPr rtlCol="0" anchor="ctr"/>
-          <a:lstStyle/>
-          <a:p>
-            <a:pPr algn="ctr"/>
-            <a:r>
-              <a:rPr lang="en-SG" dirty="0" smtClean="0"/>
-              <a:t>List of IOT devices</a:t>
-            </a:r>
-            <a:endParaRPr lang="en-SG" dirty="0"/>
-          </a:p>
-        </p:txBody>
-      </p:sp>
-      <p:sp>
-        <p:nvSpPr>
-          <p:cNvPr id="23" name="Round Diagonal Corner Rectangle 22"/>
-          <p:cNvSpPr/>
-          <p:nvPr/>
-        </p:nvSpPr>
-        <p:spPr>
-          <a:xfrm>
-            <a:off x="9591676" y="1719475"/>
-            <a:ext cx="2116730" cy="808063"/>
-          </a:xfrm>
-          <a:prstGeom prst="round2DiagRect">
-            <a:avLst/>
-          </a:prstGeom>
-          <a:effectLst/>
-        </p:spPr>
-        <p:style>
-          <a:lnRef idx="2">
-            <a:schemeClr val="accent1">
-              <a:shade val="50000"/>
-            </a:schemeClr>
-          </a:lnRef>
-          <a:fillRef idx="1">
-            <a:schemeClr val="accent1"/>
-          </a:fillRef>
-          <a:effectRef idx="0">
-            <a:schemeClr val="accent1"/>
-          </a:effectRef>
-          <a:fontRef idx="minor">
-            <a:schemeClr val="lt1"/>
-          </a:fontRef>
-        </p:style>
-        <p:txBody>
-          <a:bodyPr rtlCol="0" anchor="ctr"/>
-          <a:lstStyle/>
-          <a:p>
-            <a:pPr algn="ctr"/>
-            <a:r>
-              <a:rPr lang="en-SG" dirty="0" smtClean="0"/>
-              <a:t>Device Status</a:t>
-            </a:r>
-            <a:endParaRPr lang="en-SG" dirty="0"/>
-          </a:p>
-        </p:txBody>
-      </p:sp>
-      <p:sp>
-        <p:nvSpPr>
-          <p:cNvPr id="24" name="Round Diagonal Corner Rectangle 23"/>
-          <p:cNvSpPr/>
-          <p:nvPr/>
-        </p:nvSpPr>
-        <p:spPr>
-          <a:xfrm>
-            <a:off x="9591676" y="2683208"/>
-            <a:ext cx="2116730" cy="819497"/>
-          </a:xfrm>
-          <a:prstGeom prst="round2DiagRect">
-            <a:avLst/>
-          </a:prstGeom>
-          <a:effectLst/>
-        </p:spPr>
-        <p:style>
-          <a:lnRef idx="2">
-            <a:schemeClr val="accent1">
-              <a:shade val="50000"/>
-            </a:schemeClr>
-          </a:lnRef>
-          <a:fillRef idx="1">
-            <a:schemeClr val="accent1"/>
-          </a:fillRef>
-          <a:effectRef idx="0">
-            <a:schemeClr val="accent1"/>
-          </a:effectRef>
-          <a:fontRef idx="minor">
-            <a:schemeClr val="lt1"/>
-          </a:fontRef>
-        </p:style>
-        <p:txBody>
-          <a:bodyPr rtlCol="0" anchor="ctr"/>
-          <a:lstStyle/>
-          <a:p>
-            <a:pPr algn="ctr"/>
-            <a:r>
-              <a:rPr lang="en-SG" dirty="0" smtClean="0"/>
-              <a:t>Settings page</a:t>
-            </a:r>
-            <a:endParaRPr lang="en-SG" dirty="0"/>
-          </a:p>
-        </p:txBody>
-      </p:sp>
-      <p:sp>
-        <p:nvSpPr>
-          <p:cNvPr id="27" name="Down Arrow 26"/>
-          <p:cNvSpPr/>
-          <p:nvPr/>
-        </p:nvSpPr>
-        <p:spPr>
-          <a:xfrm>
-            <a:off x="10361037" y="1480013"/>
-            <a:ext cx="350139" cy="364491"/>
-          </a:xfrm>
-          <a:prstGeom prst="downArrow">
-            <a:avLst/>
-          </a:prstGeom>
-          <a:solidFill>
-            <a:srgbClr val="FF0000"/>
-          </a:solidFill>
-          <a:effectLst/>
-        </p:spPr>
-        <p:style>
-          <a:lnRef idx="3">
-            <a:schemeClr val="lt1"/>
-          </a:lnRef>
-          <a:fillRef idx="1">
-            <a:schemeClr val="dk1"/>
-          </a:fillRef>
-          <a:effectRef idx="1">
-            <a:schemeClr val="dk1"/>
-          </a:effectRef>
-          <a:fontRef idx="minor">
-            <a:schemeClr val="lt1"/>
-          </a:fontRef>
-        </p:style>
-        <p:txBody>
-          <a:bodyPr vert="eaVert" rtlCol="0" anchor="ctr"/>
-          <a:lstStyle/>
-          <a:p>
-            <a:pPr algn="ctr"/>
-            <a:endParaRPr lang="en-SG" dirty="0"/>
-          </a:p>
-        </p:txBody>
-      </p:sp>
-      <p:sp>
-        <p:nvSpPr>
-          <p:cNvPr id="28" name="Down Arrow 27"/>
-          <p:cNvSpPr/>
-          <p:nvPr/>
-        </p:nvSpPr>
-        <p:spPr>
-          <a:xfrm>
-            <a:off x="10361037" y="2436355"/>
-            <a:ext cx="350139" cy="364491"/>
-          </a:xfrm>
-          <a:prstGeom prst="downArrow">
-            <a:avLst/>
-          </a:prstGeom>
-          <a:solidFill>
-            <a:srgbClr val="FF0000"/>
-          </a:solidFill>
-          <a:effectLst/>
-        </p:spPr>
-        <p:style>
-          <a:lnRef idx="3">
-            <a:schemeClr val="lt1"/>
-          </a:lnRef>
-          <a:fillRef idx="1">
-            <a:schemeClr val="dk1"/>
-          </a:fillRef>
-          <a:effectRef idx="1">
-            <a:schemeClr val="dk1"/>
-          </a:effectRef>
-          <a:fontRef idx="minor">
-            <a:schemeClr val="lt1"/>
-          </a:fontRef>
-        </p:style>
-        <p:txBody>
-          <a:bodyPr vert="eaVert" rtlCol="0" anchor="ctr"/>
-          <a:lstStyle/>
-          <a:p>
-            <a:pPr algn="ctr"/>
-            <a:endParaRPr lang="en-SG" dirty="0"/>
-          </a:p>
-        </p:txBody>
-      </p:sp>
-      <p:sp>
-        <p:nvSpPr>
           <p:cNvPr id="29" name="Up Arrow 28"/>
           <p:cNvSpPr/>
           <p:nvPr/>
         </p:nvSpPr>
         <p:spPr>
           <a:xfrm>
-            <a:off x="5316551" y="3608201"/>
-            <a:ext cx="535493" cy="1089306"/>
+            <a:off x="7310727" y="3548100"/>
+            <a:ext cx="535493" cy="1125835"/>
           </a:xfrm>
           <a:prstGeom prst="upArrow">
             <a:avLst/>
@@ -8110,133 +7751,6 @@
             <a:r>
               <a:rPr lang="en-SG" dirty="0" smtClean="0"/>
               <a:t>Write</a:t>
-            </a:r>
-            <a:endParaRPr lang="en-SG" dirty="0"/>
-          </a:p>
-        </p:txBody>
-      </p:sp>
-      <p:sp>
-        <p:nvSpPr>
-          <p:cNvPr id="30" name="Up Arrow 29"/>
-          <p:cNvSpPr/>
-          <p:nvPr/>
-        </p:nvSpPr>
-        <p:spPr>
-          <a:xfrm>
-            <a:off x="3136483" y="1394887"/>
-            <a:ext cx="535493" cy="1142523"/>
-          </a:xfrm>
-          <a:prstGeom prst="upArrow">
-            <a:avLst/>
-          </a:prstGeom>
-          <a:effectLst/>
-        </p:spPr>
-        <p:style>
-          <a:lnRef idx="3">
-            <a:schemeClr val="lt1"/>
-          </a:lnRef>
-          <a:fillRef idx="1">
-            <a:schemeClr val="accent3"/>
-          </a:fillRef>
-          <a:effectRef idx="1">
-            <a:schemeClr val="accent3"/>
-          </a:effectRef>
-          <a:fontRef idx="minor">
-            <a:schemeClr val="lt1"/>
-          </a:fontRef>
-        </p:style>
-        <p:txBody>
-          <a:bodyPr vert="eaVert" rtlCol="0" anchor="ctr"/>
-          <a:lstStyle/>
-          <a:p>
-            <a:pPr algn="ctr"/>
-            <a:r>
-              <a:rPr lang="en-SG" dirty="0" smtClean="0"/>
-              <a:t>Read</a:t>
-            </a:r>
-            <a:endParaRPr lang="en-SG" dirty="0"/>
-          </a:p>
-        </p:txBody>
-      </p:sp>
-      <p:sp>
-        <p:nvSpPr>
-          <p:cNvPr id="15" name="TextBox 14"/>
-          <p:cNvSpPr txBox="1"/>
-          <p:nvPr/>
-        </p:nvSpPr>
-        <p:spPr>
-          <a:xfrm>
-            <a:off x="3601862" y="3897586"/>
-            <a:ext cx="1223348" cy="646331"/>
-          </a:xfrm>
-          <a:prstGeom prst="rect">
-            <a:avLst/>
-          </a:prstGeom>
-          <a:noFill/>
-          <a:effectLst/>
-        </p:spPr>
-        <p:txBody>
-          <a:bodyPr wrap="none" rtlCol="0">
-            <a:spAutoFit/>
-          </a:bodyPr>
-          <a:lstStyle/>
-          <a:p>
-            <a:r>
-              <a:rPr lang="en-SG" dirty="0" smtClean="0"/>
-              <a:t>E.g</a:t>
-            </a:r>
-            <a:r>
-              <a:rPr lang="en-SG" dirty="0"/>
-              <a:t>.</a:t>
-            </a:r>
-            <a:endParaRPr lang="en-SG" dirty="0" smtClean="0"/>
-          </a:p>
-          <a:p>
-            <a:r>
-              <a:rPr lang="en-SG" dirty="0" smtClean="0"/>
-              <a:t>Every 5min</a:t>
-            </a:r>
-            <a:endParaRPr lang="en-SG" dirty="0"/>
-          </a:p>
-        </p:txBody>
-      </p:sp>
-      <p:sp>
-        <p:nvSpPr>
-          <p:cNvPr id="31" name="TextBox 30"/>
-          <p:cNvSpPr txBox="1"/>
-          <p:nvPr/>
-        </p:nvSpPr>
-        <p:spPr>
-          <a:xfrm>
-            <a:off x="5846731" y="3896855"/>
-            <a:ext cx="954044" cy="646331"/>
-          </a:xfrm>
-          <a:prstGeom prst="rect">
-            <a:avLst/>
-          </a:prstGeom>
-          <a:noFill/>
-          <a:effectLst/>
-        </p:spPr>
-        <p:txBody>
-          <a:bodyPr wrap="none" rtlCol="0">
-            <a:spAutoFit/>
-          </a:bodyPr>
-          <a:lstStyle/>
-          <a:p>
-            <a:r>
-              <a:rPr lang="en-SG" dirty="0" smtClean="0"/>
-              <a:t>E.g</a:t>
-            </a:r>
-            <a:r>
-              <a:rPr lang="en-SG" dirty="0"/>
-              <a:t>.</a:t>
-            </a:r>
-            <a:endParaRPr lang="en-SG" dirty="0" smtClean="0"/>
-          </a:p>
-          <a:p>
-            <a:r>
-              <a:rPr lang="en-SG" dirty="0" smtClean="0"/>
-              <a:t>Every 5s</a:t>
             </a:r>
             <a:endParaRPr lang="en-SG" dirty="0"/>
           </a:p>
@@ -8292,14 +7806,14 @@
       </p:sp>
       <p:sp>
         <p:nvSpPr>
-          <p:cNvPr id="20" name="Up-Down Arrow 19"/>
+          <p:cNvPr id="33" name="Up-Down Arrow 32"/>
           <p:cNvSpPr/>
           <p:nvPr/>
         </p:nvSpPr>
         <p:spPr>
           <a:xfrm rot="16200000">
-            <a:off x="628651" y="4343737"/>
-            <a:ext cx="1078450" cy="1664830"/>
+            <a:off x="1332458" y="84962"/>
+            <a:ext cx="755846" cy="2186934"/>
           </a:xfrm>
           <a:prstGeom prst="upDownArrow">
             <a:avLst/>
@@ -8336,16 +7850,273 @@
           </a:p>
         </p:txBody>
       </p:sp>
-      <p:sp>
-        <p:nvSpPr>
-          <p:cNvPr id="33" name="Up-Down Arrow 32"/>
+      <p:grpSp>
+        <p:nvGrpSpPr>
+          <p:cNvPr id="22" name="Group 21"/>
+          <p:cNvGrpSpPr/>
+          <p:nvPr/>
+        </p:nvGrpSpPr>
+        <p:grpSpPr>
+          <a:xfrm>
+            <a:off x="3966895" y="2392686"/>
+            <a:ext cx="2137208" cy="1292512"/>
+            <a:chOff x="2316748" y="2449759"/>
+            <a:chExt cx="2137208" cy="1292512"/>
+          </a:xfrm>
+        </p:grpSpPr>
+        <p:sp>
+          <p:nvSpPr>
+            <p:cNvPr id="8" name="Snip Single Corner Rectangle 7"/>
+            <p:cNvSpPr/>
+            <p:nvPr/>
+          </p:nvSpPr>
+          <p:spPr>
+            <a:xfrm>
+              <a:off x="2316748" y="2449759"/>
+              <a:ext cx="2017121" cy="1183193"/>
+            </a:xfrm>
+            <a:prstGeom prst="snip1Rect">
+              <a:avLst/>
+            </a:prstGeom>
+            <a:effectLst/>
+          </p:spPr>
+          <p:style>
+            <a:lnRef idx="2">
+              <a:schemeClr val="accent6">
+                <a:shade val="50000"/>
+              </a:schemeClr>
+            </a:lnRef>
+            <a:fillRef idx="1">
+              <a:schemeClr val="accent6"/>
+            </a:fillRef>
+            <a:effectRef idx="0">
+              <a:schemeClr val="accent6"/>
+            </a:effectRef>
+            <a:fontRef idx="minor">
+              <a:schemeClr val="lt1"/>
+            </a:fontRef>
+          </p:style>
+          <p:txBody>
+            <a:bodyPr rtlCol="0" anchor="ctr"/>
+            <a:lstStyle/>
+            <a:p>
+              <a:pPr algn="ctr"/>
+              <a:r>
+                <a:rPr lang="en-SG" dirty="0" smtClean="0"/>
+                <a:t>Holding Zone</a:t>
+              </a:r>
+            </a:p>
+            <a:p>
+              <a:pPr algn="ctr"/>
+              <a:r>
+                <a:rPr lang="en-SG" dirty="0" smtClean="0"/>
+                <a:t>[historical data]</a:t>
+              </a:r>
+              <a:endParaRPr lang="en-SG" dirty="0"/>
+            </a:p>
+          </p:txBody>
+        </p:sp>
+        <p:sp>
+          <p:nvSpPr>
+            <p:cNvPr id="34" name="Snip Single Corner Rectangle 33"/>
+            <p:cNvSpPr/>
+            <p:nvPr/>
+          </p:nvSpPr>
+          <p:spPr>
+            <a:xfrm>
+              <a:off x="2373624" y="2495755"/>
+              <a:ext cx="2017121" cy="1183193"/>
+            </a:xfrm>
+            <a:prstGeom prst="snip1Rect">
+              <a:avLst/>
+            </a:prstGeom>
+            <a:effectLst/>
+          </p:spPr>
+          <p:style>
+            <a:lnRef idx="2">
+              <a:schemeClr val="accent6">
+                <a:shade val="50000"/>
+              </a:schemeClr>
+            </a:lnRef>
+            <a:fillRef idx="1">
+              <a:schemeClr val="accent6"/>
+            </a:fillRef>
+            <a:effectRef idx="0">
+              <a:schemeClr val="accent6"/>
+            </a:effectRef>
+            <a:fontRef idx="minor">
+              <a:schemeClr val="lt1"/>
+            </a:fontRef>
+          </p:style>
+          <p:txBody>
+            <a:bodyPr rtlCol="0" anchor="ctr"/>
+            <a:lstStyle/>
+            <a:p>
+              <a:pPr algn="ctr"/>
+              <a:r>
+                <a:rPr lang="en-SG" dirty="0" smtClean="0"/>
+                <a:t>Holding Zone</a:t>
+              </a:r>
+            </a:p>
+            <a:p>
+              <a:pPr algn="ctr"/>
+              <a:r>
+                <a:rPr lang="en-SG" dirty="0" smtClean="0"/>
+                <a:t>[historical data]</a:t>
+              </a:r>
+              <a:endParaRPr lang="en-SG" dirty="0"/>
+            </a:p>
+          </p:txBody>
+        </p:sp>
+        <p:sp>
+          <p:nvSpPr>
+            <p:cNvPr id="35" name="Snip Single Corner Rectangle 34"/>
+            <p:cNvSpPr/>
+            <p:nvPr/>
+          </p:nvSpPr>
+          <p:spPr>
+            <a:xfrm>
+              <a:off x="2436835" y="2559078"/>
+              <a:ext cx="2017121" cy="1183193"/>
+            </a:xfrm>
+            <a:prstGeom prst="snip1Rect">
+              <a:avLst/>
+            </a:prstGeom>
+            <a:effectLst/>
+          </p:spPr>
+          <p:style>
+            <a:lnRef idx="2">
+              <a:schemeClr val="accent6">
+                <a:shade val="50000"/>
+              </a:schemeClr>
+            </a:lnRef>
+            <a:fillRef idx="1">
+              <a:schemeClr val="accent6"/>
+            </a:fillRef>
+            <a:effectRef idx="0">
+              <a:schemeClr val="accent6"/>
+            </a:effectRef>
+            <a:fontRef idx="minor">
+              <a:schemeClr val="lt1"/>
+            </a:fontRef>
+          </p:style>
+          <p:txBody>
+            <a:bodyPr rtlCol="0" anchor="ctr"/>
+            <a:lstStyle/>
+            <a:p>
+              <a:pPr algn="ctr"/>
+              <a:r>
+                <a:rPr lang="en-SG" dirty="0" smtClean="0"/>
+                <a:t>Holding Zone</a:t>
+              </a:r>
+            </a:p>
+            <a:p>
+              <a:pPr algn="ctr"/>
+              <a:r>
+                <a:rPr lang="en-SG" dirty="0" smtClean="0"/>
+                <a:t>[historical data]</a:t>
+              </a:r>
+              <a:endParaRPr lang="en-SG" dirty="0"/>
+            </a:p>
+          </p:txBody>
+        </p:sp>
+      </p:grpSp>
+      <p:sp>
+        <p:nvSpPr>
+          <p:cNvPr id="30" name="Up Arrow 29"/>
           <p:cNvSpPr/>
           <p:nvPr/>
         </p:nvSpPr>
         <p:spPr>
+          <a:xfrm>
+            <a:off x="4712444" y="1394914"/>
+            <a:ext cx="535493" cy="1142523"/>
+          </a:xfrm>
+          <a:prstGeom prst="upArrow">
+            <a:avLst/>
+          </a:prstGeom>
+          <a:effectLst/>
+        </p:spPr>
+        <p:style>
+          <a:lnRef idx="3">
+            <a:schemeClr val="lt1"/>
+          </a:lnRef>
+          <a:fillRef idx="1">
+            <a:schemeClr val="accent3"/>
+          </a:fillRef>
+          <a:effectRef idx="1">
+            <a:schemeClr val="accent3"/>
+          </a:effectRef>
+          <a:fontRef idx="minor">
+            <a:schemeClr val="lt1"/>
+          </a:fontRef>
+        </p:style>
+        <p:txBody>
+          <a:bodyPr vert="eaVert" rtlCol="0" anchor="ctr"/>
+          <a:lstStyle/>
+          <a:p>
+            <a:pPr algn="ctr"/>
+            <a:r>
+              <a:rPr lang="en-SG" dirty="0" smtClean="0"/>
+              <a:t>Read</a:t>
+            </a:r>
+            <a:endParaRPr lang="en-SG" dirty="0"/>
+          </a:p>
+        </p:txBody>
+      </p:sp>
+      <p:sp>
+        <p:nvSpPr>
+          <p:cNvPr id="14" name="Up Arrow 13"/>
+          <p:cNvSpPr/>
+          <p:nvPr/>
+        </p:nvSpPr>
+        <p:spPr>
+          <a:xfrm>
+            <a:off x="4744362" y="3586150"/>
+            <a:ext cx="575938" cy="1125835"/>
+          </a:xfrm>
+          <a:prstGeom prst="upArrow">
+            <a:avLst/>
+          </a:prstGeom>
+          <a:effectLst/>
+        </p:spPr>
+        <p:style>
+          <a:lnRef idx="3">
+            <a:schemeClr val="lt1"/>
+          </a:lnRef>
+          <a:fillRef idx="1">
+            <a:schemeClr val="accent3"/>
+          </a:fillRef>
+          <a:effectRef idx="1">
+            <a:schemeClr val="accent3"/>
+          </a:effectRef>
+          <a:fontRef idx="minor">
+            <a:schemeClr val="lt1"/>
+          </a:fontRef>
+        </p:style>
+        <p:txBody>
+          <a:bodyPr vert="eaVert" rtlCol="0" anchor="ctr"/>
+          <a:lstStyle/>
+          <a:p>
+            <a:pPr algn="ctr"/>
+            <a:r>
+              <a:rPr lang="en-SG" dirty="0" smtClean="0"/>
+              <a:t>Write</a:t>
+            </a:r>
+            <a:endParaRPr lang="en-SG" dirty="0"/>
+          </a:p>
+        </p:txBody>
+      </p:sp>
+      <p:sp>
+        <p:nvSpPr>
+          <p:cNvPr id="39" name="Up-Down Arrow 38"/>
+          <p:cNvSpPr/>
+          <p:nvPr/>
+        </p:nvSpPr>
+        <p:spPr>
           <a:xfrm rot="16200000">
-            <a:off x="645175" y="199556"/>
-            <a:ext cx="1078450" cy="1664830"/>
+            <a:off x="1332458" y="3980549"/>
+            <a:ext cx="755846" cy="2186934"/>
           </a:xfrm>
           <a:prstGeom prst="upDownArrow">
             <a:avLst/>
@@ -11082,11 +10853,7 @@
             <a:pPr algn="ctr"/>
             <a:r>
               <a:rPr lang="en-SG" dirty="0" smtClean="0"/>
-              <a:t>List of IOT </a:t>
-            </a:r>
-            <a:r>
-              <a:rPr lang="en-SG" dirty="0" smtClean="0"/>
-              <a:t>devices with create option</a:t>
+              <a:t>List of IOT devices with create option</a:t>
             </a:r>
             <a:endParaRPr lang="en-SG" dirty="0"/>
           </a:p>

--- a/Documentations/structure_diagrams.pptx
+++ b/Documentations/structure_diagrams.pptx
@@ -1362,7 +1362,7 @@
   <dgm:whole/>
   <dgm:extLst>
     <a:ext uri="http://schemas.microsoft.com/office/drawing/2008/diagram">
-      <dsp:dataModelExt xmlns:dsp="http://schemas.microsoft.com/office/drawing/2008/diagram" relId="rId6" minVer="http://schemas.openxmlformats.org/drawingml/2006/diagram"/>
+      <dsp:dataModelExt xmlns:dsp="http://schemas.microsoft.com/office/drawing/2008/diagram" relId="rId8" minVer="http://schemas.openxmlformats.org/drawingml/2006/diagram"/>
     </a:ext>
   </dgm:extLst>
 </dgm:dataModel>
@@ -3031,7 +3031,7 @@
           <a:p>
             <a:fld id="{BD9E72BA-B64C-481F-93A8-E4D26CDED7CB}" type="datetimeFigureOut">
               <a:rPr lang="en-SG" smtClean="0"/>
-              <a:t>17/1/2019</a:t>
+              <a:t>21/1/2019</a:t>
             </a:fld>
             <a:endParaRPr lang="en-SG"/>
           </a:p>
@@ -3514,7 +3514,7 @@
           <a:p>
             <a:fld id="{E6B29F7E-10B4-4321-AA2C-B0E4C26EEF29}" type="datetimeFigureOut">
               <a:rPr lang="en-SG" smtClean="0"/>
-              <a:t>17/1/2019</a:t>
+              <a:t>21/1/2019</a:t>
             </a:fld>
             <a:endParaRPr lang="en-SG"/>
           </a:p>
@@ -3684,7 +3684,7 @@
           <a:p>
             <a:fld id="{E6B29F7E-10B4-4321-AA2C-B0E4C26EEF29}" type="datetimeFigureOut">
               <a:rPr lang="en-SG" smtClean="0"/>
-              <a:t>17/1/2019</a:t>
+              <a:t>21/1/2019</a:t>
             </a:fld>
             <a:endParaRPr lang="en-SG"/>
           </a:p>
@@ -3864,7 +3864,7 @@
           <a:p>
             <a:fld id="{E6B29F7E-10B4-4321-AA2C-B0E4C26EEF29}" type="datetimeFigureOut">
               <a:rPr lang="en-SG" smtClean="0"/>
-              <a:t>17/1/2019</a:t>
+              <a:t>21/1/2019</a:t>
             </a:fld>
             <a:endParaRPr lang="en-SG"/>
           </a:p>
@@ -4034,7 +4034,7 @@
           <a:p>
             <a:fld id="{E6B29F7E-10B4-4321-AA2C-B0E4C26EEF29}" type="datetimeFigureOut">
               <a:rPr lang="en-SG" smtClean="0"/>
-              <a:t>17/1/2019</a:t>
+              <a:t>21/1/2019</a:t>
             </a:fld>
             <a:endParaRPr lang="en-SG"/>
           </a:p>
@@ -4280,7 +4280,7 @@
           <a:p>
             <a:fld id="{E6B29F7E-10B4-4321-AA2C-B0E4C26EEF29}" type="datetimeFigureOut">
               <a:rPr lang="en-SG" smtClean="0"/>
-              <a:t>17/1/2019</a:t>
+              <a:t>21/1/2019</a:t>
             </a:fld>
             <a:endParaRPr lang="en-SG"/>
           </a:p>
@@ -4512,7 +4512,7 @@
           <a:p>
             <a:fld id="{E6B29F7E-10B4-4321-AA2C-B0E4C26EEF29}" type="datetimeFigureOut">
               <a:rPr lang="en-SG" smtClean="0"/>
-              <a:t>17/1/2019</a:t>
+              <a:t>21/1/2019</a:t>
             </a:fld>
             <a:endParaRPr lang="en-SG"/>
           </a:p>
@@ -4879,7 +4879,7 @@
           <a:p>
             <a:fld id="{E6B29F7E-10B4-4321-AA2C-B0E4C26EEF29}" type="datetimeFigureOut">
               <a:rPr lang="en-SG" smtClean="0"/>
-              <a:t>17/1/2019</a:t>
+              <a:t>21/1/2019</a:t>
             </a:fld>
             <a:endParaRPr lang="en-SG"/>
           </a:p>
@@ -4997,7 +4997,7 @@
           <a:p>
             <a:fld id="{E6B29F7E-10B4-4321-AA2C-B0E4C26EEF29}" type="datetimeFigureOut">
               <a:rPr lang="en-SG" smtClean="0"/>
-              <a:t>17/1/2019</a:t>
+              <a:t>21/1/2019</a:t>
             </a:fld>
             <a:endParaRPr lang="en-SG"/>
           </a:p>
@@ -5092,7 +5092,7 @@
           <a:p>
             <a:fld id="{E6B29F7E-10B4-4321-AA2C-B0E4C26EEF29}" type="datetimeFigureOut">
               <a:rPr lang="en-SG" smtClean="0"/>
-              <a:t>17/1/2019</a:t>
+              <a:t>21/1/2019</a:t>
             </a:fld>
             <a:endParaRPr lang="en-SG"/>
           </a:p>
@@ -5369,7 +5369,7 @@
           <a:p>
             <a:fld id="{E6B29F7E-10B4-4321-AA2C-B0E4C26EEF29}" type="datetimeFigureOut">
               <a:rPr lang="en-SG" smtClean="0"/>
-              <a:t>17/1/2019</a:t>
+              <a:t>21/1/2019</a:t>
             </a:fld>
             <a:endParaRPr lang="en-SG"/>
           </a:p>
@@ -5622,7 +5622,7 @@
           <a:p>
             <a:fld id="{E6B29F7E-10B4-4321-AA2C-B0E4C26EEF29}" type="datetimeFigureOut">
               <a:rPr lang="en-SG" smtClean="0"/>
-              <a:t>17/1/2019</a:t>
+              <a:t>21/1/2019</a:t>
             </a:fld>
             <a:endParaRPr lang="en-SG"/>
           </a:p>
@@ -5835,7 +5835,7 @@
           <a:p>
             <a:fld id="{E6B29F7E-10B4-4321-AA2C-B0E4C26EEF29}" type="datetimeFigureOut">
               <a:rPr lang="en-SG" smtClean="0"/>
-              <a:t>17/1/2019</a:t>
+              <a:t>21/1/2019</a:t>
             </a:fld>
             <a:endParaRPr lang="en-SG"/>
           </a:p>
@@ -6242,14 +6242,16 @@
       </p:grpSpPr>
       <p:sp>
         <p:nvSpPr>
-          <p:cNvPr id="2" name="Round Diagonal Corner Rectangle 1"/>
+          <p:cNvPr id="2" name="Round Diagonal Corner Rectangle 1">
+            <a:hlinkClick r:id="rId2" action="ppaction://hlinksldjump"/>
+          </p:cNvPr>
           <p:cNvSpPr/>
           <p:nvPr/>
         </p:nvSpPr>
         <p:spPr>
           <a:xfrm>
             <a:off x="208367" y="5169877"/>
-            <a:ext cx="1847546" cy="1042263"/>
+            <a:ext cx="2171602" cy="1042263"/>
           </a:xfrm>
           <a:prstGeom prst="round2DiagRect">
             <a:avLst/>
@@ -6281,16 +6283,9 @@
             <a:pPr algn="ctr"/>
             <a:r>
               <a:rPr lang="en-SG" dirty="0" err="1" smtClean="0"/>
-              <a:t>SmartBackpack</a:t>
+              <a:t>SmartBackpackIOT</a:t>
             </a:r>
             <a:endParaRPr lang="en-SG" dirty="0" smtClean="0"/>
-          </a:p>
-          <a:p>
-            <a:pPr algn="ctr"/>
-            <a:r>
-              <a:rPr lang="en-SG" dirty="0" smtClean="0"/>
-              <a:t>IOT</a:t>
-            </a:r>
           </a:p>
           <a:p>
             <a:pPr algn="ctr"/>
@@ -6304,14 +6299,16 @@
       </p:sp>
       <p:sp>
         <p:nvSpPr>
-          <p:cNvPr id="3" name="Rectangle 2"/>
+          <p:cNvPr id="3" name="Rectangle 2">
+            <a:hlinkClick r:id="rId3" action="ppaction://hlinksldjump"/>
+          </p:cNvPr>
           <p:cNvSpPr/>
           <p:nvPr/>
         </p:nvSpPr>
         <p:spPr>
           <a:xfrm>
             <a:off x="208367" y="633046"/>
-            <a:ext cx="1847546" cy="2769577"/>
+            <a:ext cx="2171602" cy="2769577"/>
           </a:xfrm>
           <a:prstGeom prst="rect">
             <a:avLst/>
@@ -6332,7 +6329,7 @@
           </a:fontRef>
         </p:style>
         <p:txBody>
-          <a:bodyPr rtlCol="0" anchor="ctr"/>
+          <a:bodyPr rtlCol="0" anchor="t"/>
           <a:lstStyle/>
           <a:p>
             <a:pPr algn="ctr"/>
@@ -6360,8 +6357,8 @@
         </p:nvSpPr>
         <p:spPr>
           <a:xfrm>
-            <a:off x="3196352" y="174842"/>
-            <a:ext cx="8813939" cy="6498520"/>
+            <a:off x="4348264" y="174842"/>
+            <a:ext cx="7662027" cy="6498520"/>
           </a:xfrm>
           <a:prstGeom prst="rect">
             <a:avLst/>
@@ -6407,8 +6404,8 @@
         </p:nvSpPr>
         <p:spPr>
           <a:xfrm>
-            <a:off x="7355644" y="2498019"/>
-            <a:ext cx="771074" cy="3714121"/>
+            <a:off x="9411156" y="2474139"/>
+            <a:ext cx="773703" cy="3714121"/>
           </a:xfrm>
           <a:prstGeom prst="rect">
             <a:avLst/>
@@ -6460,7 +6457,7 @@
         </p:nvSpPr>
         <p:spPr>
           <a:xfrm>
-            <a:off x="9991318" y="4248692"/>
+            <a:off x="10013068" y="4188153"/>
             <a:ext cx="1573668" cy="1963448"/>
           </a:xfrm>
           <a:prstGeom prst="can">
@@ -6472,98 +6469,25 @@
             <a:schemeClr val="lt1"/>
           </a:lnRef>
           <a:fillRef idx="1">
-            <a:schemeClr val="accent6"/>
+            <a:schemeClr val="dk1"/>
           </a:fillRef>
           <a:effectRef idx="1">
-            <a:schemeClr val="accent6"/>
+            <a:schemeClr val="dk1"/>
           </a:effectRef>
           <a:fontRef idx="minor">
             <a:schemeClr val="lt1"/>
           </a:fontRef>
         </p:style>
         <p:txBody>
-          <a:bodyPr rtlCol="0" anchor="ctr"/>
+          <a:bodyPr rtlCol="0" anchor="b"/>
           <a:lstStyle/>
           <a:p>
             <a:pPr algn="ctr"/>
             <a:r>
               <a:rPr lang="en-SG" dirty="0" smtClean="0"/>
-              <a:t>SAP HANA </a:t>
-            </a:r>
-          </a:p>
-          <a:p>
-            <a:pPr algn="ctr"/>
-            <a:r>
-              <a:rPr lang="en-SG" dirty="0" smtClean="0"/>
-              <a:t>DB</a:t>
-            </a:r>
-          </a:p>
-        </p:txBody>
-      </p:sp>
-      <p:sp>
-        <p:nvSpPr>
-          <p:cNvPr id="7" name="Rectangle 6"/>
-          <p:cNvSpPr/>
-          <p:nvPr/>
-        </p:nvSpPr>
-        <p:spPr>
-          <a:xfrm>
-            <a:off x="3733778" y="4248692"/>
-            <a:ext cx="1757264" cy="1963448"/>
-          </a:xfrm>
-          <a:prstGeom prst="rect">
-            <a:avLst/>
-          </a:prstGeom>
-          <a:solidFill>
-            <a:schemeClr val="accent5"/>
-          </a:solidFill>
-        </p:spPr>
-        <p:style>
-          <a:lnRef idx="3">
-            <a:schemeClr val="lt1"/>
-          </a:lnRef>
-          <a:fillRef idx="1">
-            <a:schemeClr val="accent6"/>
-          </a:fillRef>
-          <a:effectRef idx="1">
-            <a:schemeClr val="accent6"/>
-          </a:effectRef>
-          <a:fontRef idx="minor">
-            <a:schemeClr val="lt1"/>
-          </a:fontRef>
-        </p:style>
-        <p:txBody>
-          <a:bodyPr rtlCol="0" anchor="ctr"/>
-          <a:lstStyle/>
-          <a:p>
-            <a:pPr algn="ctr"/>
-            <a:r>
-              <a:rPr lang="en-SG" dirty="0" err="1"/>
-              <a:t>SmartBackpack</a:t>
-            </a:r>
-            <a:endParaRPr lang="en-SG" dirty="0"/>
-          </a:p>
-          <a:p>
-            <a:pPr algn="ctr"/>
-            <a:r>
-              <a:rPr lang="en-SG" dirty="0" smtClean="0"/>
-              <a:t>SAPUI5</a:t>
-            </a:r>
-          </a:p>
-          <a:p>
-            <a:pPr algn="ctr"/>
-            <a:r>
-              <a:rPr lang="en-SG" dirty="0" err="1" smtClean="0"/>
-              <a:t>Webapp</a:t>
+              <a:t>Database</a:t>
             </a:r>
             <a:endParaRPr lang="en-SG" dirty="0" smtClean="0"/>
-          </a:p>
-          <a:p>
-            <a:pPr algn="ctr"/>
-            <a:r>
-              <a:rPr lang="en-SG" dirty="0" smtClean="0"/>
-              <a:t>Dashboard</a:t>
-            </a:r>
           </a:p>
         </p:txBody>
       </p:sp>
@@ -6575,7 +6499,7 @@
         </p:nvSpPr>
         <p:spPr>
           <a:xfrm>
-            <a:off x="757064" y="3560695"/>
+            <a:off x="903983" y="3562204"/>
             <a:ext cx="770709" cy="1506057"/>
           </a:xfrm>
           <a:prstGeom prst="upDownArrow">
@@ -6619,8 +6543,8 @@
         </p:nvSpPr>
         <p:spPr>
           <a:xfrm>
-            <a:off x="2129785" y="2498020"/>
-            <a:ext cx="5050916" cy="757646"/>
+            <a:off x="3337303" y="2498020"/>
+            <a:ext cx="5859383" cy="757646"/>
           </a:xfrm>
           <a:prstGeom prst="leftRightArrow">
             <a:avLst/>
@@ -6660,16 +6584,16 @@
       </p:sp>
       <p:sp>
         <p:nvSpPr>
-          <p:cNvPr id="10" name="Left-Right Arrow 9"/>
+          <p:cNvPr id="12" name="Right Arrow 11"/>
           <p:cNvSpPr/>
           <p:nvPr/>
         </p:nvSpPr>
         <p:spPr>
-          <a:xfrm>
-            <a:off x="8338290" y="4817431"/>
-            <a:ext cx="1441456" cy="757646"/>
-          </a:xfrm>
-          <a:prstGeom prst="leftRightArrow">
+          <a:xfrm rot="16200000">
+            <a:off x="9824842" y="2685389"/>
+            <a:ext cx="1906621" cy="757646"/>
+          </a:xfrm>
+          <a:prstGeom prst="rightArrow">
             <a:avLst/>
           </a:prstGeom>
         </p:spPr>
@@ -6694,22 +6618,88 @@
           <a:lstStyle/>
           <a:p>
             <a:pPr algn="ctr"/>
-            <a:endParaRPr lang="en-SG"/>
-          </a:p>
-        </p:txBody>
-      </p:sp>
-      <p:sp>
-        <p:nvSpPr>
-          <p:cNvPr id="12" name="Right Arrow 11"/>
+            <a:r>
+              <a:rPr lang="en-SG" dirty="0" smtClean="0"/>
+              <a:t> Training</a:t>
+            </a:r>
+            <a:endParaRPr lang="en-SG" dirty="0"/>
+          </a:p>
+        </p:txBody>
+      </p:sp>
+      <p:sp>
+        <p:nvSpPr>
+          <p:cNvPr id="13" name="Rectangle 12">
+            <a:hlinkClick r:id="rId4" action="ppaction://hlinksldjump"/>
+          </p:cNvPr>
           <p:cNvSpPr/>
           <p:nvPr/>
         </p:nvSpPr>
         <p:spPr>
-          <a:xfrm rot="16200000">
-            <a:off x="9754599" y="2662566"/>
-            <a:ext cx="2047107" cy="757646"/>
-          </a:xfrm>
-          <a:prstGeom prst="rightArrow">
+          <a:xfrm>
+            <a:off x="9411156" y="657224"/>
+            <a:ext cx="2153830" cy="1176861"/>
+          </a:xfrm>
+          <a:prstGeom prst="rect">
+            <a:avLst/>
+          </a:prstGeom>
+          <a:solidFill>
+            <a:schemeClr val="accent5"/>
+          </a:solidFill>
+        </p:spPr>
+        <p:style>
+          <a:lnRef idx="3">
+            <a:schemeClr val="lt1"/>
+          </a:lnRef>
+          <a:fillRef idx="1">
+            <a:schemeClr val="accent6"/>
+          </a:fillRef>
+          <a:effectRef idx="1">
+            <a:schemeClr val="accent6"/>
+          </a:effectRef>
+          <a:fontRef idx="minor">
+            <a:schemeClr val="lt1"/>
+          </a:fontRef>
+        </p:style>
+        <p:txBody>
+          <a:bodyPr rtlCol="0" anchor="ctr"/>
+          <a:lstStyle/>
+          <a:p>
+            <a:pPr algn="ctr"/>
+            <a:r>
+              <a:rPr lang="en-SG" dirty="0"/>
+              <a:t>Machine</a:t>
+            </a:r>
+            <a:r>
+              <a:rPr lang="en-SG" dirty="0" smtClean="0"/>
+              <a:t> </a:t>
+            </a:r>
+            <a:r>
+              <a:rPr lang="en-SG" dirty="0" smtClean="0"/>
+              <a:t>Learning</a:t>
+            </a:r>
+          </a:p>
+          <a:p>
+            <a:pPr algn="ctr"/>
+            <a:r>
+              <a:rPr lang="en-SG" dirty="0" smtClean="0"/>
+              <a:t>Model</a:t>
+            </a:r>
+            <a:endParaRPr lang="en-SG" dirty="0" smtClean="0"/>
+          </a:p>
+        </p:txBody>
+      </p:sp>
+      <p:sp>
+        <p:nvSpPr>
+          <p:cNvPr id="14" name="Left Arrow 13"/>
+          <p:cNvSpPr/>
+          <p:nvPr/>
+        </p:nvSpPr>
+        <p:spPr>
+          <a:xfrm>
+            <a:off x="3334612" y="657224"/>
+            <a:ext cx="5840324" cy="757646"/>
+          </a:xfrm>
+          <a:prstGeom prst="leftArrow">
             <a:avLst/>
           </a:prstGeom>
         </p:spPr>
@@ -6736,7 +6726,7 @@
             <a:pPr algn="ctr"/>
             <a:r>
               <a:rPr lang="en-SG" dirty="0" smtClean="0"/>
-              <a:t> User Data</a:t>
+              <a:t>Predictive Analytic </a:t>
             </a:r>
             <a:endParaRPr lang="en-SG" dirty="0"/>
           </a:p>
@@ -6744,60 +6734,16 @@
       </p:sp>
       <p:sp>
         <p:nvSpPr>
-          <p:cNvPr id="13" name="Rectangle 12"/>
+          <p:cNvPr id="15" name="Left-Right Arrow 14"/>
           <p:cNvSpPr/>
           <p:nvPr/>
         </p:nvSpPr>
         <p:spPr>
           <a:xfrm>
-            <a:off x="9991318" y="657224"/>
-            <a:ext cx="1573668" cy="1176861"/>
-          </a:xfrm>
-          <a:prstGeom prst="rect">
-            <a:avLst/>
-          </a:prstGeom>
-          <a:solidFill>
-            <a:schemeClr val="accent5"/>
-          </a:solidFill>
-        </p:spPr>
-        <p:style>
-          <a:lnRef idx="3">
-            <a:schemeClr val="lt1"/>
-          </a:lnRef>
-          <a:fillRef idx="1">
-            <a:schemeClr val="accent6"/>
-          </a:fillRef>
-          <a:effectRef idx="1">
-            <a:schemeClr val="accent6"/>
-          </a:effectRef>
-          <a:fontRef idx="minor">
-            <a:schemeClr val="lt1"/>
-          </a:fontRef>
-        </p:style>
-        <p:txBody>
-          <a:bodyPr rtlCol="0" anchor="ctr"/>
-          <a:lstStyle/>
-          <a:p>
-            <a:pPr algn="ctr"/>
-            <a:r>
-              <a:rPr lang="en-SG" dirty="0" smtClean="0"/>
-              <a:t>ML</a:t>
-            </a:r>
-          </a:p>
-        </p:txBody>
-      </p:sp>
-      <p:sp>
-        <p:nvSpPr>
-          <p:cNvPr id="14" name="Left Arrow 13"/>
-          <p:cNvSpPr/>
-          <p:nvPr/>
-        </p:nvSpPr>
-        <p:spPr>
-          <a:xfrm>
-            <a:off x="2129785" y="657224"/>
-            <a:ext cx="7670726" cy="757646"/>
-          </a:xfrm>
-          <a:prstGeom prst="leftArrow">
+            <a:off x="7723762" y="4791054"/>
+            <a:ext cx="1472923" cy="757646"/>
+          </a:xfrm>
+          <a:prstGeom prst="leftRightArrow">
             <a:avLst/>
           </a:prstGeom>
         </p:spPr>
@@ -6823,8 +6769,8 @@
           <a:p>
             <a:pPr algn="ctr"/>
             <a:r>
-              <a:rPr lang="en-SG" dirty="0" smtClean="0"/>
-              <a:t>Predictive Analytic </a:t>
+              <a:rPr lang="en-SG" dirty="0" err="1" smtClean="0"/>
+              <a:t>odata</a:t>
             </a:r>
             <a:endParaRPr lang="en-SG" dirty="0"/>
           </a:p>
@@ -6832,30 +6778,28 @@
       </p:sp>
       <p:sp>
         <p:nvSpPr>
-          <p:cNvPr id="15" name="Left-Right Arrow 14"/>
+          <p:cNvPr id="17" name="Rectangle 16"/>
           <p:cNvSpPr/>
           <p:nvPr/>
         </p:nvSpPr>
         <p:spPr>
           <a:xfrm>
-            <a:off x="5702615" y="4791054"/>
-            <a:ext cx="1441456" cy="757646"/>
-          </a:xfrm>
-          <a:prstGeom prst="leftRightArrow">
+            <a:off x="326899" y="1692613"/>
+            <a:ext cx="1881280" cy="1563053"/>
+          </a:xfrm>
+          <a:prstGeom prst="rect">
             <a:avLst/>
           </a:prstGeom>
         </p:spPr>
         <p:style>
-          <a:lnRef idx="2">
-            <a:schemeClr val="accent4">
-              <a:shade val="50000"/>
-            </a:schemeClr>
+          <a:lnRef idx="3">
+            <a:schemeClr val="lt1"/>
           </a:lnRef>
           <a:fillRef idx="1">
-            <a:schemeClr val="accent4"/>
+            <a:schemeClr val="accent1"/>
           </a:fillRef>
-          <a:effectRef idx="0">
-            <a:schemeClr val="accent4"/>
+          <a:effectRef idx="1">
+            <a:schemeClr val="accent1"/>
           </a:effectRef>
           <a:fontRef idx="minor">
             <a:schemeClr val="lt1"/>
@@ -6867,40 +6811,137 @@
           <a:p>
             <a:pPr algn="ctr"/>
             <a:r>
-              <a:rPr lang="en-SG" dirty="0" err="1" smtClean="0"/>
-              <a:t>odata</a:t>
+              <a:rPr lang="en-SG" dirty="0" smtClean="0"/>
+              <a:t>SAP </a:t>
+            </a:r>
+            <a:r>
+              <a:rPr lang="en-SG" dirty="0" smtClean="0"/>
+              <a:t>Cloud Platform Mobile</a:t>
+            </a:r>
+            <a:endParaRPr lang="en-SG" dirty="0" smtClean="0"/>
+          </a:p>
+          <a:p>
+            <a:pPr algn="ctr"/>
+            <a:r>
+              <a:rPr lang="en-SG" dirty="0" smtClean="0"/>
+              <a:t>SDK</a:t>
             </a:r>
             <a:endParaRPr lang="en-SG" dirty="0"/>
           </a:p>
         </p:txBody>
       </p:sp>
-      <p:sp>
-        <p:nvSpPr>
-          <p:cNvPr id="17" name="Rectangle 16"/>
-          <p:cNvSpPr/>
+      <p:pic>
+        <p:nvPicPr>
+          <p:cNvPr id="18" name="Google Shape;171;p26"/>
+          <p:cNvPicPr preferRelativeResize="0"/>
           <p:nvPr/>
-        </p:nvSpPr>
+        </p:nvPicPr>
+        <p:blipFill>
+          <a:blip r:embed="rId5">
+            <a:alphaModFix/>
+          </a:blip>
+          <a:stretch>
+            <a:fillRect/>
+          </a:stretch>
+        </p:blipFill>
         <p:spPr>
           <a:xfrm>
-            <a:off x="326899" y="2431701"/>
-            <a:ext cx="1591313" cy="823965"/>
+            <a:off x="2425495" y="4925883"/>
+            <a:ext cx="1205873" cy="1530250"/>
           </a:xfrm>
           <a:prstGeom prst="rect">
             <a:avLst/>
           </a:prstGeom>
+          <a:noFill/>
+          <a:ln>
+            <a:noFill/>
+          </a:ln>
+        </p:spPr>
+      </p:pic>
+      <p:pic>
+        <p:nvPicPr>
+          <p:cNvPr id="19" name="Google Shape;131;p22"/>
+          <p:cNvPicPr preferRelativeResize="0"/>
+          <p:nvPr/>
+        </p:nvPicPr>
+        <p:blipFill rotWithShape="1">
+          <a:blip r:embed="rId6">
+            <a:alphaModFix/>
+          </a:blip>
+          <a:srcRect r="48450"/>
+          <a:stretch/>
+        </p:blipFill>
+        <p:spPr>
+          <a:xfrm>
+            <a:off x="2421895" y="1185034"/>
+            <a:ext cx="870790" cy="1665600"/>
+          </a:xfrm>
+          <a:prstGeom prst="rect">
+            <a:avLst/>
+          </a:prstGeom>
+          <a:noFill/>
+          <a:ln>
+            <a:noFill/>
+          </a:ln>
+        </p:spPr>
+      </p:pic>
+      <p:pic>
+        <p:nvPicPr>
+          <p:cNvPr id="20" name="Google Shape;132;p22"/>
+          <p:cNvPicPr preferRelativeResize="0"/>
+          <p:nvPr/>
+        </p:nvPicPr>
+        <p:blipFill rotWithShape="1">
+          <a:blip r:embed="rId7">
+            <a:alphaModFix/>
+          </a:blip>
+          <a:srcRect t="3598" r="74082" b="19181"/>
+          <a:stretch/>
+        </p:blipFill>
+        <p:spPr>
+          <a:xfrm>
+            <a:off x="4463705" y="4346051"/>
+            <a:ext cx="1580225" cy="1805550"/>
+          </a:xfrm>
+          <a:prstGeom prst="rect">
+            <a:avLst/>
+          </a:prstGeom>
+          <a:noFill/>
+          <a:ln>
+            <a:noFill/>
+          </a:ln>
+        </p:spPr>
+      </p:pic>
+      <p:sp>
+        <p:nvSpPr>
+          <p:cNvPr id="7" name="Rectangle 6"/>
+          <p:cNvSpPr/>
+          <p:nvPr/>
+        </p:nvSpPr>
+        <p:spPr>
+          <a:xfrm>
+            <a:off x="5515028" y="4248692"/>
+            <a:ext cx="2070695" cy="1963448"/>
+          </a:xfrm>
+          <a:prstGeom prst="rect">
+            <a:avLst/>
+          </a:prstGeom>
+          <a:solidFill>
+            <a:schemeClr val="accent5"/>
+          </a:solidFill>
         </p:spPr>
         <p:style>
-          <a:lnRef idx="1">
-            <a:schemeClr val="accent4"/>
+          <a:lnRef idx="3">
+            <a:schemeClr val="lt1"/>
           </a:lnRef>
-          <a:fillRef idx="2">
-            <a:schemeClr val="accent4"/>
+          <a:fillRef idx="1">
+            <a:schemeClr val="accent6"/>
           </a:fillRef>
           <a:effectRef idx="1">
-            <a:schemeClr val="accent4"/>
+            <a:schemeClr val="accent6"/>
           </a:effectRef>
           <a:fontRef idx="minor">
-            <a:schemeClr val="dk1"/>
+            <a:schemeClr val="lt1"/>
           </a:fontRef>
         </p:style>
         <p:txBody>
@@ -6909,20 +6950,104 @@
           <a:p>
             <a:pPr algn="ctr"/>
             <a:r>
+              <a:rPr lang="en-SG" dirty="0" err="1" smtClean="0"/>
+              <a:t>SmartBackpackSAP</a:t>
+            </a:r>
+            <a:endParaRPr lang="en-SG" dirty="0"/>
+          </a:p>
+          <a:p>
+            <a:pPr algn="ctr"/>
+            <a:r>
               <a:rPr lang="en-SG" dirty="0" smtClean="0"/>
-              <a:t>SAP CP</a:t>
+              <a:t>SAPUI5</a:t>
             </a:r>
           </a:p>
           <a:p>
             <a:pPr algn="ctr"/>
             <a:r>
               <a:rPr lang="en-SG" dirty="0" smtClean="0"/>
-              <a:t>SDK</a:t>
-            </a:r>
-            <a:endParaRPr lang="en-SG" dirty="0"/>
-          </a:p>
-        </p:txBody>
-      </p:sp>
+              <a:t>Web App</a:t>
+            </a:r>
+            <a:endParaRPr lang="en-SG" dirty="0" smtClean="0"/>
+          </a:p>
+          <a:p>
+            <a:pPr algn="ctr"/>
+            <a:r>
+              <a:rPr lang="en-SG" dirty="0" smtClean="0"/>
+              <a:t>Dashboard</a:t>
+            </a:r>
+          </a:p>
+        </p:txBody>
+      </p:sp>
+      <p:pic>
+        <p:nvPicPr>
+          <p:cNvPr id="1026" name="Picture 2" descr="Image result for hana db"/>
+          <p:cNvPicPr>
+            <a:picLocks noChangeAspect="1" noChangeArrowheads="1"/>
+          </p:cNvPicPr>
+          <p:nvPr/>
+        </p:nvPicPr>
+        <p:blipFill>
+          <a:blip r:embed="rId8" cstate="print">
+            <a:extLst>
+              <a:ext uri="{28A0092B-C50C-407E-A947-70E740481C1C}">
+                <a14:useLocalDpi xmlns:a14="http://schemas.microsoft.com/office/drawing/2010/main" val="0"/>
+              </a:ext>
+            </a:extLst>
+          </a:blip>
+          <a:srcRect/>
+          <a:stretch>
+            <a:fillRect/>
+          </a:stretch>
+        </p:blipFill>
+        <p:spPr bwMode="auto">
+          <a:xfrm>
+            <a:off x="10207646" y="5087031"/>
+            <a:ext cx="1207105" cy="331790"/>
+          </a:xfrm>
+          <a:prstGeom prst="rect">
+            <a:avLst/>
+          </a:prstGeom>
+          <a:noFill/>
+          <a:extLst>
+            <a:ext uri="{909E8E84-426E-40DD-AFC4-6F175D3DCCD1}">
+              <a14:hiddenFill xmlns:a14="http://schemas.microsoft.com/office/drawing/2010/main">
+                <a:solidFill>
+                  <a:srgbClr val="FFFFFF"/>
+                </a:solidFill>
+              </a14:hiddenFill>
+            </a:ext>
+          </a:extLst>
+        </p:spPr>
+      </p:pic>
+      <p:pic>
+        <p:nvPicPr>
+          <p:cNvPr id="16" name="Google Shape;137;p22"/>
+          <p:cNvPicPr preferRelativeResize="0"/>
+          <p:nvPr/>
+        </p:nvPicPr>
+        <p:blipFill>
+          <a:blip r:embed="rId9">
+            <a:alphaModFix/>
+          </a:blip>
+          <a:stretch>
+            <a:fillRect/>
+          </a:stretch>
+        </p:blipFill>
+        <p:spPr>
+          <a:xfrm>
+            <a:off x="3510246" y="4672171"/>
+            <a:ext cx="604872" cy="829719"/>
+          </a:xfrm>
+          <a:prstGeom prst="rect">
+            <a:avLst/>
+          </a:prstGeom>
+          <a:noFill/>
+          <a:ln>
+            <a:noFill/>
+          </a:ln>
+        </p:spPr>
+      </p:pic>
     </p:spTree>
     <p:extLst>
       <p:ext uri="{BB962C8B-B14F-4D97-AF65-F5344CB8AC3E}">
@@ -6936,7 +7061,136 @@
   <p:timing>
     <p:tnLst>
       <p:par>
-        <p:cTn id="1" dur="indefinite" restart="never" nodeType="tmRoot"/>
+        <p:cTn id="1" dur="indefinite" restart="never" nodeType="tmRoot">
+          <p:childTnLst>
+            <p:seq concurrent="1" nextAc="seek">
+              <p:cTn id="2" dur="indefinite" nodeType="mainSeq">
+                <p:childTnLst>
+                  <p:par>
+                    <p:cTn id="3" fill="hold">
+                      <p:stCondLst>
+                        <p:cond delay="indefinite"/>
+                      </p:stCondLst>
+                      <p:childTnLst>
+                        <p:par>
+                          <p:cTn id="4" fill="hold">
+                            <p:stCondLst>
+                              <p:cond delay="0"/>
+                            </p:stCondLst>
+                            <p:childTnLst>
+                              <p:par>
+                                <p:cTn id="5" presetID="10" presetClass="entr" presetSubtype="0" fill="hold" nodeType="clickEffect">
+                                  <p:stCondLst>
+                                    <p:cond delay="0"/>
+                                  </p:stCondLst>
+                                  <p:childTnLst>
+                                    <p:set>
+                                      <p:cBhvr>
+                                        <p:cTn id="6" dur="1" fill="hold">
+                                          <p:stCondLst>
+                                            <p:cond delay="0"/>
+                                          </p:stCondLst>
+                                        </p:cTn>
+                                        <p:tgtEl>
+                                          <p:spTgt spid="19"/>
+                                        </p:tgtEl>
+                                        <p:attrNameLst>
+                                          <p:attrName>style.visibility</p:attrName>
+                                        </p:attrNameLst>
+                                      </p:cBhvr>
+                                      <p:to>
+                                        <p:strVal val="visible"/>
+                                      </p:to>
+                                    </p:set>
+                                    <p:animEffect transition="in" filter="fade">
+                                      <p:cBhvr>
+                                        <p:cTn id="7" dur="1000"/>
+                                        <p:tgtEl>
+                                          <p:spTgt spid="19"/>
+                                        </p:tgtEl>
+                                      </p:cBhvr>
+                                    </p:animEffect>
+                                  </p:childTnLst>
+                                </p:cTn>
+                              </p:par>
+                            </p:childTnLst>
+                          </p:cTn>
+                        </p:par>
+                      </p:childTnLst>
+                    </p:cTn>
+                  </p:par>
+                  <p:par>
+                    <p:cTn id="8" fill="hold">
+                      <p:stCondLst>
+                        <p:cond delay="indefinite"/>
+                      </p:stCondLst>
+                      <p:childTnLst>
+                        <p:par>
+                          <p:cTn id="9" fill="hold">
+                            <p:stCondLst>
+                              <p:cond delay="0"/>
+                            </p:stCondLst>
+                            <p:childTnLst>
+                              <p:par>
+                                <p:cTn id="10" presetID="10" presetClass="entr" presetSubtype="0" fill="hold" nodeType="clickEffect">
+                                  <p:stCondLst>
+                                    <p:cond delay="0"/>
+                                  </p:stCondLst>
+                                  <p:childTnLst>
+                                    <p:set>
+                                      <p:cBhvr>
+                                        <p:cTn id="11" dur="1" fill="hold">
+                                          <p:stCondLst>
+                                            <p:cond delay="0"/>
+                                          </p:stCondLst>
+                                        </p:cTn>
+                                        <p:tgtEl>
+                                          <p:spTgt spid="20"/>
+                                        </p:tgtEl>
+                                        <p:attrNameLst>
+                                          <p:attrName>style.visibility</p:attrName>
+                                        </p:attrNameLst>
+                                      </p:cBhvr>
+                                      <p:to>
+                                        <p:strVal val="visible"/>
+                                      </p:to>
+                                    </p:set>
+                                    <p:animEffect transition="in" filter="fade">
+                                      <p:cBhvr>
+                                        <p:cTn id="12" dur="1000"/>
+                                        <p:tgtEl>
+                                          <p:spTgt spid="20"/>
+                                        </p:tgtEl>
+                                      </p:cBhvr>
+                                    </p:animEffect>
+                                  </p:childTnLst>
+                                </p:cTn>
+                              </p:par>
+                            </p:childTnLst>
+                          </p:cTn>
+                        </p:par>
+                      </p:childTnLst>
+                    </p:cTn>
+                  </p:par>
+                </p:childTnLst>
+              </p:cTn>
+              <p:prevCondLst>
+                <p:cond evt="onPrev" delay="0">
+                  <p:tgtEl>
+                    <p:sldTgt/>
+                  </p:tgtEl>
+                </p:cond>
+              </p:prevCondLst>
+              <p:nextCondLst>
+                <p:cond evt="onNext" delay="0">
+                  <p:tgtEl>
+                    <p:sldTgt/>
+                  </p:tgtEl>
+                </p:cond>
+              </p:nextCondLst>
+            </p:seq>
+          </p:childTnLst>
+        </p:cTn>
       </p:par>
     </p:tnLst>
   </p:timing>
@@ -7010,49 +7264,6 @@
             <a:r>
               <a:rPr lang="en-SG" dirty="0" smtClean="0"/>
               <a:t> Device</a:t>
-            </a:r>
-            <a:endParaRPr lang="en-SG" dirty="0"/>
-          </a:p>
-        </p:txBody>
-      </p:sp>
-      <p:sp>
-        <p:nvSpPr>
-          <p:cNvPr id="3" name="Rectangle 2"/>
-          <p:cNvSpPr/>
-          <p:nvPr/>
-        </p:nvSpPr>
-        <p:spPr>
-          <a:xfrm>
-            <a:off x="9677400" y="342900"/>
-            <a:ext cx="2198233" cy="4651131"/>
-          </a:xfrm>
-          <a:prstGeom prst="rect">
-            <a:avLst/>
-          </a:prstGeom>
-          <a:effectLst/>
-        </p:spPr>
-        <p:style>
-          <a:lnRef idx="3">
-            <a:schemeClr val="lt1"/>
-          </a:lnRef>
-          <a:fillRef idx="1">
-            <a:schemeClr val="accent6"/>
-          </a:fillRef>
-          <a:effectRef idx="1">
-            <a:schemeClr val="accent6"/>
-          </a:effectRef>
-          <a:fontRef idx="minor">
-            <a:schemeClr val="lt1"/>
-          </a:fontRef>
-        </p:style>
-        <p:txBody>
-          <a:bodyPr rtlCol="0" anchor="t"/>
-          <a:lstStyle/>
-          <a:p>
-            <a:pPr algn="ctr"/>
-            <a:r>
-              <a:rPr lang="en-SG" dirty="0" smtClean="0"/>
-              <a:t>Android App</a:t>
             </a:r>
             <a:endParaRPr lang="en-SG" dirty="0"/>
           </a:p>
@@ -7591,50 +7802,108 @@
           </a:p>
         </p:txBody>
       </p:sp>
-      <p:sp>
-        <p:nvSpPr>
-          <p:cNvPr id="25" name="Rectangle 24"/>
-          <p:cNvSpPr/>
+      <p:grpSp>
+        <p:nvGrpSpPr>
+          <p:cNvPr id="13" name="Group 12"/>
+          <p:cNvGrpSpPr/>
           <p:nvPr/>
-        </p:nvSpPr>
-        <p:spPr>
+        </p:nvGrpSpPr>
+        <p:grpSpPr>
           <a:xfrm>
-            <a:off x="9939368" y="815350"/>
-            <a:ext cx="1674295" cy="3570644"/>
-          </a:xfrm>
-          <a:prstGeom prst="rect">
-            <a:avLst/>
-          </a:prstGeom>
-          <a:effectLst/>
-        </p:spPr>
-        <p:style>
-          <a:lnRef idx="2">
-            <a:schemeClr val="accent5">
-              <a:shade val="50000"/>
-            </a:schemeClr>
-          </a:lnRef>
-          <a:fillRef idx="1">
-            <a:schemeClr val="accent5"/>
-          </a:fillRef>
-          <a:effectRef idx="0">
-            <a:schemeClr val="accent5"/>
-          </a:effectRef>
-          <a:fontRef idx="minor">
-            <a:schemeClr val="lt1"/>
-          </a:fontRef>
-        </p:style>
-        <p:txBody>
-          <a:bodyPr rtlCol="0" anchor="ctr"/>
-          <a:lstStyle/>
-          <a:p>
-            <a:pPr algn="ctr"/>
-            <a:r>
-              <a:rPr lang="en-SG" dirty="0"/>
-              <a:t>IOT Communication Layer</a:t>
-            </a:r>
-          </a:p>
-        </p:txBody>
-      </p:sp>
+            <a:off x="9677400" y="342900"/>
+            <a:ext cx="2198233" cy="4651131"/>
+            <a:chOff x="9677400" y="342900"/>
+            <a:chExt cx="2198233" cy="4651131"/>
+          </a:xfrm>
+        </p:grpSpPr>
+        <p:sp>
+          <p:nvSpPr>
+            <p:cNvPr id="3" name="Rectangle 2"/>
+            <p:cNvSpPr/>
+            <p:nvPr/>
+          </p:nvSpPr>
+          <p:spPr>
+            <a:xfrm>
+              <a:off x="9677400" y="342900"/>
+              <a:ext cx="2198233" cy="4651131"/>
+            </a:xfrm>
+            <a:prstGeom prst="rect">
+              <a:avLst/>
+            </a:prstGeom>
+            <a:effectLst/>
+          </p:spPr>
+          <p:style>
+            <a:lnRef idx="3">
+              <a:schemeClr val="lt1"/>
+            </a:lnRef>
+            <a:fillRef idx="1">
+              <a:schemeClr val="accent6"/>
+            </a:fillRef>
+            <a:effectRef idx="1">
+              <a:schemeClr val="accent6"/>
+            </a:effectRef>
+            <a:fontRef idx="minor">
+              <a:schemeClr val="lt1"/>
+            </a:fontRef>
+          </p:style>
+          <p:txBody>
+            <a:bodyPr rtlCol="0" anchor="t"/>
+            <a:lstStyle/>
+            <a:p>
+              <a:pPr algn="ctr"/>
+              <a:r>
+                <a:rPr lang="en-SG" dirty="0" smtClean="0"/>
+                <a:t>Android App</a:t>
+              </a:r>
+              <a:endParaRPr lang="en-SG" dirty="0"/>
+            </a:p>
+          </p:txBody>
+        </p:sp>
+        <p:sp>
+          <p:nvSpPr>
+            <p:cNvPr id="25" name="Rectangle 24"/>
+            <p:cNvSpPr/>
+            <p:nvPr/>
+          </p:nvSpPr>
+          <p:spPr>
+            <a:xfrm>
+              <a:off x="9939368" y="815350"/>
+              <a:ext cx="1674295" cy="3570644"/>
+            </a:xfrm>
+            <a:prstGeom prst="rect">
+              <a:avLst/>
+            </a:prstGeom>
+            <a:effectLst/>
+          </p:spPr>
+          <p:style>
+            <a:lnRef idx="2">
+              <a:schemeClr val="accent5">
+                <a:shade val="50000"/>
+              </a:schemeClr>
+            </a:lnRef>
+            <a:fillRef idx="1">
+              <a:schemeClr val="accent5"/>
+            </a:fillRef>
+            <a:effectRef idx="0">
+              <a:schemeClr val="accent5"/>
+            </a:effectRef>
+            <a:fontRef idx="minor">
+              <a:schemeClr val="lt1"/>
+            </a:fontRef>
+          </p:style>
+          <p:txBody>
+            <a:bodyPr rtlCol="0" anchor="ctr"/>
+            <a:lstStyle/>
+            <a:p>
+              <a:pPr algn="ctr"/>
+              <a:r>
+                <a:rPr lang="en-SG" dirty="0"/>
+                <a:t>IOT Communication Layer</a:t>
+              </a:r>
+            </a:p>
+          </p:txBody>
+        </p:sp>
+      </p:grpSp>
       <p:sp>
         <p:nvSpPr>
           <p:cNvPr id="18" name="Up-Down Arrow 17"/>
@@ -8163,6 +8432,21 @@
   <p:clrMapOvr>
     <a:masterClrMapping/>
   </p:clrMapOvr>
+  <mc:AlternateContent xmlns:mc="http://schemas.openxmlformats.org/markup-compatibility/2006" xmlns:p14="http://schemas.microsoft.com/office/powerpoint/2010/main">
+    <mc:Choice Requires="p14">
+      <p:transition spd="slow" p14:dur="2000" advClick="0"/>
+    </mc:Choice>
+    <mc:Fallback xmlns="">
+      <p:transition spd="slow" advClick="0"/>
+    </mc:Fallback>
+  </mc:AlternateContent>
+  <p:timing>
+    <p:tnLst>
+      <p:par>
+        <p:cTn id="1" dur="indefinite" restart="never" nodeType="tmRoot"/>
+      </p:par>
+    </p:tnLst>
+  </p:timing>
 </p:sld>
 </file>
 
@@ -8435,7 +8719,9 @@
       </p:sp>
       <p:sp>
         <p:nvSpPr>
-          <p:cNvPr id="13" name="Rectangle 12"/>
+          <p:cNvPr id="13" name="Rectangle 12">
+            <a:hlinkClick r:id="rId2" action="ppaction://hlinksldjump"/>
+          </p:cNvPr>
           <p:cNvSpPr/>
           <p:nvPr/>
         </p:nvSpPr>
@@ -8622,7 +8908,9 @@
       </p:sp>
       <p:sp>
         <p:nvSpPr>
-          <p:cNvPr id="21" name="Rectangle 20"/>
+          <p:cNvPr id="21" name="Rectangle 20">
+            <a:hlinkClick r:id="rId3" action="ppaction://hlinksldjump"/>
+          </p:cNvPr>
           <p:cNvSpPr/>
           <p:nvPr/>
         </p:nvSpPr>
@@ -8683,7 +8971,7 @@
         </p:xfrm>
         <a:graphic>
           <a:graphicData uri="http://schemas.openxmlformats.org/drawingml/2006/diagram">
-            <dgm:relIds xmlns:dgm="http://schemas.openxmlformats.org/drawingml/2006/diagram" xmlns:r="http://schemas.openxmlformats.org/officeDocument/2006/relationships" r:dm="rId2" r:lo="rId3" r:qs="rId4" r:cs="rId5"/>
+            <dgm:relIds xmlns:dgm="http://schemas.openxmlformats.org/drawingml/2006/diagram" xmlns:r="http://schemas.openxmlformats.org/officeDocument/2006/relationships" r:dm="rId4" r:lo="rId5" r:qs="rId6" r:cs="rId7"/>
           </a:graphicData>
         </a:graphic>
       </p:graphicFrame>
@@ -12049,7 +12337,23 @@
             <a:pPr algn="ctr"/>
             <a:r>
               <a:rPr lang="en-SG" dirty="0" smtClean="0"/>
-              <a:t>0: Very Good</a:t>
+              <a:t>[0</a:t>
+            </a:r>
+            <a:r>
+              <a:rPr lang="en-SG" dirty="0"/>
+              <a:t>]</a:t>
+            </a:r>
+            <a:endParaRPr lang="en-SG" dirty="0" smtClean="0"/>
+          </a:p>
+          <a:p>
+            <a:pPr algn="ctr"/>
+            <a:r>
+              <a:rPr lang="en-SG" dirty="0" smtClean="0"/>
+              <a:t>Very </a:t>
+            </a:r>
+            <a:r>
+              <a:rPr lang="en-SG" dirty="0" smtClean="0"/>
+              <a:t>Good</a:t>
             </a:r>
             <a:endParaRPr lang="en-SG" dirty="0"/>
           </a:p>
@@ -12091,7 +12395,14 @@
             <a:pPr algn="ctr"/>
             <a:r>
               <a:rPr lang="en-SG" dirty="0" smtClean="0"/>
-              <a:t>1: Ok</a:t>
+              <a:t>[1]</a:t>
+            </a:r>
+          </a:p>
+          <a:p>
+            <a:pPr algn="ctr"/>
+            <a:r>
+              <a:rPr lang="en-SG" dirty="0" smtClean="0"/>
+              <a:t>Ok</a:t>
             </a:r>
             <a:endParaRPr lang="en-SG" dirty="0"/>
           </a:p>
@@ -12133,7 +12444,14 @@
             <a:pPr algn="ctr"/>
             <a:r>
               <a:rPr lang="en-SG" dirty="0" smtClean="0"/>
-              <a:t>2: Uncomfortable</a:t>
+              <a:t>[2]</a:t>
+            </a:r>
+          </a:p>
+          <a:p>
+            <a:pPr algn="ctr"/>
+            <a:r>
+              <a:rPr lang="en-SG" dirty="0" smtClean="0"/>
+              <a:t>Uncomfortable</a:t>
             </a:r>
             <a:endParaRPr lang="en-SG" dirty="0"/>
           </a:p>
@@ -12175,7 +12493,18 @@
             <a:pPr algn="ctr"/>
             <a:r>
               <a:rPr lang="en-SG" dirty="0" smtClean="0"/>
-              <a:t>3: Very Uncomfortable</a:t>
+              <a:t>[3]</a:t>
+            </a:r>
+          </a:p>
+          <a:p>
+            <a:pPr algn="ctr"/>
+            <a:r>
+              <a:rPr lang="en-SG" dirty="0" smtClean="0"/>
+              <a:t>Very </a:t>
+            </a:r>
+            <a:r>
+              <a:rPr lang="en-SG" dirty="0" smtClean="0"/>
+              <a:t>Uncomfortable</a:t>
             </a:r>
             <a:endParaRPr lang="en-SG" dirty="0"/>
           </a:p>
@@ -12216,8 +12545,19 @@
           <a:p>
             <a:pPr algn="ctr"/>
             <a:r>
+              <a:rPr lang="en-SG" dirty="0"/>
+              <a:t>[</a:t>
+            </a:r>
+            <a:r>
               <a:rPr lang="en-SG" dirty="0" smtClean="0"/>
-              <a:t>4: Danger</a:t>
+              <a:t>4]</a:t>
+            </a:r>
+          </a:p>
+          <a:p>
+            <a:pPr algn="ctr"/>
+            <a:r>
+              <a:rPr lang="en-SG" dirty="0" smtClean="0"/>
+              <a:t>Hazardous</a:t>
             </a:r>
             <a:endParaRPr lang="en-SG" dirty="0"/>
           </a:p>
@@ -14185,6 +14525,13 @@
   <p:clrMapOvr>
     <a:masterClrMapping/>
   </p:clrMapOvr>
+  <p:timing>
+    <p:tnLst>
+      <p:par>
+        <p:cTn id="1" dur="indefinite" restart="never" nodeType="tmRoot"/>
+      </p:par>
+    </p:tnLst>
+  </p:timing>
 </p:sld>
 </file>
 
@@ -14518,6 +14865,13 @@
   <p:clrMapOvr>
     <a:masterClrMapping/>
   </p:clrMapOvr>
+  <p:timing>
+    <p:tnLst>
+      <p:par>
+        <p:cTn id="1" dur="indefinite" restart="never" nodeType="tmRoot"/>
+      </p:par>
+    </p:tnLst>
+  </p:timing>
 </p:sld>
 </file>
 
